--- a/Presentación/Curso.pptx
+++ b/Presentación/Curso.pptx
@@ -5,22 +5,23 @@
     <p:sldMasterId id="2147483712" r:id="rId1"/>
   </p:sldMasterIdLst>
   <p:notesMasterIdLst>
-    <p:notesMasterId r:id="rId15"/>
+    <p:notesMasterId r:id="rId16"/>
   </p:notesMasterIdLst>
   <p:sldIdLst>
     <p:sldId id="256" r:id="rId2"/>
-    <p:sldId id="291" r:id="rId3"/>
-    <p:sldId id="331" r:id="rId4"/>
-    <p:sldId id="362" r:id="rId5"/>
-    <p:sldId id="363" r:id="rId6"/>
-    <p:sldId id="364" r:id="rId7"/>
-    <p:sldId id="365" r:id="rId8"/>
-    <p:sldId id="366" r:id="rId9"/>
-    <p:sldId id="367" r:id="rId10"/>
-    <p:sldId id="360" r:id="rId11"/>
-    <p:sldId id="361" r:id="rId12"/>
-    <p:sldId id="358" r:id="rId13"/>
-    <p:sldId id="356" r:id="rId14"/>
+    <p:sldId id="368" r:id="rId3"/>
+    <p:sldId id="291" r:id="rId4"/>
+    <p:sldId id="331" r:id="rId5"/>
+    <p:sldId id="362" r:id="rId6"/>
+    <p:sldId id="363" r:id="rId7"/>
+    <p:sldId id="364" r:id="rId8"/>
+    <p:sldId id="365" r:id="rId9"/>
+    <p:sldId id="366" r:id="rId10"/>
+    <p:sldId id="367" r:id="rId11"/>
+    <p:sldId id="360" r:id="rId12"/>
+    <p:sldId id="361" r:id="rId13"/>
+    <p:sldId id="358" r:id="rId14"/>
+    <p:sldId id="356" r:id="rId15"/>
   </p:sldIdLst>
   <p:sldSz cx="9144000" cy="5143500" type="screen16x9"/>
   <p:notesSz cx="6858000" cy="9144000"/>
@@ -4758,15 +4759,72 @@
           <a:p>
             <a:r>
               <a:rPr lang="es-ES" dirty="0"/>
-              <a:t>Calificación</a:t>
+              <a:t>Composición del curso</a:t>
             </a:r>
             <a:endParaRPr lang="es-CO" dirty="0"/>
+          </a:p>
+        </p:txBody>
+      </p:sp>
+      <p:sp>
+        <p:nvSpPr>
+          <p:cNvPr id="8" name="CuadroTexto 7"/>
+          <p:cNvSpPr txBox="1"/>
+          <p:nvPr/>
+        </p:nvSpPr>
+        <p:spPr>
+          <a:xfrm>
+            <a:off x="1115616" y="1779662"/>
+            <a:ext cx="4248472" cy="954107"/>
+          </a:xfrm>
+          <a:prstGeom prst="rect">
+            <a:avLst/>
+          </a:prstGeom>
+          <a:noFill/>
+        </p:spPr>
+        <p:txBody>
+          <a:bodyPr wrap="square" rtlCol="0">
+            <a:spAutoFit/>
+          </a:bodyPr>
+          <a:lstStyle/>
+          <a:p>
+            <a:r>
+              <a:rPr lang="es-ES" b="1" dirty="0">
+                <a:solidFill>
+                  <a:schemeClr val="tx2"/>
+                </a:solidFill>
+              </a:rPr>
+              <a:t>UNIDAD 6</a:t>
+            </a:r>
+          </a:p>
+          <a:p>
+            <a:r>
+              <a:rPr lang="es-ES" dirty="0">
+                <a:solidFill>
+                  <a:schemeClr val="tx2"/>
+                </a:solidFill>
+              </a:rPr>
+              <a:t>Concurrencia</a:t>
+            </a:r>
+          </a:p>
+          <a:p>
+            <a:endParaRPr lang="es-ES" dirty="0">
+              <a:solidFill>
+                <a:schemeClr val="tx2"/>
+              </a:solidFill>
+            </a:endParaRPr>
+          </a:p>
+          <a:p>
+            <a:endParaRPr lang="es-ES" dirty="0">
+              <a:solidFill>
+                <a:schemeClr val="tx2"/>
+              </a:solidFill>
+            </a:endParaRPr>
           </a:p>
         </p:txBody>
       </p:sp>
       <p:pic>
         <p:nvPicPr>
-          <p:cNvPr id="11" name="Picture 6" descr="Resultado de imagen de icesi logo blanco&quot;"/>
+          <p:cNvPr id="12" name="Picture 6" descr="Resultado de imagen de icesi logo blanco&quot;"/>
           <p:cNvPicPr>
             <a:picLocks noChangeAspect="1" noChangeArrowheads="1"/>
           </p:cNvPicPr>
@@ -4807,102 +4865,21 @@
       </p:pic>
       <p:sp>
         <p:nvSpPr>
-          <p:cNvPr id="26" name="CuadroTexto 25">
-            <a:extLst>
-              <a:ext uri="{FF2B5EF4-FFF2-40B4-BE49-F238E27FC236}">
-                <a16:creationId xmlns:a16="http://schemas.microsoft.com/office/drawing/2014/main" id="{5DE58171-FEC6-CB45-8540-6A1AFFCF6107}"/>
-              </a:ext>
-            </a:extLst>
-          </p:cNvPr>
-          <p:cNvSpPr txBox="1"/>
-          <p:nvPr/>
-        </p:nvSpPr>
-        <p:spPr>
-          <a:xfrm>
-            <a:off x="2621780" y="3615868"/>
-            <a:ext cx="1584176" cy="307777"/>
-          </a:xfrm>
-          <a:prstGeom prst="rect">
-            <a:avLst/>
-          </a:prstGeom>
-          <a:noFill/>
-        </p:spPr>
-        <p:txBody>
-          <a:bodyPr wrap="square" rtlCol="0">
-            <a:spAutoFit/>
-          </a:bodyPr>
-          <a:lstStyle/>
-          <a:p>
-            <a:r>
-              <a:rPr lang="es-CO" dirty="0">
-                <a:solidFill>
-                  <a:schemeClr val="tx1"/>
-                </a:solidFill>
-              </a:rPr>
-              <a:t>Seguimientos</a:t>
-            </a:r>
-          </a:p>
-        </p:txBody>
-      </p:sp>
-      <p:sp>
-        <p:nvSpPr>
-          <p:cNvPr id="27" name="CuadroTexto 26">
-            <a:extLst>
-              <a:ext uri="{FF2B5EF4-FFF2-40B4-BE49-F238E27FC236}">
-                <a16:creationId xmlns:a16="http://schemas.microsoft.com/office/drawing/2014/main" id="{231572EC-7590-A64F-A916-1D8E0C98D405}"/>
-              </a:ext>
-            </a:extLst>
-          </p:cNvPr>
-          <p:cNvSpPr txBox="1"/>
-          <p:nvPr/>
-        </p:nvSpPr>
-        <p:spPr>
-          <a:xfrm>
-            <a:off x="2621779" y="2967438"/>
-            <a:ext cx="2310259" cy="307777"/>
-          </a:xfrm>
-          <a:prstGeom prst="rect">
-            <a:avLst/>
-          </a:prstGeom>
-          <a:noFill/>
-        </p:spPr>
-        <p:txBody>
-          <a:bodyPr wrap="square" rtlCol="0">
-            <a:spAutoFit/>
-          </a:bodyPr>
-          <a:lstStyle/>
-          <a:p>
-            <a:r>
-              <a:rPr lang="es-CO" dirty="0">
-                <a:solidFill>
-                  <a:schemeClr val="tx1"/>
-                </a:solidFill>
-              </a:rPr>
-              <a:t>Tarea integradora 3</a:t>
-            </a:r>
-          </a:p>
-        </p:txBody>
-      </p:sp>
-      <p:sp>
-        <p:nvSpPr>
-          <p:cNvPr id="28" name="Rectángulo redondeado 27">
-            <a:extLst>
-              <a:ext uri="{FF2B5EF4-FFF2-40B4-BE49-F238E27FC236}">
-                <a16:creationId xmlns:a16="http://schemas.microsoft.com/office/drawing/2014/main" id="{C8A2646A-C649-6F48-92A2-12F55DE715E5}"/>
-              </a:ext>
-            </a:extLst>
-          </p:cNvPr>
+          <p:cNvPr id="3" name="Elipse 2"/>
           <p:cNvSpPr/>
           <p:nvPr/>
         </p:nvSpPr>
         <p:spPr>
           <a:xfrm>
-            <a:off x="2843808" y="1923678"/>
-            <a:ext cx="3096343" cy="269760"/>
-          </a:xfrm>
-          <a:prstGeom prst="roundRect">
-            <a:avLst/>
-          </a:prstGeom>
+            <a:off x="539552" y="1861543"/>
+            <a:ext cx="360040" cy="360040"/>
+          </a:xfrm>
+          <a:prstGeom prst="ellipse">
+            <a:avLst/>
+          </a:prstGeom>
+          <a:ln>
+            <a:noFill/>
+          </a:ln>
         </p:spPr>
         <p:style>
           <a:lnRef idx="2">
@@ -4924,102 +4901,29 @@
           <a:bodyPr rtlCol="0" anchor="ctr"/>
           <a:lstStyle/>
           <a:p>
-            <a:pPr algn="r"/>
-            <a:r>
-              <a:rPr lang="es-CO" dirty="0">
-                <a:solidFill>
-                  <a:srgbClr val="7030A0"/>
-                </a:solidFill>
-              </a:rPr>
-              <a:t>25%</a:t>
-            </a:r>
-          </a:p>
-        </p:txBody>
-      </p:sp>
-      <p:sp>
-        <p:nvSpPr>
-          <p:cNvPr id="29" name="CuadroTexto 28">
+            <a:pPr algn="ctr"/>
+            <a:r>
+              <a:rPr lang="es-ES" dirty="0">
+                <a:solidFill>
+                  <a:schemeClr val="bg1"/>
+                </a:solidFill>
+              </a:rPr>
+              <a:t>5</a:t>
+            </a:r>
+            <a:endParaRPr lang="es-CO" dirty="0">
+              <a:solidFill>
+                <a:schemeClr val="bg1"/>
+              </a:solidFill>
+            </a:endParaRPr>
+          </a:p>
+        </p:txBody>
+      </p:sp>
+      <p:sp>
+        <p:nvSpPr>
+          <p:cNvPr id="4" name="Rectángulo 3">
             <a:extLst>
               <a:ext uri="{FF2B5EF4-FFF2-40B4-BE49-F238E27FC236}">
-                <a16:creationId xmlns:a16="http://schemas.microsoft.com/office/drawing/2014/main" id="{7B779B75-B00A-D147-8847-56B58229D111}"/>
-              </a:ext>
-            </a:extLst>
-          </p:cNvPr>
-          <p:cNvSpPr txBox="1"/>
-          <p:nvPr/>
-        </p:nvSpPr>
-        <p:spPr>
-          <a:xfrm>
-            <a:off x="2617080" y="2282483"/>
-            <a:ext cx="2170943" cy="307777"/>
-          </a:xfrm>
-          <a:prstGeom prst="rect">
-            <a:avLst/>
-          </a:prstGeom>
-          <a:noFill/>
-        </p:spPr>
-        <p:txBody>
-          <a:bodyPr wrap="square" rtlCol="0">
-            <a:spAutoFit/>
-          </a:bodyPr>
-          <a:lstStyle/>
-          <a:p>
-            <a:r>
-              <a:rPr lang="es-CO" dirty="0">
-                <a:solidFill>
-                  <a:schemeClr val="tx1"/>
-                </a:solidFill>
-              </a:rPr>
-              <a:t>Tarea integradora 2</a:t>
-            </a:r>
-          </a:p>
-        </p:txBody>
-      </p:sp>
-      <p:sp>
-        <p:nvSpPr>
-          <p:cNvPr id="30" name="CuadroTexto 29">
-            <a:extLst>
-              <a:ext uri="{FF2B5EF4-FFF2-40B4-BE49-F238E27FC236}">
-                <a16:creationId xmlns:a16="http://schemas.microsoft.com/office/drawing/2014/main" id="{76423622-1F52-A14F-A7CD-4DE0E4B3B141}"/>
-              </a:ext>
-            </a:extLst>
-          </p:cNvPr>
-          <p:cNvSpPr txBox="1"/>
-          <p:nvPr/>
-        </p:nvSpPr>
-        <p:spPr>
-          <a:xfrm>
-            <a:off x="2617080" y="1634053"/>
-            <a:ext cx="2314959" cy="307777"/>
-          </a:xfrm>
-          <a:prstGeom prst="rect">
-            <a:avLst/>
-          </a:prstGeom>
-          <a:noFill/>
-        </p:spPr>
-        <p:txBody>
-          <a:bodyPr wrap="square" rtlCol="0">
-            <a:spAutoFit/>
-          </a:bodyPr>
-          <a:lstStyle/>
-          <a:p>
-            <a:r>
-              <a:rPr lang="es-CO" dirty="0">
-                <a:solidFill>
-                  <a:schemeClr val="tx1"/>
-                </a:solidFill>
-              </a:rPr>
-              <a:t>Tarea integradora 1</a:t>
-            </a:r>
-          </a:p>
-        </p:txBody>
-      </p:sp>
-      <p:sp>
-        <p:nvSpPr>
-          <p:cNvPr id="31" name="Rectángulo redondeado 30">
-            <a:extLst>
-              <a:ext uri="{FF2B5EF4-FFF2-40B4-BE49-F238E27FC236}">
-                <a16:creationId xmlns:a16="http://schemas.microsoft.com/office/drawing/2014/main" id="{2A4D41E5-88A3-DC4E-B345-B687F9B669AF}"/>
+                <a16:creationId xmlns:a16="http://schemas.microsoft.com/office/drawing/2014/main" id="{3C501BEC-C3C6-7143-BBE9-D9F6937B6CA5}"/>
               </a:ext>
             </a:extLst>
           </p:cNvPr>
@@ -5028,155 +4932,82 @@
         </p:nvSpPr>
         <p:spPr>
           <a:xfrm>
-            <a:off x="2843808" y="2580950"/>
-            <a:ext cx="3096343" cy="269760"/>
-          </a:xfrm>
-          <a:prstGeom prst="roundRect">
-            <a:avLst/>
-          </a:prstGeom>
-        </p:spPr>
-        <p:style>
-          <a:lnRef idx="2">
-            <a:schemeClr val="accent1">
-              <a:shade val="50000"/>
-            </a:schemeClr>
-          </a:lnRef>
-          <a:fillRef idx="1">
-            <a:schemeClr val="accent1"/>
-          </a:fillRef>
-          <a:effectRef idx="0">
-            <a:schemeClr val="accent1"/>
-          </a:effectRef>
-          <a:fontRef idx="minor">
-            <a:schemeClr val="lt1"/>
-          </a:fontRef>
-        </p:style>
-        <p:txBody>
-          <a:bodyPr rtlCol="0" anchor="ctr"/>
-          <a:lstStyle/>
-          <a:p>
-            <a:pPr algn="r"/>
-            <a:r>
-              <a:rPr lang="es-CO" dirty="0">
-                <a:solidFill>
-                  <a:srgbClr val="7030A0"/>
-                </a:solidFill>
-              </a:rPr>
-              <a:t>25%</a:t>
-            </a:r>
-          </a:p>
-        </p:txBody>
-      </p:sp>
-      <p:sp>
-        <p:nvSpPr>
-          <p:cNvPr id="32" name="Rectángulo redondeado 31">
+            <a:off x="800100" y="4155926"/>
+            <a:ext cx="7543800" cy="523220"/>
+          </a:xfrm>
+          <a:prstGeom prst="rect">
+            <a:avLst/>
+          </a:prstGeom>
+        </p:spPr>
+        <p:txBody>
+          <a:bodyPr wrap="square">
+            <a:spAutoFit/>
+          </a:bodyPr>
+          <a:lstStyle/>
+          <a:p>
+            <a:pPr algn="ctr"/>
+            <a:r>
+              <a:rPr lang="es-ES" dirty="0">
+                <a:solidFill>
+                  <a:schemeClr val="tx2"/>
+                </a:solidFill>
+              </a:rPr>
+              <a:t>Existen operaciones y estructuras con un comportamiento repetitivo. Para este caso se usa la recursividad</a:t>
+            </a:r>
+          </a:p>
+        </p:txBody>
+      </p:sp>
+      <p:pic>
+        <p:nvPicPr>
+          <p:cNvPr id="6146" name="Picture 2" descr="What is Multithreading in Python and How to Achieve it? Edureka">
             <a:extLst>
               <a:ext uri="{FF2B5EF4-FFF2-40B4-BE49-F238E27FC236}">
-                <a16:creationId xmlns:a16="http://schemas.microsoft.com/office/drawing/2014/main" id="{90A5E62A-318E-5B40-8F44-1E62DA0FCECC}"/>
+                <a16:creationId xmlns:a16="http://schemas.microsoft.com/office/drawing/2014/main" id="{58C2FA6A-6DAB-8247-B1A3-DA23DA06BDC1}"/>
               </a:ext>
             </a:extLst>
           </p:cNvPr>
-          <p:cNvSpPr/>
-          <p:nvPr/>
-        </p:nvSpPr>
-        <p:spPr>
-          <a:xfrm>
-            <a:off x="2846424" y="3275215"/>
-            <a:ext cx="3093727" cy="269760"/>
-          </a:xfrm>
-          <a:prstGeom prst="roundRect">
-            <a:avLst/>
-          </a:prstGeom>
-        </p:spPr>
-        <p:style>
-          <a:lnRef idx="2">
-            <a:schemeClr val="accent1">
-              <a:shade val="50000"/>
-            </a:schemeClr>
-          </a:lnRef>
-          <a:fillRef idx="1">
-            <a:schemeClr val="accent1"/>
-          </a:fillRef>
-          <a:effectRef idx="0">
-            <a:schemeClr val="accent1"/>
-          </a:effectRef>
-          <a:fontRef idx="minor">
-            <a:schemeClr val="lt1"/>
-          </a:fontRef>
-        </p:style>
-        <p:txBody>
-          <a:bodyPr rtlCol="0" anchor="ctr"/>
-          <a:lstStyle/>
-          <a:p>
-            <a:pPr algn="r"/>
-            <a:r>
-              <a:rPr lang="es-CO" dirty="0">
-                <a:solidFill>
-                  <a:srgbClr val="7030A0"/>
-                </a:solidFill>
-              </a:rPr>
-              <a:t>25%</a:t>
-            </a:r>
-          </a:p>
-        </p:txBody>
-      </p:sp>
-      <p:sp>
-        <p:nvSpPr>
-          <p:cNvPr id="33" name="Rectángulo redondeado 32">
+          <p:cNvPicPr>
+            <a:picLocks noChangeAspect="1" noChangeArrowheads="1"/>
+          </p:cNvPicPr>
+          <p:nvPr/>
+        </p:nvPicPr>
+        <p:blipFill>
+          <a:blip r:embed="rId3">
             <a:extLst>
-              <a:ext uri="{FF2B5EF4-FFF2-40B4-BE49-F238E27FC236}">
-                <a16:creationId xmlns:a16="http://schemas.microsoft.com/office/drawing/2014/main" id="{94967601-8B5E-6344-8F37-E3B89EC7A040}"/>
+              <a:ext uri="{28A0092B-C50C-407E-A947-70E740481C1C}">
+                <a14:useLocalDpi xmlns:a14="http://schemas.microsoft.com/office/drawing/2010/main" val="0"/>
               </a:ext>
             </a:extLst>
-          </p:cNvPr>
-          <p:cNvSpPr/>
-          <p:nvPr/>
-        </p:nvSpPr>
-        <p:spPr>
-          <a:xfrm>
-            <a:off x="2843807" y="3959767"/>
-            <a:ext cx="3093727" cy="269760"/>
-          </a:xfrm>
-          <a:prstGeom prst="roundRect">
-            <a:avLst/>
-          </a:prstGeom>
-        </p:spPr>
-        <p:style>
-          <a:lnRef idx="2">
-            <a:schemeClr val="accent1">
-              <a:shade val="50000"/>
-            </a:schemeClr>
-          </a:lnRef>
-          <a:fillRef idx="1">
-            <a:schemeClr val="accent1"/>
-          </a:fillRef>
-          <a:effectRef idx="0">
-            <a:schemeClr val="accent1"/>
-          </a:effectRef>
-          <a:fontRef idx="minor">
-            <a:schemeClr val="lt1"/>
-          </a:fontRef>
-        </p:style>
-        <p:txBody>
-          <a:bodyPr rtlCol="0" anchor="ctr"/>
-          <a:lstStyle/>
-          <a:p>
-            <a:pPr algn="r"/>
-            <a:r>
-              <a:rPr lang="es-CO" dirty="0">
-                <a:solidFill>
-                  <a:srgbClr val="7030A0"/>
-                </a:solidFill>
-              </a:rPr>
-              <a:t>25%</a:t>
-            </a:r>
-          </a:p>
-        </p:txBody>
-      </p:sp>
+          </a:blip>
+          <a:srcRect/>
+          <a:stretch>
+            <a:fillRect/>
+          </a:stretch>
+        </p:blipFill>
+        <p:spPr bwMode="auto">
+          <a:xfrm>
+            <a:off x="3555092" y="1442142"/>
+            <a:ext cx="5017919" cy="2603996"/>
+          </a:xfrm>
+          <a:prstGeom prst="rect">
+            <a:avLst/>
+          </a:prstGeom>
+          <a:noFill/>
+          <a:extLst>
+            <a:ext uri="{909E8E84-426E-40DD-AFC4-6F175D3DCCD1}">
+              <a14:hiddenFill xmlns:a14="http://schemas.microsoft.com/office/drawing/2010/main">
+                <a:solidFill>
+                  <a:srgbClr val="FFFFFF"/>
+                </a:solidFill>
+              </a14:hiddenFill>
+            </a:ext>
+          </a:extLst>
+        </p:spPr>
+      </p:pic>
     </p:spTree>
     <p:extLst>
       <p:ext uri="{BB962C8B-B14F-4D97-AF65-F5344CB8AC3E}">
-        <p14:creationId xmlns:p14="http://schemas.microsoft.com/office/powerpoint/2010/main" val="3683369624"/>
+        <p14:creationId xmlns:p14="http://schemas.microsoft.com/office/powerpoint/2010/main" val="1393395410"/>
       </p:ext>
     </p:extLst>
   </p:cSld>
@@ -5205,13 +5036,7 @@
       </p:grpSpPr>
       <p:sp>
         <p:nvSpPr>
-          <p:cNvPr id="2" name="Title 1">
-            <a:extLst>
-              <a:ext uri="{FF2B5EF4-FFF2-40B4-BE49-F238E27FC236}">
-                <a16:creationId xmlns:a16="http://schemas.microsoft.com/office/drawing/2014/main" id="{52E7F6AB-7731-5240-9B32-6E7792E42C33}"/>
-              </a:ext>
-            </a:extLst>
-          </p:cNvPr>
+          <p:cNvPr id="2" name="Título 1"/>
           <p:cNvSpPr>
             <a:spLocks noGrp="1"/>
           </p:cNvSpPr>
@@ -5225,19 +5050,138 @@
           <a:lstStyle/>
           <a:p>
             <a:r>
-              <a:rPr lang="en-US" dirty="0" err="1"/>
+              <a:rPr lang="es-ES" dirty="0"/>
               <a:t>Calificación</a:t>
             </a:r>
-            <a:endParaRPr lang="en-US" dirty="0"/>
-          </a:p>
-        </p:txBody>
-      </p:sp>
-      <p:sp>
-        <p:nvSpPr>
-          <p:cNvPr id="7" name="Rounded Rectangle 6">
+            <a:endParaRPr lang="es-CO" dirty="0"/>
+          </a:p>
+        </p:txBody>
+      </p:sp>
+      <p:pic>
+        <p:nvPicPr>
+          <p:cNvPr id="11" name="Picture 6" descr="Resultado de imagen de icesi logo blanco&quot;"/>
+          <p:cNvPicPr>
+            <a:picLocks noChangeAspect="1" noChangeArrowheads="1"/>
+          </p:cNvPicPr>
+          <p:nvPr/>
+        </p:nvPicPr>
+        <p:blipFill>
+          <a:blip r:embed="rId2">
+            <a:extLst>
+              <a:ext uri="{28A0092B-C50C-407E-A947-70E740481C1C}">
+                <a14:useLocalDpi xmlns:a14="http://schemas.microsoft.com/office/drawing/2010/main" val="0"/>
+              </a:ext>
+            </a:extLst>
+          </a:blip>
+          <a:srcRect/>
+          <a:stretch>
+            <a:fillRect/>
+          </a:stretch>
+        </p:blipFill>
+        <p:spPr bwMode="auto">
+          <a:xfrm>
+            <a:off x="107504" y="70937"/>
+            <a:ext cx="1353519" cy="426195"/>
+          </a:xfrm>
+          <a:prstGeom prst="rect">
+            <a:avLst/>
+          </a:prstGeom>
+          <a:noFill/>
+          <a:extLst>
+            <a:ext uri="{909E8E84-426E-40DD-AFC4-6F175D3DCCD1}">
+              <a14:hiddenFill xmlns:a14="http://schemas.microsoft.com/office/drawing/2010/main">
+                <a:solidFill>
+                  <a:srgbClr val="FFFFFF"/>
+                </a:solidFill>
+              </a14:hiddenFill>
+            </a:ext>
+          </a:extLst>
+        </p:spPr>
+      </p:pic>
+      <p:sp>
+        <p:nvSpPr>
+          <p:cNvPr id="26" name="CuadroTexto 25">
             <a:extLst>
               <a:ext uri="{FF2B5EF4-FFF2-40B4-BE49-F238E27FC236}">
-                <a16:creationId xmlns:a16="http://schemas.microsoft.com/office/drawing/2014/main" id="{3A17402B-4A45-6246-83BB-7FC88CBDD7DC}"/>
+                <a16:creationId xmlns:a16="http://schemas.microsoft.com/office/drawing/2014/main" id="{5DE58171-FEC6-CB45-8540-6A1AFFCF6107}"/>
+              </a:ext>
+            </a:extLst>
+          </p:cNvPr>
+          <p:cNvSpPr txBox="1"/>
+          <p:nvPr/>
+        </p:nvSpPr>
+        <p:spPr>
+          <a:xfrm>
+            <a:off x="2621780" y="3615868"/>
+            <a:ext cx="1584176" cy="307777"/>
+          </a:xfrm>
+          <a:prstGeom prst="rect">
+            <a:avLst/>
+          </a:prstGeom>
+          <a:noFill/>
+        </p:spPr>
+        <p:txBody>
+          <a:bodyPr wrap="square" rtlCol="0">
+            <a:spAutoFit/>
+          </a:bodyPr>
+          <a:lstStyle/>
+          <a:p>
+            <a:r>
+              <a:rPr lang="es-CO" dirty="0">
+                <a:solidFill>
+                  <a:schemeClr val="tx1"/>
+                </a:solidFill>
+              </a:rPr>
+              <a:t>Seguimientos</a:t>
+            </a:r>
+          </a:p>
+        </p:txBody>
+      </p:sp>
+      <p:sp>
+        <p:nvSpPr>
+          <p:cNvPr id="27" name="CuadroTexto 26">
+            <a:extLst>
+              <a:ext uri="{FF2B5EF4-FFF2-40B4-BE49-F238E27FC236}">
+                <a16:creationId xmlns:a16="http://schemas.microsoft.com/office/drawing/2014/main" id="{231572EC-7590-A64F-A916-1D8E0C98D405}"/>
+              </a:ext>
+            </a:extLst>
+          </p:cNvPr>
+          <p:cNvSpPr txBox="1"/>
+          <p:nvPr/>
+        </p:nvSpPr>
+        <p:spPr>
+          <a:xfrm>
+            <a:off x="2621779" y="2967438"/>
+            <a:ext cx="2310259" cy="307777"/>
+          </a:xfrm>
+          <a:prstGeom prst="rect">
+            <a:avLst/>
+          </a:prstGeom>
+          <a:noFill/>
+        </p:spPr>
+        <p:txBody>
+          <a:bodyPr wrap="square" rtlCol="0">
+            <a:spAutoFit/>
+          </a:bodyPr>
+          <a:lstStyle/>
+          <a:p>
+            <a:r>
+              <a:rPr lang="es-CO" dirty="0">
+                <a:solidFill>
+                  <a:schemeClr val="tx1"/>
+                </a:solidFill>
+              </a:rPr>
+              <a:t>Tarea integradora 3</a:t>
+            </a:r>
+          </a:p>
+        </p:txBody>
+      </p:sp>
+      <p:sp>
+        <p:nvSpPr>
+          <p:cNvPr id="28" name="Rectángulo redondeado 27">
+            <a:extLst>
+              <a:ext uri="{FF2B5EF4-FFF2-40B4-BE49-F238E27FC236}">
+                <a16:creationId xmlns:a16="http://schemas.microsoft.com/office/drawing/2014/main" id="{C8A2646A-C649-6F48-92A2-12F55DE715E5}"/>
               </a:ext>
             </a:extLst>
           </p:cNvPr>
@@ -5246,15 +5190,12 @@
         </p:nvSpPr>
         <p:spPr>
           <a:xfrm>
-            <a:off x="1114043" y="1698548"/>
-            <a:ext cx="2496051" cy="346690"/>
+            <a:off x="2843808" y="1923678"/>
+            <a:ext cx="3096343" cy="269760"/>
           </a:xfrm>
           <a:prstGeom prst="roundRect">
             <a:avLst/>
           </a:prstGeom>
-          <a:ln>
-            <a:noFill/>
-          </a:ln>
         </p:spPr>
         <p:style>
           <a:lnRef idx="2">
@@ -5276,48 +5217,102 @@
           <a:bodyPr rtlCol="0" anchor="ctr"/>
           <a:lstStyle/>
           <a:p>
-            <a:pPr algn="ctr"/>
-            <a:r>
-              <a:rPr lang="en-US" sz="1000" dirty="0" err="1">
-                <a:solidFill>
-                  <a:schemeClr val="bg1"/>
-                </a:solidFill>
-              </a:rPr>
-              <a:t>Tarea</a:t>
-            </a:r>
-            <a:r>
-              <a:rPr lang="en-US" sz="1000" dirty="0">
-                <a:solidFill>
-                  <a:schemeClr val="bg1"/>
-                </a:solidFill>
-              </a:rPr>
-              <a:t> </a:t>
-            </a:r>
-            <a:r>
-              <a:rPr lang="en-US" sz="1000" dirty="0" err="1">
-                <a:solidFill>
-                  <a:schemeClr val="bg1"/>
-                </a:solidFill>
-              </a:rPr>
-              <a:t>integradora</a:t>
-            </a:r>
-            <a:r>
-              <a:rPr lang="en-US" sz="1000" dirty="0">
-                <a:solidFill>
-                  <a:schemeClr val="bg1"/>
-                </a:solidFill>
-              </a:rPr>
-              <a:t> 1</a:t>
-            </a:r>
-          </a:p>
-        </p:txBody>
-      </p:sp>
-      <p:sp>
-        <p:nvSpPr>
-          <p:cNvPr id="9" name="Rounded Rectangle 8">
+            <a:pPr algn="r"/>
+            <a:r>
+              <a:rPr lang="es-CO" dirty="0">
+                <a:solidFill>
+                  <a:srgbClr val="7030A0"/>
+                </a:solidFill>
+              </a:rPr>
+              <a:t>25%</a:t>
+            </a:r>
+          </a:p>
+        </p:txBody>
+      </p:sp>
+      <p:sp>
+        <p:nvSpPr>
+          <p:cNvPr id="29" name="CuadroTexto 28">
             <a:extLst>
               <a:ext uri="{FF2B5EF4-FFF2-40B4-BE49-F238E27FC236}">
-                <a16:creationId xmlns:a16="http://schemas.microsoft.com/office/drawing/2014/main" id="{F79AD009-042A-4541-9A98-EAB2EB8C5FE0}"/>
+                <a16:creationId xmlns:a16="http://schemas.microsoft.com/office/drawing/2014/main" id="{7B779B75-B00A-D147-8847-56B58229D111}"/>
+              </a:ext>
+            </a:extLst>
+          </p:cNvPr>
+          <p:cNvSpPr txBox="1"/>
+          <p:nvPr/>
+        </p:nvSpPr>
+        <p:spPr>
+          <a:xfrm>
+            <a:off x="2617080" y="2282483"/>
+            <a:ext cx="2170943" cy="307777"/>
+          </a:xfrm>
+          <a:prstGeom prst="rect">
+            <a:avLst/>
+          </a:prstGeom>
+          <a:noFill/>
+        </p:spPr>
+        <p:txBody>
+          <a:bodyPr wrap="square" rtlCol="0">
+            <a:spAutoFit/>
+          </a:bodyPr>
+          <a:lstStyle/>
+          <a:p>
+            <a:r>
+              <a:rPr lang="es-CO" dirty="0">
+                <a:solidFill>
+                  <a:schemeClr val="tx1"/>
+                </a:solidFill>
+              </a:rPr>
+              <a:t>Tarea integradora 2</a:t>
+            </a:r>
+          </a:p>
+        </p:txBody>
+      </p:sp>
+      <p:sp>
+        <p:nvSpPr>
+          <p:cNvPr id="30" name="CuadroTexto 29">
+            <a:extLst>
+              <a:ext uri="{FF2B5EF4-FFF2-40B4-BE49-F238E27FC236}">
+                <a16:creationId xmlns:a16="http://schemas.microsoft.com/office/drawing/2014/main" id="{76423622-1F52-A14F-A7CD-4DE0E4B3B141}"/>
+              </a:ext>
+            </a:extLst>
+          </p:cNvPr>
+          <p:cNvSpPr txBox="1"/>
+          <p:nvPr/>
+        </p:nvSpPr>
+        <p:spPr>
+          <a:xfrm>
+            <a:off x="2617080" y="1634053"/>
+            <a:ext cx="2314959" cy="307777"/>
+          </a:xfrm>
+          <a:prstGeom prst="rect">
+            <a:avLst/>
+          </a:prstGeom>
+          <a:noFill/>
+        </p:spPr>
+        <p:txBody>
+          <a:bodyPr wrap="square" rtlCol="0">
+            <a:spAutoFit/>
+          </a:bodyPr>
+          <a:lstStyle/>
+          <a:p>
+            <a:r>
+              <a:rPr lang="es-CO" dirty="0">
+                <a:solidFill>
+                  <a:schemeClr val="tx1"/>
+                </a:solidFill>
+              </a:rPr>
+              <a:t>Tarea integradora 1</a:t>
+            </a:r>
+          </a:p>
+        </p:txBody>
+      </p:sp>
+      <p:sp>
+        <p:nvSpPr>
+          <p:cNvPr id="31" name="Rectángulo redondeado 30">
+            <a:extLst>
+              <a:ext uri="{FF2B5EF4-FFF2-40B4-BE49-F238E27FC236}">
+                <a16:creationId xmlns:a16="http://schemas.microsoft.com/office/drawing/2014/main" id="{2A4D41E5-88A3-DC4E-B345-B687F9B669AF}"/>
               </a:ext>
             </a:extLst>
           </p:cNvPr>
@@ -5326,18 +5321,12 @@
         </p:nvSpPr>
         <p:spPr>
           <a:xfrm>
-            <a:off x="611560" y="1389093"/>
-            <a:ext cx="423664" cy="135632"/>
+            <a:off x="2843808" y="2580950"/>
+            <a:ext cx="3096343" cy="269760"/>
           </a:xfrm>
           <a:prstGeom prst="roundRect">
             <a:avLst/>
           </a:prstGeom>
-          <a:solidFill>
-            <a:schemeClr val="accent2"/>
-          </a:solidFill>
-          <a:ln>
-            <a:noFill/>
-          </a:ln>
         </p:spPr>
         <p:style>
           <a:lnRef idx="2">
@@ -5359,24 +5348,24 @@
           <a:bodyPr rtlCol="0" anchor="ctr"/>
           <a:lstStyle/>
           <a:p>
-            <a:pPr algn="ctr"/>
-            <a:r>
-              <a:rPr lang="en-US" sz="1000" dirty="0">
-                <a:solidFill>
-                  <a:schemeClr val="bg1"/>
-                </a:solidFill>
-              </a:rPr>
-              <a:t>1</a:t>
-            </a:r>
-          </a:p>
-        </p:txBody>
-      </p:sp>
-      <p:sp>
-        <p:nvSpPr>
-          <p:cNvPr id="10" name="Rounded Rectangle 9">
+            <a:pPr algn="r"/>
+            <a:r>
+              <a:rPr lang="es-CO" dirty="0">
+                <a:solidFill>
+                  <a:srgbClr val="7030A0"/>
+                </a:solidFill>
+              </a:rPr>
+              <a:t>25%</a:t>
+            </a:r>
+          </a:p>
+        </p:txBody>
+      </p:sp>
+      <p:sp>
+        <p:nvSpPr>
+          <p:cNvPr id="32" name="Rectángulo redondeado 31">
             <a:extLst>
               <a:ext uri="{FF2B5EF4-FFF2-40B4-BE49-F238E27FC236}">
-                <a16:creationId xmlns:a16="http://schemas.microsoft.com/office/drawing/2014/main" id="{858534C4-049A-B340-83ED-2727A396A499}"/>
+                <a16:creationId xmlns:a16="http://schemas.microsoft.com/office/drawing/2014/main" id="{90A5E62A-318E-5B40-8F44-1E62DA0FCECC}"/>
               </a:ext>
             </a:extLst>
           </p:cNvPr>
@@ -5385,18 +5374,12 @@
         </p:nvSpPr>
         <p:spPr>
           <a:xfrm>
-            <a:off x="1115616" y="1392236"/>
-            <a:ext cx="423664" cy="135632"/>
+            <a:off x="2846424" y="3275215"/>
+            <a:ext cx="3093727" cy="269760"/>
           </a:xfrm>
           <a:prstGeom prst="roundRect">
             <a:avLst/>
           </a:prstGeom>
-          <a:solidFill>
-            <a:schemeClr val="accent2"/>
-          </a:solidFill>
-          <a:ln>
-            <a:noFill/>
-          </a:ln>
         </p:spPr>
         <p:style>
           <a:lnRef idx="2">
@@ -5418,24 +5401,24 @@
           <a:bodyPr rtlCol="0" anchor="ctr"/>
           <a:lstStyle/>
           <a:p>
-            <a:pPr algn="ctr"/>
-            <a:r>
-              <a:rPr lang="en-US" sz="1000" dirty="0">
-                <a:solidFill>
-                  <a:schemeClr val="bg1"/>
-                </a:solidFill>
-              </a:rPr>
-              <a:t>2</a:t>
-            </a:r>
-          </a:p>
-        </p:txBody>
-      </p:sp>
-      <p:sp>
-        <p:nvSpPr>
-          <p:cNvPr id="11" name="Rounded Rectangle 10">
+            <a:pPr algn="r"/>
+            <a:r>
+              <a:rPr lang="es-CO" dirty="0">
+                <a:solidFill>
+                  <a:srgbClr val="7030A0"/>
+                </a:solidFill>
+              </a:rPr>
+              <a:t>25%</a:t>
+            </a:r>
+          </a:p>
+        </p:txBody>
+      </p:sp>
+      <p:sp>
+        <p:nvSpPr>
+          <p:cNvPr id="33" name="Rectángulo redondeado 32">
             <a:extLst>
               <a:ext uri="{FF2B5EF4-FFF2-40B4-BE49-F238E27FC236}">
-                <a16:creationId xmlns:a16="http://schemas.microsoft.com/office/drawing/2014/main" id="{95F3EBC1-F1F5-774D-9CA3-7EB2AFDC3BD9}"/>
+                <a16:creationId xmlns:a16="http://schemas.microsoft.com/office/drawing/2014/main" id="{94967601-8B5E-6344-8F37-E3B89EC7A040}"/>
               </a:ext>
             </a:extLst>
           </p:cNvPr>
@@ -5444,18 +5427,12 @@
         </p:nvSpPr>
         <p:spPr>
           <a:xfrm>
-            <a:off x="1629283" y="1393328"/>
-            <a:ext cx="423664" cy="135632"/>
+            <a:off x="2843807" y="3959767"/>
+            <a:ext cx="3093727" cy="269760"/>
           </a:xfrm>
           <a:prstGeom prst="roundRect">
             <a:avLst/>
           </a:prstGeom>
-          <a:solidFill>
-            <a:schemeClr val="accent2"/>
-          </a:solidFill>
-          <a:ln>
-            <a:noFill/>
-          </a:ln>
         </p:spPr>
         <p:style>
           <a:lnRef idx="2">
@@ -5477,1428 +5454,14 @@
           <a:bodyPr rtlCol="0" anchor="ctr"/>
           <a:lstStyle/>
           <a:p>
-            <a:pPr algn="ctr"/>
-            <a:r>
-              <a:rPr lang="en-US" sz="1000" dirty="0">
-                <a:solidFill>
-                  <a:schemeClr val="bg1"/>
-                </a:solidFill>
-              </a:rPr>
-              <a:t>3</a:t>
-            </a:r>
-          </a:p>
-        </p:txBody>
-      </p:sp>
-      <p:sp>
-        <p:nvSpPr>
-          <p:cNvPr id="12" name="Rounded Rectangle 11">
-            <a:extLst>
-              <a:ext uri="{FF2B5EF4-FFF2-40B4-BE49-F238E27FC236}">
-                <a16:creationId xmlns:a16="http://schemas.microsoft.com/office/drawing/2014/main" id="{95B95E5C-89A7-D74B-9C80-12C11245DAF7}"/>
-              </a:ext>
-            </a:extLst>
-          </p:cNvPr>
-          <p:cNvSpPr/>
-          <p:nvPr/>
-        </p:nvSpPr>
-        <p:spPr>
-          <a:xfrm>
-            <a:off x="2133339" y="1396471"/>
-            <a:ext cx="423664" cy="135632"/>
-          </a:xfrm>
-          <a:prstGeom prst="roundRect">
-            <a:avLst/>
-          </a:prstGeom>
-          <a:solidFill>
-            <a:schemeClr val="accent2"/>
-          </a:solidFill>
-          <a:ln>
-            <a:noFill/>
-          </a:ln>
-        </p:spPr>
-        <p:style>
-          <a:lnRef idx="2">
-            <a:schemeClr val="accent1">
-              <a:shade val="50000"/>
-            </a:schemeClr>
-          </a:lnRef>
-          <a:fillRef idx="1">
-            <a:schemeClr val="accent1"/>
-          </a:fillRef>
-          <a:effectRef idx="0">
-            <a:schemeClr val="accent1"/>
-          </a:effectRef>
-          <a:fontRef idx="minor">
-            <a:schemeClr val="lt1"/>
-          </a:fontRef>
-        </p:style>
-        <p:txBody>
-          <a:bodyPr rtlCol="0" anchor="ctr"/>
-          <a:lstStyle/>
-          <a:p>
-            <a:pPr algn="ctr"/>
-            <a:r>
-              <a:rPr lang="en-US" sz="1000" dirty="0">
-                <a:solidFill>
-                  <a:schemeClr val="bg1"/>
-                </a:solidFill>
-              </a:rPr>
-              <a:t>4</a:t>
-            </a:r>
-          </a:p>
-        </p:txBody>
-      </p:sp>
-      <p:sp>
-        <p:nvSpPr>
-          <p:cNvPr id="13" name="Rounded Rectangle 12">
-            <a:extLst>
-              <a:ext uri="{FF2B5EF4-FFF2-40B4-BE49-F238E27FC236}">
-                <a16:creationId xmlns:a16="http://schemas.microsoft.com/office/drawing/2014/main" id="{0C1AC4B3-BE9B-334B-8AFA-3E577F8F2FB1}"/>
-              </a:ext>
-            </a:extLst>
-          </p:cNvPr>
-          <p:cNvSpPr/>
-          <p:nvPr/>
-        </p:nvSpPr>
-        <p:spPr>
-          <a:xfrm>
-            <a:off x="2672764" y="1399614"/>
-            <a:ext cx="423664" cy="135632"/>
-          </a:xfrm>
-          <a:prstGeom prst="roundRect">
-            <a:avLst/>
-          </a:prstGeom>
-          <a:solidFill>
-            <a:schemeClr val="accent2"/>
-          </a:solidFill>
-          <a:ln>
-            <a:noFill/>
-          </a:ln>
-        </p:spPr>
-        <p:style>
-          <a:lnRef idx="2">
-            <a:schemeClr val="accent1">
-              <a:shade val="50000"/>
-            </a:schemeClr>
-          </a:lnRef>
-          <a:fillRef idx="1">
-            <a:schemeClr val="accent1"/>
-          </a:fillRef>
-          <a:effectRef idx="0">
-            <a:schemeClr val="accent1"/>
-          </a:effectRef>
-          <a:fontRef idx="minor">
-            <a:schemeClr val="lt1"/>
-          </a:fontRef>
-        </p:style>
-        <p:txBody>
-          <a:bodyPr rtlCol="0" anchor="ctr"/>
-          <a:lstStyle/>
-          <a:p>
-            <a:pPr algn="ctr"/>
-            <a:r>
-              <a:rPr lang="en-US" sz="1000" dirty="0">
-                <a:solidFill>
-                  <a:schemeClr val="bg1"/>
-                </a:solidFill>
-              </a:rPr>
-              <a:t>5</a:t>
-            </a:r>
-          </a:p>
-        </p:txBody>
-      </p:sp>
-      <p:sp>
-        <p:nvSpPr>
-          <p:cNvPr id="14" name="Rounded Rectangle 13">
-            <a:extLst>
-              <a:ext uri="{FF2B5EF4-FFF2-40B4-BE49-F238E27FC236}">
-                <a16:creationId xmlns:a16="http://schemas.microsoft.com/office/drawing/2014/main" id="{238D0F5A-1570-CF44-AB2B-E26DB31D2243}"/>
-              </a:ext>
-            </a:extLst>
-          </p:cNvPr>
-          <p:cNvSpPr/>
-          <p:nvPr/>
-        </p:nvSpPr>
-        <p:spPr>
-          <a:xfrm>
-            <a:off x="3186431" y="1395379"/>
-            <a:ext cx="423664" cy="135632"/>
-          </a:xfrm>
-          <a:prstGeom prst="roundRect">
-            <a:avLst/>
-          </a:prstGeom>
-          <a:solidFill>
-            <a:schemeClr val="accent2"/>
-          </a:solidFill>
-          <a:ln>
-            <a:noFill/>
-          </a:ln>
-        </p:spPr>
-        <p:style>
-          <a:lnRef idx="2">
-            <a:schemeClr val="accent1">
-              <a:shade val="50000"/>
-            </a:schemeClr>
-          </a:lnRef>
-          <a:fillRef idx="1">
-            <a:schemeClr val="accent1"/>
-          </a:fillRef>
-          <a:effectRef idx="0">
-            <a:schemeClr val="accent1"/>
-          </a:effectRef>
-          <a:fontRef idx="minor">
-            <a:schemeClr val="lt1"/>
-          </a:fontRef>
-        </p:style>
-        <p:txBody>
-          <a:bodyPr rtlCol="0" anchor="ctr"/>
-          <a:lstStyle/>
-          <a:p>
-            <a:pPr algn="ctr"/>
-            <a:r>
-              <a:rPr lang="en-US" sz="1000" dirty="0">
-                <a:solidFill>
-                  <a:schemeClr val="bg1"/>
-                </a:solidFill>
-              </a:rPr>
-              <a:t>6</a:t>
-            </a:r>
-          </a:p>
-        </p:txBody>
-      </p:sp>
-      <p:sp>
-        <p:nvSpPr>
-          <p:cNvPr id="15" name="Rounded Rectangle 14">
-            <a:extLst>
-              <a:ext uri="{FF2B5EF4-FFF2-40B4-BE49-F238E27FC236}">
-                <a16:creationId xmlns:a16="http://schemas.microsoft.com/office/drawing/2014/main" id="{7DC44D7E-732D-1D42-B573-EC2C09E843D7}"/>
-              </a:ext>
-            </a:extLst>
-          </p:cNvPr>
-          <p:cNvSpPr/>
-          <p:nvPr/>
-        </p:nvSpPr>
-        <p:spPr>
-          <a:xfrm>
-            <a:off x="3696510" y="1401647"/>
-            <a:ext cx="423664" cy="135632"/>
-          </a:xfrm>
-          <a:prstGeom prst="roundRect">
-            <a:avLst/>
-          </a:prstGeom>
-          <a:solidFill>
-            <a:schemeClr val="accent2"/>
-          </a:solidFill>
-          <a:ln>
-            <a:noFill/>
-          </a:ln>
-        </p:spPr>
-        <p:style>
-          <a:lnRef idx="2">
-            <a:schemeClr val="accent1">
-              <a:shade val="50000"/>
-            </a:schemeClr>
-          </a:lnRef>
-          <a:fillRef idx="1">
-            <a:schemeClr val="accent1"/>
-          </a:fillRef>
-          <a:effectRef idx="0">
-            <a:schemeClr val="accent1"/>
-          </a:effectRef>
-          <a:fontRef idx="minor">
-            <a:schemeClr val="lt1"/>
-          </a:fontRef>
-        </p:style>
-        <p:txBody>
-          <a:bodyPr rtlCol="0" anchor="ctr"/>
-          <a:lstStyle/>
-          <a:p>
-            <a:pPr algn="ctr"/>
-            <a:r>
-              <a:rPr lang="en-US" sz="1000" dirty="0">
-                <a:solidFill>
-                  <a:schemeClr val="bg1"/>
-                </a:solidFill>
-              </a:rPr>
-              <a:t>7</a:t>
-            </a:r>
-          </a:p>
-        </p:txBody>
-      </p:sp>
-      <p:sp>
-        <p:nvSpPr>
-          <p:cNvPr id="16" name="Rounded Rectangle 15">
-            <a:extLst>
-              <a:ext uri="{FF2B5EF4-FFF2-40B4-BE49-F238E27FC236}">
-                <a16:creationId xmlns:a16="http://schemas.microsoft.com/office/drawing/2014/main" id="{1C6F099D-07FD-094B-BFE4-EE6E53488D40}"/>
-              </a:ext>
-            </a:extLst>
-          </p:cNvPr>
-          <p:cNvSpPr/>
-          <p:nvPr/>
-        </p:nvSpPr>
-        <p:spPr>
-          <a:xfrm>
-            <a:off x="4200566" y="1404790"/>
-            <a:ext cx="423664" cy="135632"/>
-          </a:xfrm>
-          <a:prstGeom prst="roundRect">
-            <a:avLst/>
-          </a:prstGeom>
-          <a:solidFill>
-            <a:schemeClr val="accent2"/>
-          </a:solidFill>
-          <a:ln>
-            <a:noFill/>
-          </a:ln>
-        </p:spPr>
-        <p:style>
-          <a:lnRef idx="2">
-            <a:schemeClr val="accent1">
-              <a:shade val="50000"/>
-            </a:schemeClr>
-          </a:lnRef>
-          <a:fillRef idx="1">
-            <a:schemeClr val="accent1"/>
-          </a:fillRef>
-          <a:effectRef idx="0">
-            <a:schemeClr val="accent1"/>
-          </a:effectRef>
-          <a:fontRef idx="minor">
-            <a:schemeClr val="lt1"/>
-          </a:fontRef>
-        </p:style>
-        <p:txBody>
-          <a:bodyPr rtlCol="0" anchor="ctr"/>
-          <a:lstStyle/>
-          <a:p>
-            <a:pPr algn="ctr"/>
-            <a:r>
-              <a:rPr lang="en-US" sz="1000" dirty="0">
-                <a:solidFill>
-                  <a:schemeClr val="bg1"/>
-                </a:solidFill>
-              </a:rPr>
-              <a:t>8</a:t>
-            </a:r>
-          </a:p>
-        </p:txBody>
-      </p:sp>
-      <p:sp>
-        <p:nvSpPr>
-          <p:cNvPr id="17" name="Rounded Rectangle 16">
-            <a:extLst>
-              <a:ext uri="{FF2B5EF4-FFF2-40B4-BE49-F238E27FC236}">
-                <a16:creationId xmlns:a16="http://schemas.microsoft.com/office/drawing/2014/main" id="{90691B9B-25AC-E841-B0D1-86CF976FE950}"/>
-              </a:ext>
-            </a:extLst>
-          </p:cNvPr>
-          <p:cNvSpPr/>
-          <p:nvPr/>
-        </p:nvSpPr>
-        <p:spPr>
-          <a:xfrm>
-            <a:off x="4704622" y="1405625"/>
-            <a:ext cx="423664" cy="135632"/>
-          </a:xfrm>
-          <a:prstGeom prst="roundRect">
-            <a:avLst/>
-          </a:prstGeom>
-          <a:solidFill>
-            <a:schemeClr val="accent2"/>
-          </a:solidFill>
-          <a:ln>
-            <a:noFill/>
-          </a:ln>
-        </p:spPr>
-        <p:style>
-          <a:lnRef idx="2">
-            <a:schemeClr val="accent1">
-              <a:shade val="50000"/>
-            </a:schemeClr>
-          </a:lnRef>
-          <a:fillRef idx="1">
-            <a:schemeClr val="accent1"/>
-          </a:fillRef>
-          <a:effectRef idx="0">
-            <a:schemeClr val="accent1"/>
-          </a:effectRef>
-          <a:fontRef idx="minor">
-            <a:schemeClr val="lt1"/>
-          </a:fontRef>
-        </p:style>
-        <p:txBody>
-          <a:bodyPr rtlCol="0" anchor="ctr"/>
-          <a:lstStyle/>
-          <a:p>
-            <a:pPr algn="ctr"/>
-            <a:r>
-              <a:rPr lang="en-US" sz="1000" dirty="0">
-                <a:solidFill>
-                  <a:schemeClr val="bg1"/>
-                </a:solidFill>
-              </a:rPr>
-              <a:t>9</a:t>
-            </a:r>
-          </a:p>
-        </p:txBody>
-      </p:sp>
-      <p:sp>
-        <p:nvSpPr>
-          <p:cNvPr id="18" name="Rounded Rectangle 17">
-            <a:extLst>
-              <a:ext uri="{FF2B5EF4-FFF2-40B4-BE49-F238E27FC236}">
-                <a16:creationId xmlns:a16="http://schemas.microsoft.com/office/drawing/2014/main" id="{29F873BE-3872-864E-AA19-62C786FD99AC}"/>
-              </a:ext>
-            </a:extLst>
-          </p:cNvPr>
-          <p:cNvSpPr/>
-          <p:nvPr/>
-        </p:nvSpPr>
-        <p:spPr>
-          <a:xfrm>
-            <a:off x="5208678" y="1408768"/>
-            <a:ext cx="423664" cy="135632"/>
-          </a:xfrm>
-          <a:prstGeom prst="roundRect">
-            <a:avLst/>
-          </a:prstGeom>
-          <a:solidFill>
-            <a:schemeClr val="accent2"/>
-          </a:solidFill>
-          <a:ln>
-            <a:noFill/>
-          </a:ln>
-        </p:spPr>
-        <p:style>
-          <a:lnRef idx="2">
-            <a:schemeClr val="accent1">
-              <a:shade val="50000"/>
-            </a:schemeClr>
-          </a:lnRef>
-          <a:fillRef idx="1">
-            <a:schemeClr val="accent1"/>
-          </a:fillRef>
-          <a:effectRef idx="0">
-            <a:schemeClr val="accent1"/>
-          </a:effectRef>
-          <a:fontRef idx="minor">
-            <a:schemeClr val="lt1"/>
-          </a:fontRef>
-        </p:style>
-        <p:txBody>
-          <a:bodyPr rtlCol="0" anchor="ctr"/>
-          <a:lstStyle/>
-          <a:p>
-            <a:pPr algn="ctr"/>
-            <a:r>
-              <a:rPr lang="en-US" sz="1000" dirty="0">
-                <a:solidFill>
-                  <a:schemeClr val="bg1"/>
-                </a:solidFill>
-              </a:rPr>
-              <a:t>10</a:t>
-            </a:r>
-          </a:p>
-        </p:txBody>
-      </p:sp>
-      <p:sp>
-        <p:nvSpPr>
-          <p:cNvPr id="19" name="Rounded Rectangle 18">
-            <a:extLst>
-              <a:ext uri="{FF2B5EF4-FFF2-40B4-BE49-F238E27FC236}">
-                <a16:creationId xmlns:a16="http://schemas.microsoft.com/office/drawing/2014/main" id="{16AFE635-53EB-BE47-BE26-0A853804B00B}"/>
-              </a:ext>
-            </a:extLst>
-          </p:cNvPr>
-          <p:cNvSpPr/>
-          <p:nvPr/>
-        </p:nvSpPr>
-        <p:spPr>
-          <a:xfrm>
-            <a:off x="5722345" y="1409860"/>
-            <a:ext cx="423664" cy="135632"/>
-          </a:xfrm>
-          <a:prstGeom prst="roundRect">
-            <a:avLst/>
-          </a:prstGeom>
-          <a:solidFill>
-            <a:schemeClr val="accent2"/>
-          </a:solidFill>
-          <a:ln>
-            <a:noFill/>
-          </a:ln>
-        </p:spPr>
-        <p:style>
-          <a:lnRef idx="2">
-            <a:schemeClr val="accent1">
-              <a:shade val="50000"/>
-            </a:schemeClr>
-          </a:lnRef>
-          <a:fillRef idx="1">
-            <a:schemeClr val="accent1"/>
-          </a:fillRef>
-          <a:effectRef idx="0">
-            <a:schemeClr val="accent1"/>
-          </a:effectRef>
-          <a:fontRef idx="minor">
-            <a:schemeClr val="lt1"/>
-          </a:fontRef>
-        </p:style>
-        <p:txBody>
-          <a:bodyPr rtlCol="0" anchor="ctr"/>
-          <a:lstStyle/>
-          <a:p>
-            <a:pPr algn="ctr"/>
-            <a:r>
-              <a:rPr lang="en-US" sz="1000" dirty="0">
-                <a:solidFill>
-                  <a:schemeClr val="bg1"/>
-                </a:solidFill>
-              </a:rPr>
-              <a:t>11</a:t>
-            </a:r>
-          </a:p>
-        </p:txBody>
-      </p:sp>
-      <p:sp>
-        <p:nvSpPr>
-          <p:cNvPr id="20" name="Rounded Rectangle 19">
-            <a:extLst>
-              <a:ext uri="{FF2B5EF4-FFF2-40B4-BE49-F238E27FC236}">
-                <a16:creationId xmlns:a16="http://schemas.microsoft.com/office/drawing/2014/main" id="{64B19FE0-2820-5346-A79A-071DD456AB51}"/>
-              </a:ext>
-            </a:extLst>
-          </p:cNvPr>
-          <p:cNvSpPr/>
-          <p:nvPr/>
-        </p:nvSpPr>
-        <p:spPr>
-          <a:xfrm>
-            <a:off x="6226401" y="1413003"/>
-            <a:ext cx="423664" cy="135632"/>
-          </a:xfrm>
-          <a:prstGeom prst="roundRect">
-            <a:avLst/>
-          </a:prstGeom>
-          <a:solidFill>
-            <a:schemeClr val="accent2"/>
-          </a:solidFill>
-          <a:ln>
-            <a:noFill/>
-          </a:ln>
-        </p:spPr>
-        <p:style>
-          <a:lnRef idx="2">
-            <a:schemeClr val="accent1">
-              <a:shade val="50000"/>
-            </a:schemeClr>
-          </a:lnRef>
-          <a:fillRef idx="1">
-            <a:schemeClr val="accent1"/>
-          </a:fillRef>
-          <a:effectRef idx="0">
-            <a:schemeClr val="accent1"/>
-          </a:effectRef>
-          <a:fontRef idx="minor">
-            <a:schemeClr val="lt1"/>
-          </a:fontRef>
-        </p:style>
-        <p:txBody>
-          <a:bodyPr rtlCol="0" anchor="ctr"/>
-          <a:lstStyle/>
-          <a:p>
-            <a:pPr algn="ctr"/>
-            <a:r>
-              <a:rPr lang="en-US" sz="1000" dirty="0">
-                <a:solidFill>
-                  <a:schemeClr val="bg1"/>
-                </a:solidFill>
-              </a:rPr>
-              <a:t>12</a:t>
-            </a:r>
-          </a:p>
-        </p:txBody>
-      </p:sp>
-      <p:sp>
-        <p:nvSpPr>
-          <p:cNvPr id="21" name="Rounded Rectangle 20">
-            <a:extLst>
-              <a:ext uri="{FF2B5EF4-FFF2-40B4-BE49-F238E27FC236}">
-                <a16:creationId xmlns:a16="http://schemas.microsoft.com/office/drawing/2014/main" id="{4D7CA54E-4FF8-E844-87CE-3E3D709BAA7F}"/>
-              </a:ext>
-            </a:extLst>
-          </p:cNvPr>
-          <p:cNvSpPr/>
-          <p:nvPr/>
-        </p:nvSpPr>
-        <p:spPr>
-          <a:xfrm>
-            <a:off x="6775437" y="1408768"/>
-            <a:ext cx="423664" cy="135632"/>
-          </a:xfrm>
-          <a:prstGeom prst="roundRect">
-            <a:avLst/>
-          </a:prstGeom>
-          <a:solidFill>
-            <a:schemeClr val="accent2"/>
-          </a:solidFill>
-          <a:ln>
-            <a:noFill/>
-          </a:ln>
-        </p:spPr>
-        <p:style>
-          <a:lnRef idx="2">
-            <a:schemeClr val="accent1">
-              <a:shade val="50000"/>
-            </a:schemeClr>
-          </a:lnRef>
-          <a:fillRef idx="1">
-            <a:schemeClr val="accent1"/>
-          </a:fillRef>
-          <a:effectRef idx="0">
-            <a:schemeClr val="accent1"/>
-          </a:effectRef>
-          <a:fontRef idx="minor">
-            <a:schemeClr val="lt1"/>
-          </a:fontRef>
-        </p:style>
-        <p:txBody>
-          <a:bodyPr rtlCol="0" anchor="ctr"/>
-          <a:lstStyle/>
-          <a:p>
-            <a:pPr algn="ctr"/>
-            <a:r>
-              <a:rPr lang="en-US" sz="1000" dirty="0">
-                <a:solidFill>
-                  <a:schemeClr val="bg1"/>
-                </a:solidFill>
-              </a:rPr>
-              <a:t>13</a:t>
-            </a:r>
-          </a:p>
-        </p:txBody>
-      </p:sp>
-      <p:sp>
-        <p:nvSpPr>
-          <p:cNvPr id="22" name="Rounded Rectangle 21">
-            <a:extLst>
-              <a:ext uri="{FF2B5EF4-FFF2-40B4-BE49-F238E27FC236}">
-                <a16:creationId xmlns:a16="http://schemas.microsoft.com/office/drawing/2014/main" id="{605243AE-D18B-0A45-B063-11A43AFEE53B}"/>
-              </a:ext>
-            </a:extLst>
-          </p:cNvPr>
-          <p:cNvSpPr/>
-          <p:nvPr/>
-        </p:nvSpPr>
-        <p:spPr>
-          <a:xfrm>
-            <a:off x="7279493" y="1411911"/>
-            <a:ext cx="423664" cy="135632"/>
-          </a:xfrm>
-          <a:prstGeom prst="roundRect">
-            <a:avLst/>
-          </a:prstGeom>
-          <a:solidFill>
-            <a:schemeClr val="accent2"/>
-          </a:solidFill>
-          <a:ln>
-            <a:noFill/>
-          </a:ln>
-        </p:spPr>
-        <p:style>
-          <a:lnRef idx="2">
-            <a:schemeClr val="accent1">
-              <a:shade val="50000"/>
-            </a:schemeClr>
-          </a:lnRef>
-          <a:fillRef idx="1">
-            <a:schemeClr val="accent1"/>
-          </a:fillRef>
-          <a:effectRef idx="0">
-            <a:schemeClr val="accent1"/>
-          </a:effectRef>
-          <a:fontRef idx="minor">
-            <a:schemeClr val="lt1"/>
-          </a:fontRef>
-        </p:style>
-        <p:txBody>
-          <a:bodyPr rtlCol="0" anchor="ctr"/>
-          <a:lstStyle/>
-          <a:p>
-            <a:pPr algn="ctr"/>
-            <a:r>
-              <a:rPr lang="en-US" sz="1000" dirty="0">
-                <a:solidFill>
-                  <a:schemeClr val="bg1"/>
-                </a:solidFill>
-              </a:rPr>
-              <a:t>14</a:t>
-            </a:r>
-          </a:p>
-        </p:txBody>
-      </p:sp>
-      <p:sp>
-        <p:nvSpPr>
-          <p:cNvPr id="23" name="Rounded Rectangle 22">
-            <a:extLst>
-              <a:ext uri="{FF2B5EF4-FFF2-40B4-BE49-F238E27FC236}">
-                <a16:creationId xmlns:a16="http://schemas.microsoft.com/office/drawing/2014/main" id="{3F8DE1BA-FF66-3848-9A1E-B1890C7B43D7}"/>
-              </a:ext>
-            </a:extLst>
-          </p:cNvPr>
-          <p:cNvSpPr/>
-          <p:nvPr/>
-        </p:nvSpPr>
-        <p:spPr>
-          <a:xfrm>
-            <a:off x="7793160" y="1413003"/>
-            <a:ext cx="423664" cy="135632"/>
-          </a:xfrm>
-          <a:prstGeom prst="roundRect">
-            <a:avLst/>
-          </a:prstGeom>
-          <a:solidFill>
-            <a:schemeClr val="accent2"/>
-          </a:solidFill>
-          <a:ln>
-            <a:noFill/>
-          </a:ln>
-        </p:spPr>
-        <p:style>
-          <a:lnRef idx="2">
-            <a:schemeClr val="accent1">
-              <a:shade val="50000"/>
-            </a:schemeClr>
-          </a:lnRef>
-          <a:fillRef idx="1">
-            <a:schemeClr val="accent1"/>
-          </a:fillRef>
-          <a:effectRef idx="0">
-            <a:schemeClr val="accent1"/>
-          </a:effectRef>
-          <a:fontRef idx="minor">
-            <a:schemeClr val="lt1"/>
-          </a:fontRef>
-        </p:style>
-        <p:txBody>
-          <a:bodyPr rtlCol="0" anchor="ctr"/>
-          <a:lstStyle/>
-          <a:p>
-            <a:pPr algn="ctr"/>
-            <a:r>
-              <a:rPr lang="en-US" sz="1000" dirty="0">
-                <a:solidFill>
-                  <a:schemeClr val="bg1"/>
-                </a:solidFill>
-              </a:rPr>
-              <a:t>15</a:t>
-            </a:r>
-          </a:p>
-        </p:txBody>
-      </p:sp>
-      <p:sp>
-        <p:nvSpPr>
-          <p:cNvPr id="24" name="Rounded Rectangle 23">
-            <a:extLst>
-              <a:ext uri="{FF2B5EF4-FFF2-40B4-BE49-F238E27FC236}">
-                <a16:creationId xmlns:a16="http://schemas.microsoft.com/office/drawing/2014/main" id="{E07B029D-A9D5-664E-9A58-FDADC1335B15}"/>
-              </a:ext>
-            </a:extLst>
-          </p:cNvPr>
-          <p:cNvSpPr/>
-          <p:nvPr/>
-        </p:nvSpPr>
-        <p:spPr>
-          <a:xfrm>
-            <a:off x="8300804" y="1410970"/>
-            <a:ext cx="423664" cy="135632"/>
-          </a:xfrm>
-          <a:prstGeom prst="roundRect">
-            <a:avLst/>
-          </a:prstGeom>
-          <a:solidFill>
-            <a:schemeClr val="accent2"/>
-          </a:solidFill>
-          <a:ln>
-            <a:noFill/>
-          </a:ln>
-        </p:spPr>
-        <p:style>
-          <a:lnRef idx="2">
-            <a:schemeClr val="accent1">
-              <a:shade val="50000"/>
-            </a:schemeClr>
-          </a:lnRef>
-          <a:fillRef idx="1">
-            <a:schemeClr val="accent1"/>
-          </a:fillRef>
-          <a:effectRef idx="0">
-            <a:schemeClr val="accent1"/>
-          </a:effectRef>
-          <a:fontRef idx="minor">
-            <a:schemeClr val="lt1"/>
-          </a:fontRef>
-        </p:style>
-        <p:txBody>
-          <a:bodyPr rtlCol="0" anchor="ctr"/>
-          <a:lstStyle/>
-          <a:p>
-            <a:pPr algn="ctr"/>
-            <a:r>
-              <a:rPr lang="en-US" sz="1000" dirty="0">
-                <a:solidFill>
-                  <a:schemeClr val="bg1"/>
-                </a:solidFill>
-              </a:rPr>
-              <a:t>16</a:t>
-            </a:r>
-          </a:p>
-        </p:txBody>
-      </p:sp>
-      <p:sp>
-        <p:nvSpPr>
-          <p:cNvPr id="32" name="Rounded Rectangle 6">
-            <a:extLst>
-              <a:ext uri="{FF2B5EF4-FFF2-40B4-BE49-F238E27FC236}">
-                <a16:creationId xmlns:a16="http://schemas.microsoft.com/office/drawing/2014/main" id="{D3A4917F-F404-0940-A4EC-FEBFBC16E93F}"/>
-              </a:ext>
-            </a:extLst>
-          </p:cNvPr>
-          <p:cNvSpPr/>
-          <p:nvPr/>
-        </p:nvSpPr>
-        <p:spPr>
-          <a:xfrm>
-            <a:off x="3696509" y="2283718"/>
-            <a:ext cx="2449499" cy="346690"/>
-          </a:xfrm>
-          <a:prstGeom prst="roundRect">
-            <a:avLst/>
-          </a:prstGeom>
-          <a:ln>
-            <a:noFill/>
-          </a:ln>
-        </p:spPr>
-        <p:style>
-          <a:lnRef idx="2">
-            <a:schemeClr val="accent1">
-              <a:shade val="50000"/>
-            </a:schemeClr>
-          </a:lnRef>
-          <a:fillRef idx="1">
-            <a:schemeClr val="accent1"/>
-          </a:fillRef>
-          <a:effectRef idx="0">
-            <a:schemeClr val="accent1"/>
-          </a:effectRef>
-          <a:fontRef idx="minor">
-            <a:schemeClr val="lt1"/>
-          </a:fontRef>
-        </p:style>
-        <p:txBody>
-          <a:bodyPr rtlCol="0" anchor="ctr"/>
-          <a:lstStyle/>
-          <a:p>
-            <a:pPr algn="ctr"/>
-            <a:r>
-              <a:rPr lang="en-US" sz="1000" dirty="0" err="1">
-                <a:solidFill>
-                  <a:schemeClr val="bg1"/>
-                </a:solidFill>
-              </a:rPr>
-              <a:t>Tarea</a:t>
-            </a:r>
-            <a:r>
-              <a:rPr lang="en-US" sz="1000" dirty="0">
-                <a:solidFill>
-                  <a:schemeClr val="bg1"/>
-                </a:solidFill>
-              </a:rPr>
-              <a:t> </a:t>
-            </a:r>
-            <a:r>
-              <a:rPr lang="en-US" sz="1000" dirty="0" err="1">
-                <a:solidFill>
-                  <a:schemeClr val="bg1"/>
-                </a:solidFill>
-              </a:rPr>
-              <a:t>integradora</a:t>
-            </a:r>
-            <a:r>
-              <a:rPr lang="en-US" sz="1000" dirty="0">
-                <a:solidFill>
-                  <a:schemeClr val="bg1"/>
-                </a:solidFill>
-              </a:rPr>
-              <a:t> 2</a:t>
-            </a:r>
-          </a:p>
-        </p:txBody>
-      </p:sp>
-      <p:sp>
-        <p:nvSpPr>
-          <p:cNvPr id="34" name="Rounded Rectangle 6">
-            <a:extLst>
-              <a:ext uri="{FF2B5EF4-FFF2-40B4-BE49-F238E27FC236}">
-                <a16:creationId xmlns:a16="http://schemas.microsoft.com/office/drawing/2014/main" id="{B8196C66-E6EB-5E41-818D-1207FA8DF0B5}"/>
-              </a:ext>
-            </a:extLst>
-          </p:cNvPr>
-          <p:cNvSpPr/>
-          <p:nvPr/>
-        </p:nvSpPr>
-        <p:spPr>
-          <a:xfrm>
-            <a:off x="6226401" y="3003798"/>
-            <a:ext cx="2498067" cy="346690"/>
-          </a:xfrm>
-          <a:prstGeom prst="roundRect">
-            <a:avLst/>
-          </a:prstGeom>
-          <a:ln>
-            <a:noFill/>
-          </a:ln>
-        </p:spPr>
-        <p:style>
-          <a:lnRef idx="2">
-            <a:schemeClr val="accent1">
-              <a:shade val="50000"/>
-            </a:schemeClr>
-          </a:lnRef>
-          <a:fillRef idx="1">
-            <a:schemeClr val="accent1"/>
-          </a:fillRef>
-          <a:effectRef idx="0">
-            <a:schemeClr val="accent1"/>
-          </a:effectRef>
-          <a:fontRef idx="minor">
-            <a:schemeClr val="lt1"/>
-          </a:fontRef>
-        </p:style>
-        <p:txBody>
-          <a:bodyPr rtlCol="0" anchor="ctr"/>
-          <a:lstStyle/>
-          <a:p>
-            <a:pPr algn="ctr"/>
-            <a:r>
-              <a:rPr lang="en-US" sz="1000" dirty="0" err="1">
-                <a:solidFill>
-                  <a:schemeClr val="bg1"/>
-                </a:solidFill>
-              </a:rPr>
-              <a:t>Tarea</a:t>
-            </a:r>
-            <a:r>
-              <a:rPr lang="en-US" sz="1000" dirty="0">
-                <a:solidFill>
-                  <a:schemeClr val="bg1"/>
-                </a:solidFill>
-              </a:rPr>
-              <a:t> </a:t>
-            </a:r>
-            <a:r>
-              <a:rPr lang="en-US" sz="1000" dirty="0" err="1">
-                <a:solidFill>
-                  <a:schemeClr val="bg1"/>
-                </a:solidFill>
-              </a:rPr>
-              <a:t>integradora</a:t>
-            </a:r>
-            <a:r>
-              <a:rPr lang="en-US" sz="1000" dirty="0">
-                <a:solidFill>
-                  <a:schemeClr val="bg1"/>
-                </a:solidFill>
-              </a:rPr>
-              <a:t> 3</a:t>
-            </a:r>
-          </a:p>
-        </p:txBody>
-      </p:sp>
-      <p:sp>
-        <p:nvSpPr>
-          <p:cNvPr id="36" name="Rounded Rectangle 6">
-            <a:extLst>
-              <a:ext uri="{FF2B5EF4-FFF2-40B4-BE49-F238E27FC236}">
-                <a16:creationId xmlns:a16="http://schemas.microsoft.com/office/drawing/2014/main" id="{EB1D3DB7-4765-C446-8180-AF365A5142BA}"/>
-              </a:ext>
-            </a:extLst>
-          </p:cNvPr>
-          <p:cNvSpPr/>
-          <p:nvPr/>
-        </p:nvSpPr>
-        <p:spPr>
-          <a:xfrm>
-            <a:off x="1627709" y="3651870"/>
-            <a:ext cx="425238" cy="346690"/>
-          </a:xfrm>
-          <a:prstGeom prst="roundRect">
-            <a:avLst/>
-          </a:prstGeom>
-          <a:ln>
-            <a:noFill/>
-          </a:ln>
-        </p:spPr>
-        <p:style>
-          <a:lnRef idx="2">
-            <a:schemeClr val="accent1">
-              <a:shade val="50000"/>
-            </a:schemeClr>
-          </a:lnRef>
-          <a:fillRef idx="1">
-            <a:schemeClr val="accent1"/>
-          </a:fillRef>
-          <a:effectRef idx="0">
-            <a:schemeClr val="accent1"/>
-          </a:effectRef>
-          <a:fontRef idx="minor">
-            <a:schemeClr val="lt1"/>
-          </a:fontRef>
-        </p:style>
-        <p:txBody>
-          <a:bodyPr rtlCol="0" anchor="ctr"/>
-          <a:lstStyle/>
-          <a:p>
-            <a:pPr algn="ctr"/>
-            <a:r>
-              <a:rPr lang="en-US" sz="1000" dirty="0">
-                <a:solidFill>
-                  <a:schemeClr val="bg1"/>
-                </a:solidFill>
-              </a:rPr>
-              <a:t>LAB</a:t>
-            </a:r>
-          </a:p>
-        </p:txBody>
-      </p:sp>
-      <p:sp>
-        <p:nvSpPr>
-          <p:cNvPr id="37" name="Rounded Rectangle 6">
-            <a:extLst>
-              <a:ext uri="{FF2B5EF4-FFF2-40B4-BE49-F238E27FC236}">
-                <a16:creationId xmlns:a16="http://schemas.microsoft.com/office/drawing/2014/main" id="{353E9C9A-5263-8D4A-9B5D-A0E3249E8AFF}"/>
-              </a:ext>
-            </a:extLst>
-          </p:cNvPr>
-          <p:cNvSpPr/>
-          <p:nvPr/>
-        </p:nvSpPr>
-        <p:spPr>
-          <a:xfrm>
-            <a:off x="2131765" y="3651870"/>
-            <a:ext cx="425238" cy="346690"/>
-          </a:xfrm>
-          <a:prstGeom prst="roundRect">
-            <a:avLst/>
-          </a:prstGeom>
-          <a:ln>
-            <a:noFill/>
-          </a:ln>
-        </p:spPr>
-        <p:style>
-          <a:lnRef idx="2">
-            <a:schemeClr val="accent1">
-              <a:shade val="50000"/>
-            </a:schemeClr>
-          </a:lnRef>
-          <a:fillRef idx="1">
-            <a:schemeClr val="accent1"/>
-          </a:fillRef>
-          <a:effectRef idx="0">
-            <a:schemeClr val="accent1"/>
-          </a:effectRef>
-          <a:fontRef idx="minor">
-            <a:schemeClr val="lt1"/>
-          </a:fontRef>
-        </p:style>
-        <p:txBody>
-          <a:bodyPr rtlCol="0" anchor="ctr"/>
-          <a:lstStyle/>
-          <a:p>
-            <a:pPr algn="ctr"/>
-            <a:r>
-              <a:rPr lang="en-US" sz="1000" dirty="0">
-                <a:solidFill>
-                  <a:schemeClr val="bg1"/>
-                </a:solidFill>
-              </a:rPr>
-              <a:t>LAB</a:t>
-            </a:r>
-          </a:p>
-        </p:txBody>
-      </p:sp>
-      <p:sp>
-        <p:nvSpPr>
-          <p:cNvPr id="38" name="Rounded Rectangle 6">
-            <a:extLst>
-              <a:ext uri="{FF2B5EF4-FFF2-40B4-BE49-F238E27FC236}">
-                <a16:creationId xmlns:a16="http://schemas.microsoft.com/office/drawing/2014/main" id="{604E7959-96D5-F243-A130-89A69F422A01}"/>
-              </a:ext>
-            </a:extLst>
-          </p:cNvPr>
-          <p:cNvSpPr/>
-          <p:nvPr/>
-        </p:nvSpPr>
-        <p:spPr>
-          <a:xfrm>
-            <a:off x="3186431" y="3651870"/>
-            <a:ext cx="425238" cy="346690"/>
-          </a:xfrm>
-          <a:prstGeom prst="roundRect">
-            <a:avLst/>
-          </a:prstGeom>
-          <a:ln>
-            <a:noFill/>
-          </a:ln>
-        </p:spPr>
-        <p:style>
-          <a:lnRef idx="2">
-            <a:schemeClr val="accent1">
-              <a:shade val="50000"/>
-            </a:schemeClr>
-          </a:lnRef>
-          <a:fillRef idx="1">
-            <a:schemeClr val="accent1"/>
-          </a:fillRef>
-          <a:effectRef idx="0">
-            <a:schemeClr val="accent1"/>
-          </a:effectRef>
-          <a:fontRef idx="minor">
-            <a:schemeClr val="lt1"/>
-          </a:fontRef>
-        </p:style>
-        <p:txBody>
-          <a:bodyPr rtlCol="0" anchor="ctr"/>
-          <a:lstStyle/>
-          <a:p>
-            <a:pPr algn="ctr"/>
-            <a:r>
-              <a:rPr lang="en-US" sz="1000" dirty="0">
-                <a:solidFill>
-                  <a:schemeClr val="bg1"/>
-                </a:solidFill>
-              </a:rPr>
-              <a:t>LAB</a:t>
-            </a:r>
-          </a:p>
-        </p:txBody>
-      </p:sp>
-      <p:sp>
-        <p:nvSpPr>
-          <p:cNvPr id="39" name="Rounded Rectangle 6">
-            <a:extLst>
-              <a:ext uri="{FF2B5EF4-FFF2-40B4-BE49-F238E27FC236}">
-                <a16:creationId xmlns:a16="http://schemas.microsoft.com/office/drawing/2014/main" id="{60F54856-BEAC-C949-AAA2-7CAFB363C4EB}"/>
-              </a:ext>
-            </a:extLst>
-          </p:cNvPr>
-          <p:cNvSpPr/>
-          <p:nvPr/>
-        </p:nvSpPr>
-        <p:spPr>
-          <a:xfrm>
-            <a:off x="3690487" y="3651870"/>
-            <a:ext cx="425238" cy="346690"/>
-          </a:xfrm>
-          <a:prstGeom prst="roundRect">
-            <a:avLst/>
-          </a:prstGeom>
-          <a:ln>
-            <a:noFill/>
-          </a:ln>
-        </p:spPr>
-        <p:style>
-          <a:lnRef idx="2">
-            <a:schemeClr val="accent1">
-              <a:shade val="50000"/>
-            </a:schemeClr>
-          </a:lnRef>
-          <a:fillRef idx="1">
-            <a:schemeClr val="accent1"/>
-          </a:fillRef>
-          <a:effectRef idx="0">
-            <a:schemeClr val="accent1"/>
-          </a:effectRef>
-          <a:fontRef idx="minor">
-            <a:schemeClr val="lt1"/>
-          </a:fontRef>
-        </p:style>
-        <p:txBody>
-          <a:bodyPr rtlCol="0" anchor="ctr"/>
-          <a:lstStyle/>
-          <a:p>
-            <a:pPr algn="ctr"/>
-            <a:r>
-              <a:rPr lang="en-US" sz="1000" dirty="0">
-                <a:solidFill>
-                  <a:schemeClr val="bg1"/>
-                </a:solidFill>
-              </a:rPr>
-              <a:t>LAB</a:t>
-            </a:r>
-          </a:p>
-        </p:txBody>
-      </p:sp>
-      <p:sp>
-        <p:nvSpPr>
-          <p:cNvPr id="40" name="Rounded Rectangle 6">
-            <a:extLst>
-              <a:ext uri="{FF2B5EF4-FFF2-40B4-BE49-F238E27FC236}">
-                <a16:creationId xmlns:a16="http://schemas.microsoft.com/office/drawing/2014/main" id="{4F62B2E4-399D-A348-B556-303107037990}"/>
-              </a:ext>
-            </a:extLst>
-          </p:cNvPr>
-          <p:cNvSpPr/>
-          <p:nvPr/>
-        </p:nvSpPr>
-        <p:spPr>
-          <a:xfrm>
-            <a:off x="4703048" y="3651870"/>
-            <a:ext cx="425238" cy="346690"/>
-          </a:xfrm>
-          <a:prstGeom prst="roundRect">
-            <a:avLst/>
-          </a:prstGeom>
-          <a:ln>
-            <a:noFill/>
-          </a:ln>
-        </p:spPr>
-        <p:style>
-          <a:lnRef idx="2">
-            <a:schemeClr val="accent1">
-              <a:shade val="50000"/>
-            </a:schemeClr>
-          </a:lnRef>
-          <a:fillRef idx="1">
-            <a:schemeClr val="accent1"/>
-          </a:fillRef>
-          <a:effectRef idx="0">
-            <a:schemeClr val="accent1"/>
-          </a:effectRef>
-          <a:fontRef idx="minor">
-            <a:schemeClr val="lt1"/>
-          </a:fontRef>
-        </p:style>
-        <p:txBody>
-          <a:bodyPr rtlCol="0" anchor="ctr"/>
-          <a:lstStyle/>
-          <a:p>
-            <a:pPr algn="ctr"/>
-            <a:r>
-              <a:rPr lang="en-US" sz="1000" dirty="0">
-                <a:solidFill>
-                  <a:schemeClr val="bg1"/>
-                </a:solidFill>
-              </a:rPr>
-              <a:t>LAB</a:t>
-            </a:r>
-          </a:p>
-        </p:txBody>
-      </p:sp>
-      <p:sp>
-        <p:nvSpPr>
-          <p:cNvPr id="50" name="Rounded Rectangle 6">
-            <a:extLst>
-              <a:ext uri="{FF2B5EF4-FFF2-40B4-BE49-F238E27FC236}">
-                <a16:creationId xmlns:a16="http://schemas.microsoft.com/office/drawing/2014/main" id="{6673F961-8DCE-B14E-8638-0E0FB8C1AB20}"/>
-              </a:ext>
-            </a:extLst>
-          </p:cNvPr>
-          <p:cNvSpPr/>
-          <p:nvPr/>
-        </p:nvSpPr>
-        <p:spPr>
-          <a:xfrm>
-            <a:off x="5722345" y="3651870"/>
-            <a:ext cx="425238" cy="346690"/>
-          </a:xfrm>
-          <a:prstGeom prst="roundRect">
-            <a:avLst/>
-          </a:prstGeom>
-          <a:ln>
-            <a:noFill/>
-          </a:ln>
-        </p:spPr>
-        <p:style>
-          <a:lnRef idx="2">
-            <a:schemeClr val="accent1">
-              <a:shade val="50000"/>
-            </a:schemeClr>
-          </a:lnRef>
-          <a:fillRef idx="1">
-            <a:schemeClr val="accent1"/>
-          </a:fillRef>
-          <a:effectRef idx="0">
-            <a:schemeClr val="accent1"/>
-          </a:effectRef>
-          <a:fontRef idx="minor">
-            <a:schemeClr val="lt1"/>
-          </a:fontRef>
-        </p:style>
-        <p:txBody>
-          <a:bodyPr rtlCol="0" anchor="ctr"/>
-          <a:lstStyle/>
-          <a:p>
-            <a:pPr algn="ctr"/>
-            <a:r>
-              <a:rPr lang="en-US" sz="1000" dirty="0">
-                <a:solidFill>
-                  <a:schemeClr val="bg1"/>
-                </a:solidFill>
-              </a:rPr>
-              <a:t>LAB</a:t>
-            </a:r>
-          </a:p>
-        </p:txBody>
-      </p:sp>
-      <p:sp>
-        <p:nvSpPr>
-          <p:cNvPr id="51" name="Rounded Rectangle 6">
-            <a:extLst>
-              <a:ext uri="{FF2B5EF4-FFF2-40B4-BE49-F238E27FC236}">
-                <a16:creationId xmlns:a16="http://schemas.microsoft.com/office/drawing/2014/main" id="{0BD3842D-30BB-824D-A3C4-BF7DF3D9C08F}"/>
-              </a:ext>
-            </a:extLst>
-          </p:cNvPr>
-          <p:cNvSpPr/>
-          <p:nvPr/>
-        </p:nvSpPr>
-        <p:spPr>
-          <a:xfrm>
-            <a:off x="6226401" y="3651870"/>
-            <a:ext cx="425238" cy="346690"/>
-          </a:xfrm>
-          <a:prstGeom prst="roundRect">
-            <a:avLst/>
-          </a:prstGeom>
-          <a:ln>
-            <a:noFill/>
-          </a:ln>
-        </p:spPr>
-        <p:style>
-          <a:lnRef idx="2">
-            <a:schemeClr val="accent1">
-              <a:shade val="50000"/>
-            </a:schemeClr>
-          </a:lnRef>
-          <a:fillRef idx="1">
-            <a:schemeClr val="accent1"/>
-          </a:fillRef>
-          <a:effectRef idx="0">
-            <a:schemeClr val="accent1"/>
-          </a:effectRef>
-          <a:fontRef idx="minor">
-            <a:schemeClr val="lt1"/>
-          </a:fontRef>
-        </p:style>
-        <p:txBody>
-          <a:bodyPr rtlCol="0" anchor="ctr"/>
-          <a:lstStyle/>
-          <a:p>
-            <a:pPr algn="ctr"/>
-            <a:r>
-              <a:rPr lang="en-US" sz="1000" dirty="0">
-                <a:solidFill>
-                  <a:schemeClr val="bg1"/>
-                </a:solidFill>
-              </a:rPr>
-              <a:t>LAB</a:t>
-            </a:r>
-          </a:p>
-        </p:txBody>
-      </p:sp>
-      <p:sp>
-        <p:nvSpPr>
-          <p:cNvPr id="52" name="Rounded Rectangle 6">
-            <a:extLst>
-              <a:ext uri="{FF2B5EF4-FFF2-40B4-BE49-F238E27FC236}">
-                <a16:creationId xmlns:a16="http://schemas.microsoft.com/office/drawing/2014/main" id="{2FE8577C-827A-7147-95F5-269E43376613}"/>
-              </a:ext>
-            </a:extLst>
-          </p:cNvPr>
-          <p:cNvSpPr/>
-          <p:nvPr/>
-        </p:nvSpPr>
-        <p:spPr>
-          <a:xfrm>
-            <a:off x="7277919" y="3651870"/>
-            <a:ext cx="425238" cy="346690"/>
-          </a:xfrm>
-          <a:prstGeom prst="roundRect">
-            <a:avLst/>
-          </a:prstGeom>
-          <a:ln>
-            <a:noFill/>
-          </a:ln>
-        </p:spPr>
-        <p:style>
-          <a:lnRef idx="2">
-            <a:schemeClr val="accent1">
-              <a:shade val="50000"/>
-            </a:schemeClr>
-          </a:lnRef>
-          <a:fillRef idx="1">
-            <a:schemeClr val="accent1"/>
-          </a:fillRef>
-          <a:effectRef idx="0">
-            <a:schemeClr val="accent1"/>
-          </a:effectRef>
-          <a:fontRef idx="minor">
-            <a:schemeClr val="lt1"/>
-          </a:fontRef>
-        </p:style>
-        <p:txBody>
-          <a:bodyPr rtlCol="0" anchor="ctr"/>
-          <a:lstStyle/>
-          <a:p>
-            <a:pPr algn="ctr"/>
-            <a:r>
-              <a:rPr lang="en-US" sz="1000" dirty="0">
-                <a:solidFill>
-                  <a:schemeClr val="bg1"/>
-                </a:solidFill>
-              </a:rPr>
-              <a:t>LAB</a:t>
-            </a:r>
-          </a:p>
-        </p:txBody>
-      </p:sp>
-      <p:sp>
-        <p:nvSpPr>
-          <p:cNvPr id="54" name="CuadroTexto 53">
-            <a:extLst>
-              <a:ext uri="{FF2B5EF4-FFF2-40B4-BE49-F238E27FC236}">
-                <a16:creationId xmlns:a16="http://schemas.microsoft.com/office/drawing/2014/main" id="{6CF14B41-3261-0348-91A7-F0F500C02E1A}"/>
-              </a:ext>
-            </a:extLst>
-          </p:cNvPr>
-          <p:cNvSpPr txBox="1"/>
-          <p:nvPr/>
-        </p:nvSpPr>
-        <p:spPr>
-          <a:xfrm>
-            <a:off x="156740" y="4240198"/>
-            <a:ext cx="8735740" cy="523220"/>
-          </a:xfrm>
-          <a:prstGeom prst="rect">
-            <a:avLst/>
-          </a:prstGeom>
-          <a:noFill/>
-        </p:spPr>
-        <p:txBody>
-          <a:bodyPr wrap="square" rtlCol="0">
-            <a:spAutoFit/>
-          </a:bodyPr>
-          <a:lstStyle/>
-          <a:p>
-            <a:r>
-              <a:rPr lang="es-ES" dirty="0">
-                <a:solidFill>
-                  <a:schemeClr val="tx2"/>
-                </a:solidFill>
-              </a:rPr>
-              <a:t>Las tareas integradoras se con base en el código presentado. Sin embargo, tenga en cuenta que se debe hacer una sustentación del trabajo para comprobar la autoría del trabajo</a:t>
+            <a:pPr algn="r"/>
+            <a:r>
+              <a:rPr lang="es-CO" dirty="0">
+                <a:solidFill>
+                  <a:srgbClr val="7030A0"/>
+                </a:solidFill>
+              </a:rPr>
+              <a:t>25%</a:t>
             </a:r>
           </a:p>
         </p:txBody>
@@ -6906,7 +5469,7 @@
     </p:spTree>
     <p:extLst>
       <p:ext uri="{BB962C8B-B14F-4D97-AF65-F5344CB8AC3E}">
-        <p14:creationId xmlns:p14="http://schemas.microsoft.com/office/powerpoint/2010/main" val="778314220"/>
+        <p14:creationId xmlns:p14="http://schemas.microsoft.com/office/powerpoint/2010/main" val="3683369624"/>
       </p:ext>
     </p:extLst>
   </p:cSld>
@@ -6935,6 +5498,1736 @@
       </p:grpSpPr>
       <p:sp>
         <p:nvSpPr>
+          <p:cNvPr id="2" name="Title 1">
+            <a:extLst>
+              <a:ext uri="{FF2B5EF4-FFF2-40B4-BE49-F238E27FC236}">
+                <a16:creationId xmlns:a16="http://schemas.microsoft.com/office/drawing/2014/main" id="{52E7F6AB-7731-5240-9B32-6E7792E42C33}"/>
+              </a:ext>
+            </a:extLst>
+          </p:cNvPr>
+          <p:cNvSpPr>
+            <a:spLocks noGrp="1"/>
+          </p:cNvSpPr>
+          <p:nvPr>
+            <p:ph type="title"/>
+          </p:nvPr>
+        </p:nvSpPr>
+        <p:spPr/>
+        <p:txBody>
+          <a:bodyPr/>
+          <a:lstStyle/>
+          <a:p>
+            <a:r>
+              <a:rPr lang="en-US" dirty="0" err="1"/>
+              <a:t>Calificación</a:t>
+            </a:r>
+            <a:endParaRPr lang="en-US" dirty="0"/>
+          </a:p>
+        </p:txBody>
+      </p:sp>
+      <p:sp>
+        <p:nvSpPr>
+          <p:cNvPr id="7" name="Rounded Rectangle 6">
+            <a:extLst>
+              <a:ext uri="{FF2B5EF4-FFF2-40B4-BE49-F238E27FC236}">
+                <a16:creationId xmlns:a16="http://schemas.microsoft.com/office/drawing/2014/main" id="{3A17402B-4A45-6246-83BB-7FC88CBDD7DC}"/>
+              </a:ext>
+            </a:extLst>
+          </p:cNvPr>
+          <p:cNvSpPr/>
+          <p:nvPr/>
+        </p:nvSpPr>
+        <p:spPr>
+          <a:xfrm>
+            <a:off x="1114043" y="1698548"/>
+            <a:ext cx="2496051" cy="346690"/>
+          </a:xfrm>
+          <a:prstGeom prst="roundRect">
+            <a:avLst/>
+          </a:prstGeom>
+          <a:ln>
+            <a:noFill/>
+          </a:ln>
+        </p:spPr>
+        <p:style>
+          <a:lnRef idx="2">
+            <a:schemeClr val="accent1">
+              <a:shade val="50000"/>
+            </a:schemeClr>
+          </a:lnRef>
+          <a:fillRef idx="1">
+            <a:schemeClr val="accent1"/>
+          </a:fillRef>
+          <a:effectRef idx="0">
+            <a:schemeClr val="accent1"/>
+          </a:effectRef>
+          <a:fontRef idx="minor">
+            <a:schemeClr val="lt1"/>
+          </a:fontRef>
+        </p:style>
+        <p:txBody>
+          <a:bodyPr rtlCol="0" anchor="ctr"/>
+          <a:lstStyle/>
+          <a:p>
+            <a:pPr algn="ctr"/>
+            <a:r>
+              <a:rPr lang="en-US" sz="1000" dirty="0" err="1">
+                <a:solidFill>
+                  <a:schemeClr val="bg1"/>
+                </a:solidFill>
+              </a:rPr>
+              <a:t>Tarea</a:t>
+            </a:r>
+            <a:r>
+              <a:rPr lang="en-US" sz="1000" dirty="0">
+                <a:solidFill>
+                  <a:schemeClr val="bg1"/>
+                </a:solidFill>
+              </a:rPr>
+              <a:t> </a:t>
+            </a:r>
+            <a:r>
+              <a:rPr lang="en-US" sz="1000" dirty="0" err="1">
+                <a:solidFill>
+                  <a:schemeClr val="bg1"/>
+                </a:solidFill>
+              </a:rPr>
+              <a:t>integradora</a:t>
+            </a:r>
+            <a:r>
+              <a:rPr lang="en-US" sz="1000" dirty="0">
+                <a:solidFill>
+                  <a:schemeClr val="bg1"/>
+                </a:solidFill>
+              </a:rPr>
+              <a:t> 1</a:t>
+            </a:r>
+          </a:p>
+        </p:txBody>
+      </p:sp>
+      <p:sp>
+        <p:nvSpPr>
+          <p:cNvPr id="9" name="Rounded Rectangle 8">
+            <a:extLst>
+              <a:ext uri="{FF2B5EF4-FFF2-40B4-BE49-F238E27FC236}">
+                <a16:creationId xmlns:a16="http://schemas.microsoft.com/office/drawing/2014/main" id="{F79AD009-042A-4541-9A98-EAB2EB8C5FE0}"/>
+              </a:ext>
+            </a:extLst>
+          </p:cNvPr>
+          <p:cNvSpPr/>
+          <p:nvPr/>
+        </p:nvSpPr>
+        <p:spPr>
+          <a:xfrm>
+            <a:off x="611560" y="1389093"/>
+            <a:ext cx="423664" cy="135632"/>
+          </a:xfrm>
+          <a:prstGeom prst="roundRect">
+            <a:avLst/>
+          </a:prstGeom>
+          <a:solidFill>
+            <a:schemeClr val="accent2"/>
+          </a:solidFill>
+          <a:ln>
+            <a:noFill/>
+          </a:ln>
+        </p:spPr>
+        <p:style>
+          <a:lnRef idx="2">
+            <a:schemeClr val="accent1">
+              <a:shade val="50000"/>
+            </a:schemeClr>
+          </a:lnRef>
+          <a:fillRef idx="1">
+            <a:schemeClr val="accent1"/>
+          </a:fillRef>
+          <a:effectRef idx="0">
+            <a:schemeClr val="accent1"/>
+          </a:effectRef>
+          <a:fontRef idx="minor">
+            <a:schemeClr val="lt1"/>
+          </a:fontRef>
+        </p:style>
+        <p:txBody>
+          <a:bodyPr rtlCol="0" anchor="ctr"/>
+          <a:lstStyle/>
+          <a:p>
+            <a:pPr algn="ctr"/>
+            <a:r>
+              <a:rPr lang="en-US" sz="1000" dirty="0">
+                <a:solidFill>
+                  <a:schemeClr val="bg1"/>
+                </a:solidFill>
+              </a:rPr>
+              <a:t>1</a:t>
+            </a:r>
+          </a:p>
+        </p:txBody>
+      </p:sp>
+      <p:sp>
+        <p:nvSpPr>
+          <p:cNvPr id="10" name="Rounded Rectangle 9">
+            <a:extLst>
+              <a:ext uri="{FF2B5EF4-FFF2-40B4-BE49-F238E27FC236}">
+                <a16:creationId xmlns:a16="http://schemas.microsoft.com/office/drawing/2014/main" id="{858534C4-049A-B340-83ED-2727A396A499}"/>
+              </a:ext>
+            </a:extLst>
+          </p:cNvPr>
+          <p:cNvSpPr/>
+          <p:nvPr/>
+        </p:nvSpPr>
+        <p:spPr>
+          <a:xfrm>
+            <a:off x="1115616" y="1392236"/>
+            <a:ext cx="423664" cy="135632"/>
+          </a:xfrm>
+          <a:prstGeom prst="roundRect">
+            <a:avLst/>
+          </a:prstGeom>
+          <a:solidFill>
+            <a:schemeClr val="accent2"/>
+          </a:solidFill>
+          <a:ln>
+            <a:noFill/>
+          </a:ln>
+        </p:spPr>
+        <p:style>
+          <a:lnRef idx="2">
+            <a:schemeClr val="accent1">
+              <a:shade val="50000"/>
+            </a:schemeClr>
+          </a:lnRef>
+          <a:fillRef idx="1">
+            <a:schemeClr val="accent1"/>
+          </a:fillRef>
+          <a:effectRef idx="0">
+            <a:schemeClr val="accent1"/>
+          </a:effectRef>
+          <a:fontRef idx="minor">
+            <a:schemeClr val="lt1"/>
+          </a:fontRef>
+        </p:style>
+        <p:txBody>
+          <a:bodyPr rtlCol="0" anchor="ctr"/>
+          <a:lstStyle/>
+          <a:p>
+            <a:pPr algn="ctr"/>
+            <a:r>
+              <a:rPr lang="en-US" sz="1000" dirty="0">
+                <a:solidFill>
+                  <a:schemeClr val="bg1"/>
+                </a:solidFill>
+              </a:rPr>
+              <a:t>2</a:t>
+            </a:r>
+          </a:p>
+        </p:txBody>
+      </p:sp>
+      <p:sp>
+        <p:nvSpPr>
+          <p:cNvPr id="11" name="Rounded Rectangle 10">
+            <a:extLst>
+              <a:ext uri="{FF2B5EF4-FFF2-40B4-BE49-F238E27FC236}">
+                <a16:creationId xmlns:a16="http://schemas.microsoft.com/office/drawing/2014/main" id="{95F3EBC1-F1F5-774D-9CA3-7EB2AFDC3BD9}"/>
+              </a:ext>
+            </a:extLst>
+          </p:cNvPr>
+          <p:cNvSpPr/>
+          <p:nvPr/>
+        </p:nvSpPr>
+        <p:spPr>
+          <a:xfrm>
+            <a:off x="1629283" y="1393328"/>
+            <a:ext cx="423664" cy="135632"/>
+          </a:xfrm>
+          <a:prstGeom prst="roundRect">
+            <a:avLst/>
+          </a:prstGeom>
+          <a:solidFill>
+            <a:schemeClr val="accent2"/>
+          </a:solidFill>
+          <a:ln>
+            <a:noFill/>
+          </a:ln>
+        </p:spPr>
+        <p:style>
+          <a:lnRef idx="2">
+            <a:schemeClr val="accent1">
+              <a:shade val="50000"/>
+            </a:schemeClr>
+          </a:lnRef>
+          <a:fillRef idx="1">
+            <a:schemeClr val="accent1"/>
+          </a:fillRef>
+          <a:effectRef idx="0">
+            <a:schemeClr val="accent1"/>
+          </a:effectRef>
+          <a:fontRef idx="minor">
+            <a:schemeClr val="lt1"/>
+          </a:fontRef>
+        </p:style>
+        <p:txBody>
+          <a:bodyPr rtlCol="0" anchor="ctr"/>
+          <a:lstStyle/>
+          <a:p>
+            <a:pPr algn="ctr"/>
+            <a:r>
+              <a:rPr lang="en-US" sz="1000" dirty="0">
+                <a:solidFill>
+                  <a:schemeClr val="bg1"/>
+                </a:solidFill>
+              </a:rPr>
+              <a:t>3</a:t>
+            </a:r>
+          </a:p>
+        </p:txBody>
+      </p:sp>
+      <p:sp>
+        <p:nvSpPr>
+          <p:cNvPr id="12" name="Rounded Rectangle 11">
+            <a:extLst>
+              <a:ext uri="{FF2B5EF4-FFF2-40B4-BE49-F238E27FC236}">
+                <a16:creationId xmlns:a16="http://schemas.microsoft.com/office/drawing/2014/main" id="{95B95E5C-89A7-D74B-9C80-12C11245DAF7}"/>
+              </a:ext>
+            </a:extLst>
+          </p:cNvPr>
+          <p:cNvSpPr/>
+          <p:nvPr/>
+        </p:nvSpPr>
+        <p:spPr>
+          <a:xfrm>
+            <a:off x="2133339" y="1396471"/>
+            <a:ext cx="423664" cy="135632"/>
+          </a:xfrm>
+          <a:prstGeom prst="roundRect">
+            <a:avLst/>
+          </a:prstGeom>
+          <a:solidFill>
+            <a:schemeClr val="accent2"/>
+          </a:solidFill>
+          <a:ln>
+            <a:noFill/>
+          </a:ln>
+        </p:spPr>
+        <p:style>
+          <a:lnRef idx="2">
+            <a:schemeClr val="accent1">
+              <a:shade val="50000"/>
+            </a:schemeClr>
+          </a:lnRef>
+          <a:fillRef idx="1">
+            <a:schemeClr val="accent1"/>
+          </a:fillRef>
+          <a:effectRef idx="0">
+            <a:schemeClr val="accent1"/>
+          </a:effectRef>
+          <a:fontRef idx="minor">
+            <a:schemeClr val="lt1"/>
+          </a:fontRef>
+        </p:style>
+        <p:txBody>
+          <a:bodyPr rtlCol="0" anchor="ctr"/>
+          <a:lstStyle/>
+          <a:p>
+            <a:pPr algn="ctr"/>
+            <a:r>
+              <a:rPr lang="en-US" sz="1000" dirty="0">
+                <a:solidFill>
+                  <a:schemeClr val="bg1"/>
+                </a:solidFill>
+              </a:rPr>
+              <a:t>4</a:t>
+            </a:r>
+          </a:p>
+        </p:txBody>
+      </p:sp>
+      <p:sp>
+        <p:nvSpPr>
+          <p:cNvPr id="13" name="Rounded Rectangle 12">
+            <a:extLst>
+              <a:ext uri="{FF2B5EF4-FFF2-40B4-BE49-F238E27FC236}">
+                <a16:creationId xmlns:a16="http://schemas.microsoft.com/office/drawing/2014/main" id="{0C1AC4B3-BE9B-334B-8AFA-3E577F8F2FB1}"/>
+              </a:ext>
+            </a:extLst>
+          </p:cNvPr>
+          <p:cNvSpPr/>
+          <p:nvPr/>
+        </p:nvSpPr>
+        <p:spPr>
+          <a:xfrm>
+            <a:off x="2672764" y="1399614"/>
+            <a:ext cx="423664" cy="135632"/>
+          </a:xfrm>
+          <a:prstGeom prst="roundRect">
+            <a:avLst/>
+          </a:prstGeom>
+          <a:solidFill>
+            <a:schemeClr val="accent2"/>
+          </a:solidFill>
+          <a:ln>
+            <a:noFill/>
+          </a:ln>
+        </p:spPr>
+        <p:style>
+          <a:lnRef idx="2">
+            <a:schemeClr val="accent1">
+              <a:shade val="50000"/>
+            </a:schemeClr>
+          </a:lnRef>
+          <a:fillRef idx="1">
+            <a:schemeClr val="accent1"/>
+          </a:fillRef>
+          <a:effectRef idx="0">
+            <a:schemeClr val="accent1"/>
+          </a:effectRef>
+          <a:fontRef idx="minor">
+            <a:schemeClr val="lt1"/>
+          </a:fontRef>
+        </p:style>
+        <p:txBody>
+          <a:bodyPr rtlCol="0" anchor="ctr"/>
+          <a:lstStyle/>
+          <a:p>
+            <a:pPr algn="ctr"/>
+            <a:r>
+              <a:rPr lang="en-US" sz="1000" dirty="0">
+                <a:solidFill>
+                  <a:schemeClr val="bg1"/>
+                </a:solidFill>
+              </a:rPr>
+              <a:t>5</a:t>
+            </a:r>
+          </a:p>
+        </p:txBody>
+      </p:sp>
+      <p:sp>
+        <p:nvSpPr>
+          <p:cNvPr id="14" name="Rounded Rectangle 13">
+            <a:extLst>
+              <a:ext uri="{FF2B5EF4-FFF2-40B4-BE49-F238E27FC236}">
+                <a16:creationId xmlns:a16="http://schemas.microsoft.com/office/drawing/2014/main" id="{238D0F5A-1570-CF44-AB2B-E26DB31D2243}"/>
+              </a:ext>
+            </a:extLst>
+          </p:cNvPr>
+          <p:cNvSpPr/>
+          <p:nvPr/>
+        </p:nvSpPr>
+        <p:spPr>
+          <a:xfrm>
+            <a:off x="3186431" y="1395379"/>
+            <a:ext cx="423664" cy="135632"/>
+          </a:xfrm>
+          <a:prstGeom prst="roundRect">
+            <a:avLst/>
+          </a:prstGeom>
+          <a:solidFill>
+            <a:schemeClr val="accent2"/>
+          </a:solidFill>
+          <a:ln>
+            <a:noFill/>
+          </a:ln>
+        </p:spPr>
+        <p:style>
+          <a:lnRef idx="2">
+            <a:schemeClr val="accent1">
+              <a:shade val="50000"/>
+            </a:schemeClr>
+          </a:lnRef>
+          <a:fillRef idx="1">
+            <a:schemeClr val="accent1"/>
+          </a:fillRef>
+          <a:effectRef idx="0">
+            <a:schemeClr val="accent1"/>
+          </a:effectRef>
+          <a:fontRef idx="minor">
+            <a:schemeClr val="lt1"/>
+          </a:fontRef>
+        </p:style>
+        <p:txBody>
+          <a:bodyPr rtlCol="0" anchor="ctr"/>
+          <a:lstStyle/>
+          <a:p>
+            <a:pPr algn="ctr"/>
+            <a:r>
+              <a:rPr lang="en-US" sz="1000" dirty="0">
+                <a:solidFill>
+                  <a:schemeClr val="bg1"/>
+                </a:solidFill>
+              </a:rPr>
+              <a:t>6</a:t>
+            </a:r>
+          </a:p>
+        </p:txBody>
+      </p:sp>
+      <p:sp>
+        <p:nvSpPr>
+          <p:cNvPr id="15" name="Rounded Rectangle 14">
+            <a:extLst>
+              <a:ext uri="{FF2B5EF4-FFF2-40B4-BE49-F238E27FC236}">
+                <a16:creationId xmlns:a16="http://schemas.microsoft.com/office/drawing/2014/main" id="{7DC44D7E-732D-1D42-B573-EC2C09E843D7}"/>
+              </a:ext>
+            </a:extLst>
+          </p:cNvPr>
+          <p:cNvSpPr/>
+          <p:nvPr/>
+        </p:nvSpPr>
+        <p:spPr>
+          <a:xfrm>
+            <a:off x="3696510" y="1401647"/>
+            <a:ext cx="423664" cy="135632"/>
+          </a:xfrm>
+          <a:prstGeom prst="roundRect">
+            <a:avLst/>
+          </a:prstGeom>
+          <a:solidFill>
+            <a:schemeClr val="accent2"/>
+          </a:solidFill>
+          <a:ln>
+            <a:noFill/>
+          </a:ln>
+        </p:spPr>
+        <p:style>
+          <a:lnRef idx="2">
+            <a:schemeClr val="accent1">
+              <a:shade val="50000"/>
+            </a:schemeClr>
+          </a:lnRef>
+          <a:fillRef idx="1">
+            <a:schemeClr val="accent1"/>
+          </a:fillRef>
+          <a:effectRef idx="0">
+            <a:schemeClr val="accent1"/>
+          </a:effectRef>
+          <a:fontRef idx="minor">
+            <a:schemeClr val="lt1"/>
+          </a:fontRef>
+        </p:style>
+        <p:txBody>
+          <a:bodyPr rtlCol="0" anchor="ctr"/>
+          <a:lstStyle/>
+          <a:p>
+            <a:pPr algn="ctr"/>
+            <a:r>
+              <a:rPr lang="en-US" sz="1000" dirty="0">
+                <a:solidFill>
+                  <a:schemeClr val="bg1"/>
+                </a:solidFill>
+              </a:rPr>
+              <a:t>7</a:t>
+            </a:r>
+          </a:p>
+        </p:txBody>
+      </p:sp>
+      <p:sp>
+        <p:nvSpPr>
+          <p:cNvPr id="16" name="Rounded Rectangle 15">
+            <a:extLst>
+              <a:ext uri="{FF2B5EF4-FFF2-40B4-BE49-F238E27FC236}">
+                <a16:creationId xmlns:a16="http://schemas.microsoft.com/office/drawing/2014/main" id="{1C6F099D-07FD-094B-BFE4-EE6E53488D40}"/>
+              </a:ext>
+            </a:extLst>
+          </p:cNvPr>
+          <p:cNvSpPr/>
+          <p:nvPr/>
+        </p:nvSpPr>
+        <p:spPr>
+          <a:xfrm>
+            <a:off x="4200566" y="1404790"/>
+            <a:ext cx="423664" cy="135632"/>
+          </a:xfrm>
+          <a:prstGeom prst="roundRect">
+            <a:avLst/>
+          </a:prstGeom>
+          <a:solidFill>
+            <a:schemeClr val="accent2"/>
+          </a:solidFill>
+          <a:ln>
+            <a:noFill/>
+          </a:ln>
+        </p:spPr>
+        <p:style>
+          <a:lnRef idx="2">
+            <a:schemeClr val="accent1">
+              <a:shade val="50000"/>
+            </a:schemeClr>
+          </a:lnRef>
+          <a:fillRef idx="1">
+            <a:schemeClr val="accent1"/>
+          </a:fillRef>
+          <a:effectRef idx="0">
+            <a:schemeClr val="accent1"/>
+          </a:effectRef>
+          <a:fontRef idx="minor">
+            <a:schemeClr val="lt1"/>
+          </a:fontRef>
+        </p:style>
+        <p:txBody>
+          <a:bodyPr rtlCol="0" anchor="ctr"/>
+          <a:lstStyle/>
+          <a:p>
+            <a:pPr algn="ctr"/>
+            <a:r>
+              <a:rPr lang="en-US" sz="1000" dirty="0">
+                <a:solidFill>
+                  <a:schemeClr val="bg1"/>
+                </a:solidFill>
+              </a:rPr>
+              <a:t>8</a:t>
+            </a:r>
+          </a:p>
+        </p:txBody>
+      </p:sp>
+      <p:sp>
+        <p:nvSpPr>
+          <p:cNvPr id="17" name="Rounded Rectangle 16">
+            <a:extLst>
+              <a:ext uri="{FF2B5EF4-FFF2-40B4-BE49-F238E27FC236}">
+                <a16:creationId xmlns:a16="http://schemas.microsoft.com/office/drawing/2014/main" id="{90691B9B-25AC-E841-B0D1-86CF976FE950}"/>
+              </a:ext>
+            </a:extLst>
+          </p:cNvPr>
+          <p:cNvSpPr/>
+          <p:nvPr/>
+        </p:nvSpPr>
+        <p:spPr>
+          <a:xfrm>
+            <a:off x="4704622" y="1405625"/>
+            <a:ext cx="423664" cy="135632"/>
+          </a:xfrm>
+          <a:prstGeom prst="roundRect">
+            <a:avLst/>
+          </a:prstGeom>
+          <a:solidFill>
+            <a:schemeClr val="accent2"/>
+          </a:solidFill>
+          <a:ln>
+            <a:noFill/>
+          </a:ln>
+        </p:spPr>
+        <p:style>
+          <a:lnRef idx="2">
+            <a:schemeClr val="accent1">
+              <a:shade val="50000"/>
+            </a:schemeClr>
+          </a:lnRef>
+          <a:fillRef idx="1">
+            <a:schemeClr val="accent1"/>
+          </a:fillRef>
+          <a:effectRef idx="0">
+            <a:schemeClr val="accent1"/>
+          </a:effectRef>
+          <a:fontRef idx="minor">
+            <a:schemeClr val="lt1"/>
+          </a:fontRef>
+        </p:style>
+        <p:txBody>
+          <a:bodyPr rtlCol="0" anchor="ctr"/>
+          <a:lstStyle/>
+          <a:p>
+            <a:pPr algn="ctr"/>
+            <a:r>
+              <a:rPr lang="en-US" sz="1000" dirty="0">
+                <a:solidFill>
+                  <a:schemeClr val="bg1"/>
+                </a:solidFill>
+              </a:rPr>
+              <a:t>9</a:t>
+            </a:r>
+          </a:p>
+        </p:txBody>
+      </p:sp>
+      <p:sp>
+        <p:nvSpPr>
+          <p:cNvPr id="18" name="Rounded Rectangle 17">
+            <a:extLst>
+              <a:ext uri="{FF2B5EF4-FFF2-40B4-BE49-F238E27FC236}">
+                <a16:creationId xmlns:a16="http://schemas.microsoft.com/office/drawing/2014/main" id="{29F873BE-3872-864E-AA19-62C786FD99AC}"/>
+              </a:ext>
+            </a:extLst>
+          </p:cNvPr>
+          <p:cNvSpPr/>
+          <p:nvPr/>
+        </p:nvSpPr>
+        <p:spPr>
+          <a:xfrm>
+            <a:off x="5208678" y="1408768"/>
+            <a:ext cx="423664" cy="135632"/>
+          </a:xfrm>
+          <a:prstGeom prst="roundRect">
+            <a:avLst/>
+          </a:prstGeom>
+          <a:solidFill>
+            <a:schemeClr val="accent2"/>
+          </a:solidFill>
+          <a:ln>
+            <a:noFill/>
+          </a:ln>
+        </p:spPr>
+        <p:style>
+          <a:lnRef idx="2">
+            <a:schemeClr val="accent1">
+              <a:shade val="50000"/>
+            </a:schemeClr>
+          </a:lnRef>
+          <a:fillRef idx="1">
+            <a:schemeClr val="accent1"/>
+          </a:fillRef>
+          <a:effectRef idx="0">
+            <a:schemeClr val="accent1"/>
+          </a:effectRef>
+          <a:fontRef idx="minor">
+            <a:schemeClr val="lt1"/>
+          </a:fontRef>
+        </p:style>
+        <p:txBody>
+          <a:bodyPr rtlCol="0" anchor="ctr"/>
+          <a:lstStyle/>
+          <a:p>
+            <a:pPr algn="ctr"/>
+            <a:r>
+              <a:rPr lang="en-US" sz="1000" dirty="0">
+                <a:solidFill>
+                  <a:schemeClr val="bg1"/>
+                </a:solidFill>
+              </a:rPr>
+              <a:t>10</a:t>
+            </a:r>
+          </a:p>
+        </p:txBody>
+      </p:sp>
+      <p:sp>
+        <p:nvSpPr>
+          <p:cNvPr id="19" name="Rounded Rectangle 18">
+            <a:extLst>
+              <a:ext uri="{FF2B5EF4-FFF2-40B4-BE49-F238E27FC236}">
+                <a16:creationId xmlns:a16="http://schemas.microsoft.com/office/drawing/2014/main" id="{16AFE635-53EB-BE47-BE26-0A853804B00B}"/>
+              </a:ext>
+            </a:extLst>
+          </p:cNvPr>
+          <p:cNvSpPr/>
+          <p:nvPr/>
+        </p:nvSpPr>
+        <p:spPr>
+          <a:xfrm>
+            <a:off x="5722345" y="1409860"/>
+            <a:ext cx="423664" cy="135632"/>
+          </a:xfrm>
+          <a:prstGeom prst="roundRect">
+            <a:avLst/>
+          </a:prstGeom>
+          <a:solidFill>
+            <a:schemeClr val="accent2"/>
+          </a:solidFill>
+          <a:ln>
+            <a:noFill/>
+          </a:ln>
+        </p:spPr>
+        <p:style>
+          <a:lnRef idx="2">
+            <a:schemeClr val="accent1">
+              <a:shade val="50000"/>
+            </a:schemeClr>
+          </a:lnRef>
+          <a:fillRef idx="1">
+            <a:schemeClr val="accent1"/>
+          </a:fillRef>
+          <a:effectRef idx="0">
+            <a:schemeClr val="accent1"/>
+          </a:effectRef>
+          <a:fontRef idx="minor">
+            <a:schemeClr val="lt1"/>
+          </a:fontRef>
+        </p:style>
+        <p:txBody>
+          <a:bodyPr rtlCol="0" anchor="ctr"/>
+          <a:lstStyle/>
+          <a:p>
+            <a:pPr algn="ctr"/>
+            <a:r>
+              <a:rPr lang="en-US" sz="1000" dirty="0">
+                <a:solidFill>
+                  <a:schemeClr val="bg1"/>
+                </a:solidFill>
+              </a:rPr>
+              <a:t>11</a:t>
+            </a:r>
+          </a:p>
+        </p:txBody>
+      </p:sp>
+      <p:sp>
+        <p:nvSpPr>
+          <p:cNvPr id="20" name="Rounded Rectangle 19">
+            <a:extLst>
+              <a:ext uri="{FF2B5EF4-FFF2-40B4-BE49-F238E27FC236}">
+                <a16:creationId xmlns:a16="http://schemas.microsoft.com/office/drawing/2014/main" id="{64B19FE0-2820-5346-A79A-071DD456AB51}"/>
+              </a:ext>
+            </a:extLst>
+          </p:cNvPr>
+          <p:cNvSpPr/>
+          <p:nvPr/>
+        </p:nvSpPr>
+        <p:spPr>
+          <a:xfrm>
+            <a:off x="6226401" y="1413003"/>
+            <a:ext cx="423664" cy="135632"/>
+          </a:xfrm>
+          <a:prstGeom prst="roundRect">
+            <a:avLst/>
+          </a:prstGeom>
+          <a:solidFill>
+            <a:schemeClr val="accent2"/>
+          </a:solidFill>
+          <a:ln>
+            <a:noFill/>
+          </a:ln>
+        </p:spPr>
+        <p:style>
+          <a:lnRef idx="2">
+            <a:schemeClr val="accent1">
+              <a:shade val="50000"/>
+            </a:schemeClr>
+          </a:lnRef>
+          <a:fillRef idx="1">
+            <a:schemeClr val="accent1"/>
+          </a:fillRef>
+          <a:effectRef idx="0">
+            <a:schemeClr val="accent1"/>
+          </a:effectRef>
+          <a:fontRef idx="minor">
+            <a:schemeClr val="lt1"/>
+          </a:fontRef>
+        </p:style>
+        <p:txBody>
+          <a:bodyPr rtlCol="0" anchor="ctr"/>
+          <a:lstStyle/>
+          <a:p>
+            <a:pPr algn="ctr"/>
+            <a:r>
+              <a:rPr lang="en-US" sz="1000" dirty="0">
+                <a:solidFill>
+                  <a:schemeClr val="bg1"/>
+                </a:solidFill>
+              </a:rPr>
+              <a:t>12</a:t>
+            </a:r>
+          </a:p>
+        </p:txBody>
+      </p:sp>
+      <p:sp>
+        <p:nvSpPr>
+          <p:cNvPr id="21" name="Rounded Rectangle 20">
+            <a:extLst>
+              <a:ext uri="{FF2B5EF4-FFF2-40B4-BE49-F238E27FC236}">
+                <a16:creationId xmlns:a16="http://schemas.microsoft.com/office/drawing/2014/main" id="{4D7CA54E-4FF8-E844-87CE-3E3D709BAA7F}"/>
+              </a:ext>
+            </a:extLst>
+          </p:cNvPr>
+          <p:cNvSpPr/>
+          <p:nvPr/>
+        </p:nvSpPr>
+        <p:spPr>
+          <a:xfrm>
+            <a:off x="6775437" y="1408768"/>
+            <a:ext cx="423664" cy="135632"/>
+          </a:xfrm>
+          <a:prstGeom prst="roundRect">
+            <a:avLst/>
+          </a:prstGeom>
+          <a:solidFill>
+            <a:schemeClr val="accent2"/>
+          </a:solidFill>
+          <a:ln>
+            <a:noFill/>
+          </a:ln>
+        </p:spPr>
+        <p:style>
+          <a:lnRef idx="2">
+            <a:schemeClr val="accent1">
+              <a:shade val="50000"/>
+            </a:schemeClr>
+          </a:lnRef>
+          <a:fillRef idx="1">
+            <a:schemeClr val="accent1"/>
+          </a:fillRef>
+          <a:effectRef idx="0">
+            <a:schemeClr val="accent1"/>
+          </a:effectRef>
+          <a:fontRef idx="minor">
+            <a:schemeClr val="lt1"/>
+          </a:fontRef>
+        </p:style>
+        <p:txBody>
+          <a:bodyPr rtlCol="0" anchor="ctr"/>
+          <a:lstStyle/>
+          <a:p>
+            <a:pPr algn="ctr"/>
+            <a:r>
+              <a:rPr lang="en-US" sz="1000" dirty="0">
+                <a:solidFill>
+                  <a:schemeClr val="bg1"/>
+                </a:solidFill>
+              </a:rPr>
+              <a:t>13</a:t>
+            </a:r>
+          </a:p>
+        </p:txBody>
+      </p:sp>
+      <p:sp>
+        <p:nvSpPr>
+          <p:cNvPr id="22" name="Rounded Rectangle 21">
+            <a:extLst>
+              <a:ext uri="{FF2B5EF4-FFF2-40B4-BE49-F238E27FC236}">
+                <a16:creationId xmlns:a16="http://schemas.microsoft.com/office/drawing/2014/main" id="{605243AE-D18B-0A45-B063-11A43AFEE53B}"/>
+              </a:ext>
+            </a:extLst>
+          </p:cNvPr>
+          <p:cNvSpPr/>
+          <p:nvPr/>
+        </p:nvSpPr>
+        <p:spPr>
+          <a:xfrm>
+            <a:off x="7279493" y="1411911"/>
+            <a:ext cx="423664" cy="135632"/>
+          </a:xfrm>
+          <a:prstGeom prst="roundRect">
+            <a:avLst/>
+          </a:prstGeom>
+          <a:solidFill>
+            <a:schemeClr val="accent2"/>
+          </a:solidFill>
+          <a:ln>
+            <a:noFill/>
+          </a:ln>
+        </p:spPr>
+        <p:style>
+          <a:lnRef idx="2">
+            <a:schemeClr val="accent1">
+              <a:shade val="50000"/>
+            </a:schemeClr>
+          </a:lnRef>
+          <a:fillRef idx="1">
+            <a:schemeClr val="accent1"/>
+          </a:fillRef>
+          <a:effectRef idx="0">
+            <a:schemeClr val="accent1"/>
+          </a:effectRef>
+          <a:fontRef idx="minor">
+            <a:schemeClr val="lt1"/>
+          </a:fontRef>
+        </p:style>
+        <p:txBody>
+          <a:bodyPr rtlCol="0" anchor="ctr"/>
+          <a:lstStyle/>
+          <a:p>
+            <a:pPr algn="ctr"/>
+            <a:r>
+              <a:rPr lang="en-US" sz="1000" dirty="0">
+                <a:solidFill>
+                  <a:schemeClr val="bg1"/>
+                </a:solidFill>
+              </a:rPr>
+              <a:t>14</a:t>
+            </a:r>
+          </a:p>
+        </p:txBody>
+      </p:sp>
+      <p:sp>
+        <p:nvSpPr>
+          <p:cNvPr id="23" name="Rounded Rectangle 22">
+            <a:extLst>
+              <a:ext uri="{FF2B5EF4-FFF2-40B4-BE49-F238E27FC236}">
+                <a16:creationId xmlns:a16="http://schemas.microsoft.com/office/drawing/2014/main" id="{3F8DE1BA-FF66-3848-9A1E-B1890C7B43D7}"/>
+              </a:ext>
+            </a:extLst>
+          </p:cNvPr>
+          <p:cNvSpPr/>
+          <p:nvPr/>
+        </p:nvSpPr>
+        <p:spPr>
+          <a:xfrm>
+            <a:off x="7793160" y="1413003"/>
+            <a:ext cx="423664" cy="135632"/>
+          </a:xfrm>
+          <a:prstGeom prst="roundRect">
+            <a:avLst/>
+          </a:prstGeom>
+          <a:solidFill>
+            <a:schemeClr val="accent2"/>
+          </a:solidFill>
+          <a:ln>
+            <a:noFill/>
+          </a:ln>
+        </p:spPr>
+        <p:style>
+          <a:lnRef idx="2">
+            <a:schemeClr val="accent1">
+              <a:shade val="50000"/>
+            </a:schemeClr>
+          </a:lnRef>
+          <a:fillRef idx="1">
+            <a:schemeClr val="accent1"/>
+          </a:fillRef>
+          <a:effectRef idx="0">
+            <a:schemeClr val="accent1"/>
+          </a:effectRef>
+          <a:fontRef idx="minor">
+            <a:schemeClr val="lt1"/>
+          </a:fontRef>
+        </p:style>
+        <p:txBody>
+          <a:bodyPr rtlCol="0" anchor="ctr"/>
+          <a:lstStyle/>
+          <a:p>
+            <a:pPr algn="ctr"/>
+            <a:r>
+              <a:rPr lang="en-US" sz="1000" dirty="0">
+                <a:solidFill>
+                  <a:schemeClr val="bg1"/>
+                </a:solidFill>
+              </a:rPr>
+              <a:t>15</a:t>
+            </a:r>
+          </a:p>
+        </p:txBody>
+      </p:sp>
+      <p:sp>
+        <p:nvSpPr>
+          <p:cNvPr id="24" name="Rounded Rectangle 23">
+            <a:extLst>
+              <a:ext uri="{FF2B5EF4-FFF2-40B4-BE49-F238E27FC236}">
+                <a16:creationId xmlns:a16="http://schemas.microsoft.com/office/drawing/2014/main" id="{E07B029D-A9D5-664E-9A58-FDADC1335B15}"/>
+              </a:ext>
+            </a:extLst>
+          </p:cNvPr>
+          <p:cNvSpPr/>
+          <p:nvPr/>
+        </p:nvSpPr>
+        <p:spPr>
+          <a:xfrm>
+            <a:off x="8300804" y="1410970"/>
+            <a:ext cx="423664" cy="135632"/>
+          </a:xfrm>
+          <a:prstGeom prst="roundRect">
+            <a:avLst/>
+          </a:prstGeom>
+          <a:solidFill>
+            <a:schemeClr val="accent2"/>
+          </a:solidFill>
+          <a:ln>
+            <a:noFill/>
+          </a:ln>
+        </p:spPr>
+        <p:style>
+          <a:lnRef idx="2">
+            <a:schemeClr val="accent1">
+              <a:shade val="50000"/>
+            </a:schemeClr>
+          </a:lnRef>
+          <a:fillRef idx="1">
+            <a:schemeClr val="accent1"/>
+          </a:fillRef>
+          <a:effectRef idx="0">
+            <a:schemeClr val="accent1"/>
+          </a:effectRef>
+          <a:fontRef idx="minor">
+            <a:schemeClr val="lt1"/>
+          </a:fontRef>
+        </p:style>
+        <p:txBody>
+          <a:bodyPr rtlCol="0" anchor="ctr"/>
+          <a:lstStyle/>
+          <a:p>
+            <a:pPr algn="ctr"/>
+            <a:r>
+              <a:rPr lang="en-US" sz="1000" dirty="0">
+                <a:solidFill>
+                  <a:schemeClr val="bg1"/>
+                </a:solidFill>
+              </a:rPr>
+              <a:t>16</a:t>
+            </a:r>
+          </a:p>
+        </p:txBody>
+      </p:sp>
+      <p:sp>
+        <p:nvSpPr>
+          <p:cNvPr id="32" name="Rounded Rectangle 6">
+            <a:extLst>
+              <a:ext uri="{FF2B5EF4-FFF2-40B4-BE49-F238E27FC236}">
+                <a16:creationId xmlns:a16="http://schemas.microsoft.com/office/drawing/2014/main" id="{D3A4917F-F404-0940-A4EC-FEBFBC16E93F}"/>
+              </a:ext>
+            </a:extLst>
+          </p:cNvPr>
+          <p:cNvSpPr/>
+          <p:nvPr/>
+        </p:nvSpPr>
+        <p:spPr>
+          <a:xfrm>
+            <a:off x="3696509" y="2283718"/>
+            <a:ext cx="2449499" cy="346690"/>
+          </a:xfrm>
+          <a:prstGeom prst="roundRect">
+            <a:avLst/>
+          </a:prstGeom>
+          <a:ln>
+            <a:noFill/>
+          </a:ln>
+        </p:spPr>
+        <p:style>
+          <a:lnRef idx="2">
+            <a:schemeClr val="accent1">
+              <a:shade val="50000"/>
+            </a:schemeClr>
+          </a:lnRef>
+          <a:fillRef idx="1">
+            <a:schemeClr val="accent1"/>
+          </a:fillRef>
+          <a:effectRef idx="0">
+            <a:schemeClr val="accent1"/>
+          </a:effectRef>
+          <a:fontRef idx="minor">
+            <a:schemeClr val="lt1"/>
+          </a:fontRef>
+        </p:style>
+        <p:txBody>
+          <a:bodyPr rtlCol="0" anchor="ctr"/>
+          <a:lstStyle/>
+          <a:p>
+            <a:pPr algn="ctr"/>
+            <a:r>
+              <a:rPr lang="en-US" sz="1000" dirty="0" err="1">
+                <a:solidFill>
+                  <a:schemeClr val="bg1"/>
+                </a:solidFill>
+              </a:rPr>
+              <a:t>Tarea</a:t>
+            </a:r>
+            <a:r>
+              <a:rPr lang="en-US" sz="1000" dirty="0">
+                <a:solidFill>
+                  <a:schemeClr val="bg1"/>
+                </a:solidFill>
+              </a:rPr>
+              <a:t> </a:t>
+            </a:r>
+            <a:r>
+              <a:rPr lang="en-US" sz="1000" dirty="0" err="1">
+                <a:solidFill>
+                  <a:schemeClr val="bg1"/>
+                </a:solidFill>
+              </a:rPr>
+              <a:t>integradora</a:t>
+            </a:r>
+            <a:r>
+              <a:rPr lang="en-US" sz="1000" dirty="0">
+                <a:solidFill>
+                  <a:schemeClr val="bg1"/>
+                </a:solidFill>
+              </a:rPr>
+              <a:t> 2</a:t>
+            </a:r>
+          </a:p>
+        </p:txBody>
+      </p:sp>
+      <p:sp>
+        <p:nvSpPr>
+          <p:cNvPr id="34" name="Rounded Rectangle 6">
+            <a:extLst>
+              <a:ext uri="{FF2B5EF4-FFF2-40B4-BE49-F238E27FC236}">
+                <a16:creationId xmlns:a16="http://schemas.microsoft.com/office/drawing/2014/main" id="{B8196C66-E6EB-5E41-818D-1207FA8DF0B5}"/>
+              </a:ext>
+            </a:extLst>
+          </p:cNvPr>
+          <p:cNvSpPr/>
+          <p:nvPr/>
+        </p:nvSpPr>
+        <p:spPr>
+          <a:xfrm>
+            <a:off x="6226401" y="3003798"/>
+            <a:ext cx="2498067" cy="346690"/>
+          </a:xfrm>
+          <a:prstGeom prst="roundRect">
+            <a:avLst/>
+          </a:prstGeom>
+          <a:ln>
+            <a:noFill/>
+          </a:ln>
+        </p:spPr>
+        <p:style>
+          <a:lnRef idx="2">
+            <a:schemeClr val="accent1">
+              <a:shade val="50000"/>
+            </a:schemeClr>
+          </a:lnRef>
+          <a:fillRef idx="1">
+            <a:schemeClr val="accent1"/>
+          </a:fillRef>
+          <a:effectRef idx="0">
+            <a:schemeClr val="accent1"/>
+          </a:effectRef>
+          <a:fontRef idx="minor">
+            <a:schemeClr val="lt1"/>
+          </a:fontRef>
+        </p:style>
+        <p:txBody>
+          <a:bodyPr rtlCol="0" anchor="ctr"/>
+          <a:lstStyle/>
+          <a:p>
+            <a:pPr algn="ctr"/>
+            <a:r>
+              <a:rPr lang="en-US" sz="1000" dirty="0" err="1">
+                <a:solidFill>
+                  <a:schemeClr val="bg1"/>
+                </a:solidFill>
+              </a:rPr>
+              <a:t>Tarea</a:t>
+            </a:r>
+            <a:r>
+              <a:rPr lang="en-US" sz="1000" dirty="0">
+                <a:solidFill>
+                  <a:schemeClr val="bg1"/>
+                </a:solidFill>
+              </a:rPr>
+              <a:t> </a:t>
+            </a:r>
+            <a:r>
+              <a:rPr lang="en-US" sz="1000" dirty="0" err="1">
+                <a:solidFill>
+                  <a:schemeClr val="bg1"/>
+                </a:solidFill>
+              </a:rPr>
+              <a:t>integradora</a:t>
+            </a:r>
+            <a:r>
+              <a:rPr lang="en-US" sz="1000" dirty="0">
+                <a:solidFill>
+                  <a:schemeClr val="bg1"/>
+                </a:solidFill>
+              </a:rPr>
+              <a:t> 3</a:t>
+            </a:r>
+          </a:p>
+        </p:txBody>
+      </p:sp>
+      <p:sp>
+        <p:nvSpPr>
+          <p:cNvPr id="36" name="Rounded Rectangle 6">
+            <a:extLst>
+              <a:ext uri="{FF2B5EF4-FFF2-40B4-BE49-F238E27FC236}">
+                <a16:creationId xmlns:a16="http://schemas.microsoft.com/office/drawing/2014/main" id="{EB1D3DB7-4765-C446-8180-AF365A5142BA}"/>
+              </a:ext>
+            </a:extLst>
+          </p:cNvPr>
+          <p:cNvSpPr/>
+          <p:nvPr/>
+        </p:nvSpPr>
+        <p:spPr>
+          <a:xfrm>
+            <a:off x="1627709" y="3651870"/>
+            <a:ext cx="425238" cy="346690"/>
+          </a:xfrm>
+          <a:prstGeom prst="roundRect">
+            <a:avLst/>
+          </a:prstGeom>
+          <a:ln>
+            <a:noFill/>
+          </a:ln>
+        </p:spPr>
+        <p:style>
+          <a:lnRef idx="2">
+            <a:schemeClr val="accent1">
+              <a:shade val="50000"/>
+            </a:schemeClr>
+          </a:lnRef>
+          <a:fillRef idx="1">
+            <a:schemeClr val="accent1"/>
+          </a:fillRef>
+          <a:effectRef idx="0">
+            <a:schemeClr val="accent1"/>
+          </a:effectRef>
+          <a:fontRef idx="minor">
+            <a:schemeClr val="lt1"/>
+          </a:fontRef>
+        </p:style>
+        <p:txBody>
+          <a:bodyPr rtlCol="0" anchor="ctr"/>
+          <a:lstStyle/>
+          <a:p>
+            <a:pPr algn="ctr"/>
+            <a:r>
+              <a:rPr lang="en-US" sz="1000" dirty="0">
+                <a:solidFill>
+                  <a:schemeClr val="bg1"/>
+                </a:solidFill>
+              </a:rPr>
+              <a:t>LAB</a:t>
+            </a:r>
+          </a:p>
+        </p:txBody>
+      </p:sp>
+      <p:sp>
+        <p:nvSpPr>
+          <p:cNvPr id="37" name="Rounded Rectangle 6">
+            <a:extLst>
+              <a:ext uri="{FF2B5EF4-FFF2-40B4-BE49-F238E27FC236}">
+                <a16:creationId xmlns:a16="http://schemas.microsoft.com/office/drawing/2014/main" id="{353E9C9A-5263-8D4A-9B5D-A0E3249E8AFF}"/>
+              </a:ext>
+            </a:extLst>
+          </p:cNvPr>
+          <p:cNvSpPr/>
+          <p:nvPr/>
+        </p:nvSpPr>
+        <p:spPr>
+          <a:xfrm>
+            <a:off x="2131765" y="3651870"/>
+            <a:ext cx="425238" cy="346690"/>
+          </a:xfrm>
+          <a:prstGeom prst="roundRect">
+            <a:avLst/>
+          </a:prstGeom>
+          <a:ln>
+            <a:noFill/>
+          </a:ln>
+        </p:spPr>
+        <p:style>
+          <a:lnRef idx="2">
+            <a:schemeClr val="accent1">
+              <a:shade val="50000"/>
+            </a:schemeClr>
+          </a:lnRef>
+          <a:fillRef idx="1">
+            <a:schemeClr val="accent1"/>
+          </a:fillRef>
+          <a:effectRef idx="0">
+            <a:schemeClr val="accent1"/>
+          </a:effectRef>
+          <a:fontRef idx="minor">
+            <a:schemeClr val="lt1"/>
+          </a:fontRef>
+        </p:style>
+        <p:txBody>
+          <a:bodyPr rtlCol="0" anchor="ctr"/>
+          <a:lstStyle/>
+          <a:p>
+            <a:pPr algn="ctr"/>
+            <a:r>
+              <a:rPr lang="en-US" sz="1000" dirty="0">
+                <a:solidFill>
+                  <a:schemeClr val="bg1"/>
+                </a:solidFill>
+              </a:rPr>
+              <a:t>LAB</a:t>
+            </a:r>
+          </a:p>
+        </p:txBody>
+      </p:sp>
+      <p:sp>
+        <p:nvSpPr>
+          <p:cNvPr id="38" name="Rounded Rectangle 6">
+            <a:extLst>
+              <a:ext uri="{FF2B5EF4-FFF2-40B4-BE49-F238E27FC236}">
+                <a16:creationId xmlns:a16="http://schemas.microsoft.com/office/drawing/2014/main" id="{604E7959-96D5-F243-A130-89A69F422A01}"/>
+              </a:ext>
+            </a:extLst>
+          </p:cNvPr>
+          <p:cNvSpPr/>
+          <p:nvPr/>
+        </p:nvSpPr>
+        <p:spPr>
+          <a:xfrm>
+            <a:off x="3186431" y="3651870"/>
+            <a:ext cx="425238" cy="346690"/>
+          </a:xfrm>
+          <a:prstGeom prst="roundRect">
+            <a:avLst/>
+          </a:prstGeom>
+          <a:ln>
+            <a:noFill/>
+          </a:ln>
+        </p:spPr>
+        <p:style>
+          <a:lnRef idx="2">
+            <a:schemeClr val="accent1">
+              <a:shade val="50000"/>
+            </a:schemeClr>
+          </a:lnRef>
+          <a:fillRef idx="1">
+            <a:schemeClr val="accent1"/>
+          </a:fillRef>
+          <a:effectRef idx="0">
+            <a:schemeClr val="accent1"/>
+          </a:effectRef>
+          <a:fontRef idx="minor">
+            <a:schemeClr val="lt1"/>
+          </a:fontRef>
+        </p:style>
+        <p:txBody>
+          <a:bodyPr rtlCol="0" anchor="ctr"/>
+          <a:lstStyle/>
+          <a:p>
+            <a:pPr algn="ctr"/>
+            <a:r>
+              <a:rPr lang="en-US" sz="1000" dirty="0">
+                <a:solidFill>
+                  <a:schemeClr val="bg1"/>
+                </a:solidFill>
+              </a:rPr>
+              <a:t>LAB</a:t>
+            </a:r>
+          </a:p>
+        </p:txBody>
+      </p:sp>
+      <p:sp>
+        <p:nvSpPr>
+          <p:cNvPr id="39" name="Rounded Rectangle 6">
+            <a:extLst>
+              <a:ext uri="{FF2B5EF4-FFF2-40B4-BE49-F238E27FC236}">
+                <a16:creationId xmlns:a16="http://schemas.microsoft.com/office/drawing/2014/main" id="{60F54856-BEAC-C949-AAA2-7CAFB363C4EB}"/>
+              </a:ext>
+            </a:extLst>
+          </p:cNvPr>
+          <p:cNvSpPr/>
+          <p:nvPr/>
+        </p:nvSpPr>
+        <p:spPr>
+          <a:xfrm>
+            <a:off x="3690487" y="3651870"/>
+            <a:ext cx="425238" cy="346690"/>
+          </a:xfrm>
+          <a:prstGeom prst="roundRect">
+            <a:avLst/>
+          </a:prstGeom>
+          <a:ln>
+            <a:noFill/>
+          </a:ln>
+        </p:spPr>
+        <p:style>
+          <a:lnRef idx="2">
+            <a:schemeClr val="accent1">
+              <a:shade val="50000"/>
+            </a:schemeClr>
+          </a:lnRef>
+          <a:fillRef idx="1">
+            <a:schemeClr val="accent1"/>
+          </a:fillRef>
+          <a:effectRef idx="0">
+            <a:schemeClr val="accent1"/>
+          </a:effectRef>
+          <a:fontRef idx="minor">
+            <a:schemeClr val="lt1"/>
+          </a:fontRef>
+        </p:style>
+        <p:txBody>
+          <a:bodyPr rtlCol="0" anchor="ctr"/>
+          <a:lstStyle/>
+          <a:p>
+            <a:pPr algn="ctr"/>
+            <a:r>
+              <a:rPr lang="en-US" sz="1000" dirty="0">
+                <a:solidFill>
+                  <a:schemeClr val="bg1"/>
+                </a:solidFill>
+              </a:rPr>
+              <a:t>LAB</a:t>
+            </a:r>
+          </a:p>
+        </p:txBody>
+      </p:sp>
+      <p:sp>
+        <p:nvSpPr>
+          <p:cNvPr id="40" name="Rounded Rectangle 6">
+            <a:extLst>
+              <a:ext uri="{FF2B5EF4-FFF2-40B4-BE49-F238E27FC236}">
+                <a16:creationId xmlns:a16="http://schemas.microsoft.com/office/drawing/2014/main" id="{4F62B2E4-399D-A348-B556-303107037990}"/>
+              </a:ext>
+            </a:extLst>
+          </p:cNvPr>
+          <p:cNvSpPr/>
+          <p:nvPr/>
+        </p:nvSpPr>
+        <p:spPr>
+          <a:xfrm>
+            <a:off x="4703048" y="3651870"/>
+            <a:ext cx="425238" cy="346690"/>
+          </a:xfrm>
+          <a:prstGeom prst="roundRect">
+            <a:avLst/>
+          </a:prstGeom>
+          <a:ln>
+            <a:noFill/>
+          </a:ln>
+        </p:spPr>
+        <p:style>
+          <a:lnRef idx="2">
+            <a:schemeClr val="accent1">
+              <a:shade val="50000"/>
+            </a:schemeClr>
+          </a:lnRef>
+          <a:fillRef idx="1">
+            <a:schemeClr val="accent1"/>
+          </a:fillRef>
+          <a:effectRef idx="0">
+            <a:schemeClr val="accent1"/>
+          </a:effectRef>
+          <a:fontRef idx="minor">
+            <a:schemeClr val="lt1"/>
+          </a:fontRef>
+        </p:style>
+        <p:txBody>
+          <a:bodyPr rtlCol="0" anchor="ctr"/>
+          <a:lstStyle/>
+          <a:p>
+            <a:pPr algn="ctr"/>
+            <a:r>
+              <a:rPr lang="en-US" sz="1000" dirty="0">
+                <a:solidFill>
+                  <a:schemeClr val="bg1"/>
+                </a:solidFill>
+              </a:rPr>
+              <a:t>LAB</a:t>
+            </a:r>
+          </a:p>
+        </p:txBody>
+      </p:sp>
+      <p:sp>
+        <p:nvSpPr>
+          <p:cNvPr id="50" name="Rounded Rectangle 6">
+            <a:extLst>
+              <a:ext uri="{FF2B5EF4-FFF2-40B4-BE49-F238E27FC236}">
+                <a16:creationId xmlns:a16="http://schemas.microsoft.com/office/drawing/2014/main" id="{6673F961-8DCE-B14E-8638-0E0FB8C1AB20}"/>
+              </a:ext>
+            </a:extLst>
+          </p:cNvPr>
+          <p:cNvSpPr/>
+          <p:nvPr/>
+        </p:nvSpPr>
+        <p:spPr>
+          <a:xfrm>
+            <a:off x="5722345" y="3651870"/>
+            <a:ext cx="425238" cy="346690"/>
+          </a:xfrm>
+          <a:prstGeom prst="roundRect">
+            <a:avLst/>
+          </a:prstGeom>
+          <a:ln>
+            <a:noFill/>
+          </a:ln>
+        </p:spPr>
+        <p:style>
+          <a:lnRef idx="2">
+            <a:schemeClr val="accent1">
+              <a:shade val="50000"/>
+            </a:schemeClr>
+          </a:lnRef>
+          <a:fillRef idx="1">
+            <a:schemeClr val="accent1"/>
+          </a:fillRef>
+          <a:effectRef idx="0">
+            <a:schemeClr val="accent1"/>
+          </a:effectRef>
+          <a:fontRef idx="minor">
+            <a:schemeClr val="lt1"/>
+          </a:fontRef>
+        </p:style>
+        <p:txBody>
+          <a:bodyPr rtlCol="0" anchor="ctr"/>
+          <a:lstStyle/>
+          <a:p>
+            <a:pPr algn="ctr"/>
+            <a:r>
+              <a:rPr lang="en-US" sz="1000" dirty="0">
+                <a:solidFill>
+                  <a:schemeClr val="bg1"/>
+                </a:solidFill>
+              </a:rPr>
+              <a:t>LAB</a:t>
+            </a:r>
+          </a:p>
+        </p:txBody>
+      </p:sp>
+      <p:sp>
+        <p:nvSpPr>
+          <p:cNvPr id="51" name="Rounded Rectangle 6">
+            <a:extLst>
+              <a:ext uri="{FF2B5EF4-FFF2-40B4-BE49-F238E27FC236}">
+                <a16:creationId xmlns:a16="http://schemas.microsoft.com/office/drawing/2014/main" id="{0BD3842D-30BB-824D-A3C4-BF7DF3D9C08F}"/>
+              </a:ext>
+            </a:extLst>
+          </p:cNvPr>
+          <p:cNvSpPr/>
+          <p:nvPr/>
+        </p:nvSpPr>
+        <p:spPr>
+          <a:xfrm>
+            <a:off x="6226401" y="3651870"/>
+            <a:ext cx="425238" cy="346690"/>
+          </a:xfrm>
+          <a:prstGeom prst="roundRect">
+            <a:avLst/>
+          </a:prstGeom>
+          <a:ln>
+            <a:noFill/>
+          </a:ln>
+        </p:spPr>
+        <p:style>
+          <a:lnRef idx="2">
+            <a:schemeClr val="accent1">
+              <a:shade val="50000"/>
+            </a:schemeClr>
+          </a:lnRef>
+          <a:fillRef idx="1">
+            <a:schemeClr val="accent1"/>
+          </a:fillRef>
+          <a:effectRef idx="0">
+            <a:schemeClr val="accent1"/>
+          </a:effectRef>
+          <a:fontRef idx="minor">
+            <a:schemeClr val="lt1"/>
+          </a:fontRef>
+        </p:style>
+        <p:txBody>
+          <a:bodyPr rtlCol="0" anchor="ctr"/>
+          <a:lstStyle/>
+          <a:p>
+            <a:pPr algn="ctr"/>
+            <a:r>
+              <a:rPr lang="en-US" sz="1000" dirty="0">
+                <a:solidFill>
+                  <a:schemeClr val="bg1"/>
+                </a:solidFill>
+              </a:rPr>
+              <a:t>LAB</a:t>
+            </a:r>
+          </a:p>
+        </p:txBody>
+      </p:sp>
+      <p:sp>
+        <p:nvSpPr>
+          <p:cNvPr id="52" name="Rounded Rectangle 6">
+            <a:extLst>
+              <a:ext uri="{FF2B5EF4-FFF2-40B4-BE49-F238E27FC236}">
+                <a16:creationId xmlns:a16="http://schemas.microsoft.com/office/drawing/2014/main" id="{2FE8577C-827A-7147-95F5-269E43376613}"/>
+              </a:ext>
+            </a:extLst>
+          </p:cNvPr>
+          <p:cNvSpPr/>
+          <p:nvPr/>
+        </p:nvSpPr>
+        <p:spPr>
+          <a:xfrm>
+            <a:off x="7277919" y="3651870"/>
+            <a:ext cx="425238" cy="346690"/>
+          </a:xfrm>
+          <a:prstGeom prst="roundRect">
+            <a:avLst/>
+          </a:prstGeom>
+          <a:ln>
+            <a:noFill/>
+          </a:ln>
+        </p:spPr>
+        <p:style>
+          <a:lnRef idx="2">
+            <a:schemeClr val="accent1">
+              <a:shade val="50000"/>
+            </a:schemeClr>
+          </a:lnRef>
+          <a:fillRef idx="1">
+            <a:schemeClr val="accent1"/>
+          </a:fillRef>
+          <a:effectRef idx="0">
+            <a:schemeClr val="accent1"/>
+          </a:effectRef>
+          <a:fontRef idx="minor">
+            <a:schemeClr val="lt1"/>
+          </a:fontRef>
+        </p:style>
+        <p:txBody>
+          <a:bodyPr rtlCol="0" anchor="ctr"/>
+          <a:lstStyle/>
+          <a:p>
+            <a:pPr algn="ctr"/>
+            <a:r>
+              <a:rPr lang="en-US" sz="1000" dirty="0">
+                <a:solidFill>
+                  <a:schemeClr val="bg1"/>
+                </a:solidFill>
+              </a:rPr>
+              <a:t>LAB</a:t>
+            </a:r>
+          </a:p>
+        </p:txBody>
+      </p:sp>
+      <p:sp>
+        <p:nvSpPr>
+          <p:cNvPr id="54" name="CuadroTexto 53">
+            <a:extLst>
+              <a:ext uri="{FF2B5EF4-FFF2-40B4-BE49-F238E27FC236}">
+                <a16:creationId xmlns:a16="http://schemas.microsoft.com/office/drawing/2014/main" id="{6CF14B41-3261-0348-91A7-F0F500C02E1A}"/>
+              </a:ext>
+            </a:extLst>
+          </p:cNvPr>
+          <p:cNvSpPr txBox="1"/>
+          <p:nvPr/>
+        </p:nvSpPr>
+        <p:spPr>
+          <a:xfrm>
+            <a:off x="156740" y="4240198"/>
+            <a:ext cx="8735740" cy="523220"/>
+          </a:xfrm>
+          <a:prstGeom prst="rect">
+            <a:avLst/>
+          </a:prstGeom>
+          <a:noFill/>
+        </p:spPr>
+        <p:txBody>
+          <a:bodyPr wrap="square" rtlCol="0">
+            <a:spAutoFit/>
+          </a:bodyPr>
+          <a:lstStyle/>
+          <a:p>
+            <a:r>
+              <a:rPr lang="es-ES" dirty="0">
+                <a:solidFill>
+                  <a:schemeClr val="tx2"/>
+                </a:solidFill>
+              </a:rPr>
+              <a:t>Las tareas integradoras se con base en el código presentado. Sin embargo, tenga en cuenta que se debe hacer una sustentación del trabajo para comprobar la autoría del trabajo</a:t>
+            </a:r>
+          </a:p>
+        </p:txBody>
+      </p:sp>
+    </p:spTree>
+    <p:extLst>
+      <p:ext uri="{BB962C8B-B14F-4D97-AF65-F5344CB8AC3E}">
+        <p14:creationId xmlns:p14="http://schemas.microsoft.com/office/powerpoint/2010/main" val="778314220"/>
+      </p:ext>
+    </p:extLst>
+  </p:cSld>
+  <p:clrMapOvr>
+    <a:masterClrMapping/>
+  </p:clrMapOvr>
+</p:sld>
+</file>
+
+<file path=ppt/slides/slide13.xml><?xml version="1.0" encoding="utf-8"?>
+<p:sld xmlns:a="http://schemas.openxmlformats.org/drawingml/2006/main" xmlns:r="http://schemas.openxmlformats.org/officeDocument/2006/relationships" xmlns:p="http://schemas.openxmlformats.org/presentationml/2006/main">
+  <p:cSld>
+    <p:spTree>
+      <p:nvGrpSpPr>
+        <p:cNvPr id="1" name=""/>
+        <p:cNvGrpSpPr/>
+        <p:nvPr/>
+      </p:nvGrpSpPr>
+      <p:grpSpPr>
+        <a:xfrm>
+          <a:off x="0" y="0"/>
+          <a:ext cx="0" cy="0"/>
+          <a:chOff x="0" y="0"/>
+          <a:chExt cx="0" cy="0"/>
+        </a:xfrm>
+      </p:grpSpPr>
+      <p:sp>
+        <p:nvSpPr>
           <p:cNvPr id="31" name="Rectángulo 30">
             <a:extLst>
               <a:ext uri="{FF2B5EF4-FFF2-40B4-BE49-F238E27FC236}">
@@ -7754,7 +8047,7 @@
 </p:sld>
 </file>
 
-<file path=ppt/slides/slide13.xml><?xml version="1.0" encoding="utf-8"?>
+<file path=ppt/slides/slide14.xml><?xml version="1.0" encoding="utf-8"?>
 <p:sld xmlns:a="http://schemas.openxmlformats.org/drawingml/2006/main" xmlns:r="http://schemas.openxmlformats.org/officeDocument/2006/relationships" xmlns:p="http://schemas.openxmlformats.org/presentationml/2006/main">
   <p:cSld>
     <p:spTree>
@@ -8057,7 +8350,13 @@
       </p:grpSpPr>
       <p:sp>
         <p:nvSpPr>
-          <p:cNvPr id="2" name="Título 1"/>
+          <p:cNvPr id="2" name="Título 1">
+            <a:extLst>
+              <a:ext uri="{FF2B5EF4-FFF2-40B4-BE49-F238E27FC236}">
+                <a16:creationId xmlns:a16="http://schemas.microsoft.com/office/drawing/2014/main" id="{CF3ED171-BE9A-B342-AF86-00EC246CE22A}"/>
+              </a:ext>
+            </a:extLst>
+          </p:cNvPr>
           <p:cNvSpPr>
             <a:spLocks noGrp="1"/>
           </p:cNvSpPr>
@@ -8071,130 +8370,127 @@
           <a:lstStyle/>
           <a:p>
             <a:r>
-              <a:rPr lang="es-ES" dirty="0"/>
-              <a:t>Composición del curso</a:t>
-            </a:r>
+              <a:rPr lang="es-CO" dirty="0"/>
+              <a:t>DOMICIANO RINCÓN</a:t>
+            </a:r>
+          </a:p>
+        </p:txBody>
+      </p:sp>
+      <p:sp>
+        <p:nvSpPr>
+          <p:cNvPr id="3" name="Marcador de contenido 2">
+            <a:extLst>
+              <a:ext uri="{FF2B5EF4-FFF2-40B4-BE49-F238E27FC236}">
+                <a16:creationId xmlns:a16="http://schemas.microsoft.com/office/drawing/2014/main" id="{B4836C5B-2153-F643-BA0A-AADA7509A48A}"/>
+              </a:ext>
+            </a:extLst>
+          </p:cNvPr>
+          <p:cNvSpPr>
+            <a:spLocks noGrp="1"/>
+          </p:cNvSpPr>
+          <p:nvPr>
+            <p:ph idx="1"/>
+          </p:nvPr>
+        </p:nvSpPr>
+        <p:spPr>
+          <a:xfrm>
+            <a:off x="822960" y="1384301"/>
+            <a:ext cx="4685144" cy="3017520"/>
+          </a:xfrm>
+        </p:spPr>
+        <p:txBody>
+          <a:bodyPr>
+            <a:normAutofit fontScale="92500" lnSpcReduction="20000"/>
+          </a:bodyPr>
+          <a:lstStyle/>
+          <a:p>
+            <a:pPr marL="0" indent="0">
+              <a:buNone/>
+            </a:pPr>
+            <a:r>
+              <a:rPr lang="es-CO" b="1" dirty="0"/>
+              <a:t>Cursos a cargo:</a:t>
+            </a:r>
+            <a:r>
+              <a:rPr lang="es-CO" dirty="0"/>
+              <a:t> Algoritmos y programación 2, Programación en red y Aplicaciones móviles. Coordinador del club de programación competitiva. Coordinador del bloque de algoritmos de DMI.</a:t>
+            </a:r>
+          </a:p>
+          <a:p>
+            <a:pPr marL="0" indent="0">
+              <a:buNone/>
+            </a:pPr>
+            <a:r>
+              <a:rPr lang="es-CO" b="1" dirty="0"/>
+              <a:t>Hobbies y curiosidades:</a:t>
+            </a:r>
+            <a:r>
+              <a:rPr lang="es-CO" dirty="0"/>
+              <a:t> Me gusta la geografía y el tema espacial. Se coser a mano, con cosedora y bordar. Me gusta dibujar y ver los diferentes estilos artísticos de los tatuajes aunque no tengo ninguno</a:t>
+            </a:r>
+          </a:p>
+          <a:p>
+            <a:pPr marL="0" indent="0">
+              <a:buNone/>
+            </a:pPr>
+            <a:r>
+              <a:rPr lang="es-CO" b="1" dirty="0"/>
+              <a:t>Intereses: </a:t>
+            </a:r>
+            <a:r>
+              <a:rPr lang="es-CO" dirty="0"/>
+              <a:t>Me apasiona desarrollar desde hardware hasta software, desde </a:t>
+            </a:r>
+            <a:r>
+              <a:rPr lang="es-CO" dirty="0" err="1"/>
+              <a:t>frontend</a:t>
+            </a:r>
+            <a:r>
+              <a:rPr lang="es-CO" dirty="0"/>
+              <a:t> hasta </a:t>
+            </a:r>
+            <a:r>
+              <a:rPr lang="es-CO" dirty="0" err="1"/>
+              <a:t>backend</a:t>
+            </a:r>
+            <a:r>
+              <a:rPr lang="es-CO" dirty="0"/>
+              <a:t>. Me he especializado en programar aplicaciones móviles usando diversas tecnologías y lenguajes. También me gusta el tratamiento y análisis de señales y datos aplicador a la salud.</a:t>
+            </a:r>
+          </a:p>
+          <a:p>
+            <a:pPr marL="0" indent="0">
+              <a:buNone/>
+            </a:pPr>
+            <a:r>
+              <a:rPr lang="es-CO" b="1" dirty="0"/>
+              <a:t>Intereses: </a:t>
+            </a:r>
+            <a:r>
+              <a:rPr lang="es-CO" dirty="0"/>
+              <a:t>Formar un grupo de estudiantes que se le midan a problemas algorítmicos retadores y salgan bien librados. Que desarrollen programas de calidad</a:t>
+            </a:r>
+          </a:p>
+          <a:p>
+            <a:pPr marL="0" indent="0">
+              <a:buNone/>
+            </a:pPr>
             <a:endParaRPr lang="es-CO" dirty="0"/>
           </a:p>
-        </p:txBody>
-      </p:sp>
-      <p:sp>
-        <p:nvSpPr>
-          <p:cNvPr id="8" name="CuadroTexto 7"/>
-          <p:cNvSpPr txBox="1"/>
-          <p:nvPr/>
-        </p:nvSpPr>
-        <p:spPr>
-          <a:xfrm>
-            <a:off x="1115616" y="1779662"/>
-            <a:ext cx="4248472" cy="2031325"/>
-          </a:xfrm>
-          <a:prstGeom prst="rect">
-            <a:avLst/>
-          </a:prstGeom>
-          <a:noFill/>
-        </p:spPr>
-        <p:txBody>
-          <a:bodyPr wrap="square" rtlCol="0">
-            <a:spAutoFit/>
-          </a:bodyPr>
-          <a:lstStyle/>
-          <a:p>
-            <a:r>
-              <a:rPr lang="es-ES" b="1" dirty="0">
-                <a:solidFill>
-                  <a:schemeClr val="tx2"/>
-                </a:solidFill>
-              </a:rPr>
-              <a:t>UNIDAD 1</a:t>
-            </a:r>
-          </a:p>
-          <a:p>
-            <a:r>
-              <a:rPr lang="es-ES" dirty="0">
-                <a:solidFill>
-                  <a:schemeClr val="tx2"/>
-                </a:solidFill>
-              </a:rPr>
-              <a:t>Construcción de la GUI</a:t>
-            </a:r>
-          </a:p>
-          <a:p>
-            <a:endParaRPr lang="es-ES" dirty="0">
-              <a:solidFill>
-                <a:schemeClr val="tx2"/>
-              </a:solidFill>
-            </a:endParaRPr>
-          </a:p>
-          <a:p>
-            <a:r>
-              <a:rPr lang="es-ES" b="1" dirty="0">
-                <a:solidFill>
-                  <a:schemeClr val="tx2"/>
-                </a:solidFill>
-              </a:rPr>
-              <a:t>UNIDAD 2</a:t>
-            </a:r>
-            <a:endParaRPr lang="es-ES" dirty="0">
-              <a:solidFill>
-                <a:schemeClr val="tx2"/>
-              </a:solidFill>
-            </a:endParaRPr>
-          </a:p>
-          <a:p>
-            <a:r>
-              <a:rPr lang="es-ES" dirty="0">
-                <a:solidFill>
-                  <a:schemeClr val="tx2"/>
-                </a:solidFill>
-              </a:rPr>
-              <a:t>Persistencia y ordenamiento</a:t>
-            </a:r>
-          </a:p>
-          <a:p>
-            <a:endParaRPr lang="es-ES" dirty="0">
-              <a:solidFill>
-                <a:schemeClr val="tx2"/>
-              </a:solidFill>
-            </a:endParaRPr>
-          </a:p>
-          <a:p>
-            <a:r>
-              <a:rPr lang="es-ES" b="1" dirty="0">
-                <a:solidFill>
-                  <a:schemeClr val="tx2"/>
-                </a:solidFill>
-              </a:rPr>
-              <a:t>UNIDAD 3</a:t>
-            </a:r>
-            <a:endParaRPr lang="es-ES" dirty="0">
-              <a:solidFill>
-                <a:schemeClr val="tx2"/>
-              </a:solidFill>
-            </a:endParaRPr>
-          </a:p>
-          <a:p>
-            <a:r>
-              <a:rPr lang="es-ES" dirty="0">
-                <a:solidFill>
-                  <a:schemeClr val="tx2"/>
-                </a:solidFill>
-              </a:rPr>
-              <a:t>Pruebas automáticas y excepciones</a:t>
-            </a:r>
-          </a:p>
-          <a:p>
-            <a:endParaRPr lang="es-ES" dirty="0">
-              <a:solidFill>
-                <a:schemeClr val="tx2"/>
-              </a:solidFill>
-            </a:endParaRPr>
+          <a:p>
+            <a:endParaRPr lang="es-CO" dirty="0"/>
           </a:p>
         </p:txBody>
       </p:sp>
       <p:pic>
         <p:nvPicPr>
-          <p:cNvPr id="12" name="Picture 6" descr="Resultado de imagen de icesi logo blanco&quot;"/>
+          <p:cNvPr id="7170" name="Picture 2">
+            <a:extLst>
+              <a:ext uri="{FF2B5EF4-FFF2-40B4-BE49-F238E27FC236}">
+                <a16:creationId xmlns:a16="http://schemas.microsoft.com/office/drawing/2014/main" id="{FBCEB87D-A7E0-5940-B2EA-1443C1B05572}"/>
+              </a:ext>
+            </a:extLst>
+          </p:cNvPr>
           <p:cNvPicPr>
             <a:picLocks noChangeAspect="1" noChangeArrowheads="1"/>
           </p:cNvPicPr>
@@ -8215,8 +8511,8 @@
         </p:blipFill>
         <p:spPr bwMode="auto">
           <a:xfrm>
-            <a:off x="107504" y="70937"/>
-            <a:ext cx="1353519" cy="426195"/>
+            <a:off x="5724128" y="1579230"/>
+            <a:ext cx="3088062" cy="2787774"/>
           </a:xfrm>
           <a:prstGeom prst="rect">
             <a:avLst/>
@@ -8233,476 +8529,10 @@
           </a:extLst>
         </p:spPr>
       </p:pic>
-      <p:sp>
-        <p:nvSpPr>
-          <p:cNvPr id="3" name="Elipse 2"/>
-          <p:cNvSpPr/>
-          <p:nvPr/>
-        </p:nvSpPr>
-        <p:spPr>
-          <a:xfrm>
-            <a:off x="539552" y="1861543"/>
-            <a:ext cx="360040" cy="360040"/>
-          </a:xfrm>
-          <a:prstGeom prst="ellipse">
-            <a:avLst/>
-          </a:prstGeom>
-          <a:ln>
-            <a:noFill/>
-          </a:ln>
-        </p:spPr>
-        <p:style>
-          <a:lnRef idx="2">
-            <a:schemeClr val="accent1">
-              <a:shade val="50000"/>
-            </a:schemeClr>
-          </a:lnRef>
-          <a:fillRef idx="1">
-            <a:schemeClr val="accent1"/>
-          </a:fillRef>
-          <a:effectRef idx="0">
-            <a:schemeClr val="accent1"/>
-          </a:effectRef>
-          <a:fontRef idx="minor">
-            <a:schemeClr val="lt1"/>
-          </a:fontRef>
-        </p:style>
-        <p:txBody>
-          <a:bodyPr rtlCol="0" anchor="ctr"/>
-          <a:lstStyle/>
-          <a:p>
-            <a:pPr algn="ctr"/>
-            <a:r>
-              <a:rPr lang="es-ES" dirty="0">
-                <a:solidFill>
-                  <a:schemeClr val="bg1"/>
-                </a:solidFill>
-              </a:rPr>
-              <a:t>1</a:t>
-            </a:r>
-            <a:endParaRPr lang="es-CO" dirty="0">
-              <a:solidFill>
-                <a:schemeClr val="bg1"/>
-              </a:solidFill>
-            </a:endParaRPr>
-          </a:p>
-        </p:txBody>
-      </p:sp>
-      <p:sp>
-        <p:nvSpPr>
-          <p:cNvPr id="14" name="Elipse 13"/>
-          <p:cNvSpPr/>
-          <p:nvPr/>
-        </p:nvSpPr>
-        <p:spPr>
-          <a:xfrm>
-            <a:off x="539552" y="2508331"/>
-            <a:ext cx="360040" cy="360040"/>
-          </a:xfrm>
-          <a:prstGeom prst="ellipse">
-            <a:avLst/>
-          </a:prstGeom>
-          <a:ln>
-            <a:noFill/>
-          </a:ln>
-        </p:spPr>
-        <p:style>
-          <a:lnRef idx="2">
-            <a:schemeClr val="accent1">
-              <a:shade val="50000"/>
-            </a:schemeClr>
-          </a:lnRef>
-          <a:fillRef idx="1">
-            <a:schemeClr val="accent1"/>
-          </a:fillRef>
-          <a:effectRef idx="0">
-            <a:schemeClr val="accent1"/>
-          </a:effectRef>
-          <a:fontRef idx="minor">
-            <a:schemeClr val="lt1"/>
-          </a:fontRef>
-        </p:style>
-        <p:txBody>
-          <a:bodyPr rtlCol="0" anchor="ctr"/>
-          <a:lstStyle/>
-          <a:p>
-            <a:pPr algn="ctr"/>
-            <a:r>
-              <a:rPr lang="es-ES" dirty="0">
-                <a:solidFill>
-                  <a:schemeClr val="bg1"/>
-                </a:solidFill>
-              </a:rPr>
-              <a:t>2</a:t>
-            </a:r>
-            <a:endParaRPr lang="es-CO" dirty="0">
-              <a:solidFill>
-                <a:schemeClr val="bg1"/>
-              </a:solidFill>
-            </a:endParaRPr>
-          </a:p>
-        </p:txBody>
-      </p:sp>
-      <p:sp>
-        <p:nvSpPr>
-          <p:cNvPr id="15" name="Elipse 14"/>
-          <p:cNvSpPr/>
-          <p:nvPr/>
-        </p:nvSpPr>
-        <p:spPr>
-          <a:xfrm>
-            <a:off x="539552" y="3155119"/>
-            <a:ext cx="360040" cy="360040"/>
-          </a:xfrm>
-          <a:prstGeom prst="ellipse">
-            <a:avLst/>
-          </a:prstGeom>
-          <a:ln>
-            <a:noFill/>
-          </a:ln>
-        </p:spPr>
-        <p:style>
-          <a:lnRef idx="2">
-            <a:schemeClr val="accent1">
-              <a:shade val="50000"/>
-            </a:schemeClr>
-          </a:lnRef>
-          <a:fillRef idx="1">
-            <a:schemeClr val="accent1"/>
-          </a:fillRef>
-          <a:effectRef idx="0">
-            <a:schemeClr val="accent1"/>
-          </a:effectRef>
-          <a:fontRef idx="minor">
-            <a:schemeClr val="lt1"/>
-          </a:fontRef>
-        </p:style>
-        <p:txBody>
-          <a:bodyPr rtlCol="0" anchor="ctr"/>
-          <a:lstStyle/>
-          <a:p>
-            <a:pPr algn="ctr"/>
-            <a:r>
-              <a:rPr lang="es-ES" dirty="0">
-                <a:solidFill>
-                  <a:schemeClr val="bg1"/>
-                </a:solidFill>
-              </a:rPr>
-              <a:t>3</a:t>
-            </a:r>
-            <a:endParaRPr lang="es-CO" dirty="0">
-              <a:solidFill>
-                <a:schemeClr val="bg1"/>
-              </a:solidFill>
-            </a:endParaRPr>
-          </a:p>
-        </p:txBody>
-      </p:sp>
-      <p:sp>
-        <p:nvSpPr>
-          <p:cNvPr id="9" name="CuadroTexto 8">
-            <a:extLst>
-              <a:ext uri="{FF2B5EF4-FFF2-40B4-BE49-F238E27FC236}">
-                <a16:creationId xmlns:a16="http://schemas.microsoft.com/office/drawing/2014/main" id="{30277358-24C8-BF44-895C-A7903CEDE574}"/>
-              </a:ext>
-            </a:extLst>
-          </p:cNvPr>
-          <p:cNvSpPr txBox="1"/>
-          <p:nvPr/>
-        </p:nvSpPr>
-        <p:spPr>
-          <a:xfrm>
-            <a:off x="5170324" y="1779662"/>
-            <a:ext cx="4248472" cy="1815882"/>
-          </a:xfrm>
-          <a:prstGeom prst="rect">
-            <a:avLst/>
-          </a:prstGeom>
-          <a:noFill/>
-        </p:spPr>
-        <p:txBody>
-          <a:bodyPr wrap="square" rtlCol="0">
-            <a:spAutoFit/>
-          </a:bodyPr>
-          <a:lstStyle/>
-          <a:p>
-            <a:r>
-              <a:rPr lang="es-ES" b="1" dirty="0">
-                <a:solidFill>
-                  <a:schemeClr val="tx2"/>
-                </a:solidFill>
-              </a:rPr>
-              <a:t>UNIDAD 4</a:t>
-            </a:r>
-            <a:endParaRPr lang="es-ES" dirty="0">
-              <a:solidFill>
-                <a:schemeClr val="tx2"/>
-              </a:solidFill>
-            </a:endParaRPr>
-          </a:p>
-          <a:p>
-            <a:r>
-              <a:rPr lang="es-ES" dirty="0">
-                <a:solidFill>
-                  <a:schemeClr val="tx2"/>
-                </a:solidFill>
-              </a:rPr>
-              <a:t>Estructura lineales enlazadas</a:t>
-            </a:r>
-          </a:p>
-          <a:p>
-            <a:endParaRPr lang="es-ES" dirty="0">
-              <a:solidFill>
-                <a:schemeClr val="tx2"/>
-              </a:solidFill>
-            </a:endParaRPr>
-          </a:p>
-          <a:p>
-            <a:r>
-              <a:rPr lang="es-ES" b="1" dirty="0">
-                <a:solidFill>
-                  <a:schemeClr val="tx2"/>
-                </a:solidFill>
-              </a:rPr>
-              <a:t>UNIDAD 5</a:t>
-            </a:r>
-            <a:endParaRPr lang="es-ES" dirty="0">
-              <a:solidFill>
-                <a:schemeClr val="tx2"/>
-              </a:solidFill>
-            </a:endParaRPr>
-          </a:p>
-          <a:p>
-            <a:r>
-              <a:rPr lang="es-ES" dirty="0">
-                <a:solidFill>
-                  <a:schemeClr val="tx2"/>
-                </a:solidFill>
-              </a:rPr>
-              <a:t>Recursividad</a:t>
-            </a:r>
-          </a:p>
-          <a:p>
-            <a:endParaRPr lang="es-ES" dirty="0">
-              <a:solidFill>
-                <a:schemeClr val="tx2"/>
-              </a:solidFill>
-            </a:endParaRPr>
-          </a:p>
-          <a:p>
-            <a:r>
-              <a:rPr lang="es-ES" b="1" dirty="0">
-                <a:solidFill>
-                  <a:schemeClr val="tx2"/>
-                </a:solidFill>
-              </a:rPr>
-              <a:t>UNIDAD 6</a:t>
-            </a:r>
-            <a:endParaRPr lang="es-ES" dirty="0">
-              <a:solidFill>
-                <a:schemeClr val="tx2"/>
-              </a:solidFill>
-            </a:endParaRPr>
-          </a:p>
-          <a:p>
-            <a:r>
-              <a:rPr lang="es-ES" dirty="0">
-                <a:solidFill>
-                  <a:schemeClr val="tx2"/>
-                </a:solidFill>
-              </a:rPr>
-              <a:t>Concurrencia y dibujo básico 2D</a:t>
-            </a:r>
-          </a:p>
-        </p:txBody>
-      </p:sp>
-      <p:sp>
-        <p:nvSpPr>
-          <p:cNvPr id="10" name="Elipse 9">
-            <a:extLst>
-              <a:ext uri="{FF2B5EF4-FFF2-40B4-BE49-F238E27FC236}">
-                <a16:creationId xmlns:a16="http://schemas.microsoft.com/office/drawing/2014/main" id="{7803282D-7DA6-E94C-9421-E7B09E65C2E5}"/>
-              </a:ext>
-            </a:extLst>
-          </p:cNvPr>
-          <p:cNvSpPr/>
-          <p:nvPr/>
-        </p:nvSpPr>
-        <p:spPr>
-          <a:xfrm>
-            <a:off x="4594260" y="1861543"/>
-            <a:ext cx="360040" cy="360040"/>
-          </a:xfrm>
-          <a:prstGeom prst="ellipse">
-            <a:avLst/>
-          </a:prstGeom>
-          <a:ln>
-            <a:noFill/>
-          </a:ln>
-        </p:spPr>
-        <p:style>
-          <a:lnRef idx="2">
-            <a:schemeClr val="accent1">
-              <a:shade val="50000"/>
-            </a:schemeClr>
-          </a:lnRef>
-          <a:fillRef idx="1">
-            <a:schemeClr val="accent1"/>
-          </a:fillRef>
-          <a:effectRef idx="0">
-            <a:schemeClr val="accent1"/>
-          </a:effectRef>
-          <a:fontRef idx="minor">
-            <a:schemeClr val="lt1"/>
-          </a:fontRef>
-        </p:style>
-        <p:txBody>
-          <a:bodyPr rtlCol="0" anchor="ctr"/>
-          <a:lstStyle/>
-          <a:p>
-            <a:pPr algn="ctr"/>
-            <a:r>
-              <a:rPr lang="es-ES" dirty="0">
-                <a:solidFill>
-                  <a:schemeClr val="bg1"/>
-                </a:solidFill>
-              </a:rPr>
-              <a:t>4</a:t>
-            </a:r>
-            <a:endParaRPr lang="es-CO" dirty="0">
-              <a:solidFill>
-                <a:schemeClr val="bg1"/>
-              </a:solidFill>
-            </a:endParaRPr>
-          </a:p>
-        </p:txBody>
-      </p:sp>
-      <p:sp>
-        <p:nvSpPr>
-          <p:cNvPr id="11" name="Elipse 10">
-            <a:extLst>
-              <a:ext uri="{FF2B5EF4-FFF2-40B4-BE49-F238E27FC236}">
-                <a16:creationId xmlns:a16="http://schemas.microsoft.com/office/drawing/2014/main" id="{D9C7A6D1-8FF2-F94D-B1A6-B5509B7FD64D}"/>
-              </a:ext>
-            </a:extLst>
-          </p:cNvPr>
-          <p:cNvSpPr/>
-          <p:nvPr/>
-        </p:nvSpPr>
-        <p:spPr>
-          <a:xfrm>
-            <a:off x="4594260" y="2508331"/>
-            <a:ext cx="360040" cy="360040"/>
-          </a:xfrm>
-          <a:prstGeom prst="ellipse">
-            <a:avLst/>
-          </a:prstGeom>
-          <a:ln>
-            <a:noFill/>
-          </a:ln>
-        </p:spPr>
-        <p:style>
-          <a:lnRef idx="2">
-            <a:schemeClr val="accent1">
-              <a:shade val="50000"/>
-            </a:schemeClr>
-          </a:lnRef>
-          <a:fillRef idx="1">
-            <a:schemeClr val="accent1"/>
-          </a:fillRef>
-          <a:effectRef idx="0">
-            <a:schemeClr val="accent1"/>
-          </a:effectRef>
-          <a:fontRef idx="minor">
-            <a:schemeClr val="lt1"/>
-          </a:fontRef>
-        </p:style>
-        <p:txBody>
-          <a:bodyPr rtlCol="0" anchor="ctr"/>
-          <a:lstStyle/>
-          <a:p>
-            <a:pPr algn="ctr"/>
-            <a:r>
-              <a:rPr lang="es-ES" dirty="0">
-                <a:solidFill>
-                  <a:schemeClr val="bg1"/>
-                </a:solidFill>
-              </a:rPr>
-              <a:t>5</a:t>
-            </a:r>
-            <a:endParaRPr lang="es-CO" dirty="0">
-              <a:solidFill>
-                <a:schemeClr val="bg1"/>
-              </a:solidFill>
-            </a:endParaRPr>
-          </a:p>
-        </p:txBody>
-      </p:sp>
-      <p:sp>
-        <p:nvSpPr>
-          <p:cNvPr id="13" name="Elipse 12">
-            <a:extLst>
-              <a:ext uri="{FF2B5EF4-FFF2-40B4-BE49-F238E27FC236}">
-                <a16:creationId xmlns:a16="http://schemas.microsoft.com/office/drawing/2014/main" id="{4C9D3725-BAD6-0642-B306-409639429469}"/>
-              </a:ext>
-            </a:extLst>
-          </p:cNvPr>
-          <p:cNvSpPr/>
-          <p:nvPr/>
-        </p:nvSpPr>
-        <p:spPr>
-          <a:xfrm>
-            <a:off x="4594260" y="3155119"/>
-            <a:ext cx="360040" cy="360040"/>
-          </a:xfrm>
-          <a:prstGeom prst="ellipse">
-            <a:avLst/>
-          </a:prstGeom>
-          <a:ln>
-            <a:noFill/>
-          </a:ln>
-        </p:spPr>
-        <p:style>
-          <a:lnRef idx="2">
-            <a:schemeClr val="accent1">
-              <a:shade val="50000"/>
-            </a:schemeClr>
-          </a:lnRef>
-          <a:fillRef idx="1">
-            <a:schemeClr val="accent1"/>
-          </a:fillRef>
-          <a:effectRef idx="0">
-            <a:schemeClr val="accent1"/>
-          </a:effectRef>
-          <a:fontRef idx="minor">
-            <a:schemeClr val="lt1"/>
-          </a:fontRef>
-        </p:style>
-        <p:txBody>
-          <a:bodyPr rtlCol="0" anchor="ctr"/>
-          <a:lstStyle/>
-          <a:p>
-            <a:pPr algn="ctr"/>
-            <a:r>
-              <a:rPr lang="es-ES" dirty="0">
-                <a:solidFill>
-                  <a:schemeClr val="bg1"/>
-                </a:solidFill>
-              </a:rPr>
-              <a:t>6</a:t>
-            </a:r>
-            <a:endParaRPr lang="es-CO" dirty="0">
-              <a:solidFill>
-                <a:schemeClr val="bg1"/>
-              </a:solidFill>
-            </a:endParaRPr>
-          </a:p>
-        </p:txBody>
-      </p:sp>
     </p:spTree>
     <p:extLst>
       <p:ext uri="{BB962C8B-B14F-4D97-AF65-F5344CB8AC3E}">
-        <p14:creationId xmlns:p14="http://schemas.microsoft.com/office/powerpoint/2010/main" val="951757786"/>
+        <p14:creationId xmlns:p14="http://schemas.microsoft.com/office/powerpoint/2010/main" val="3010441792"/>
       </p:ext>
     </p:extLst>
   </p:cSld>
@@ -8731,13 +8561,7 @@
       </p:grpSpPr>
       <p:sp>
         <p:nvSpPr>
-          <p:cNvPr id="2" name="Title 1">
-            <a:extLst>
-              <a:ext uri="{FF2B5EF4-FFF2-40B4-BE49-F238E27FC236}">
-                <a16:creationId xmlns:a16="http://schemas.microsoft.com/office/drawing/2014/main" id="{52E7F6AB-7731-5240-9B32-6E7792E42C33}"/>
-              </a:ext>
-            </a:extLst>
-          </p:cNvPr>
+          <p:cNvPr id="2" name="Título 1"/>
           <p:cNvSpPr>
             <a:spLocks noGrp="1"/>
           </p:cNvSpPr>
@@ -8751,39 +8575,180 @@
           <a:lstStyle/>
           <a:p>
             <a:r>
-              <a:rPr lang="en-US" dirty="0" err="1"/>
-              <a:t>Composición</a:t>
-            </a:r>
-            <a:r>
-              <a:rPr lang="en-US" dirty="0"/>
-              <a:t> del </a:t>
-            </a:r>
-            <a:r>
-              <a:rPr lang="en-US" dirty="0" err="1"/>
-              <a:t>curso</a:t>
-            </a:r>
-            <a:endParaRPr lang="en-US" dirty="0"/>
-          </a:p>
-        </p:txBody>
-      </p:sp>
-      <p:sp>
-        <p:nvSpPr>
-          <p:cNvPr id="7" name="Rounded Rectangle 6">
+              <a:rPr lang="es-ES" dirty="0"/>
+              <a:t>Composición del curso</a:t>
+            </a:r>
+            <a:endParaRPr lang="es-CO" dirty="0"/>
+          </a:p>
+        </p:txBody>
+      </p:sp>
+      <p:sp>
+        <p:nvSpPr>
+          <p:cNvPr id="8" name="CuadroTexto 7"/>
+          <p:cNvSpPr txBox="1"/>
+          <p:nvPr/>
+        </p:nvSpPr>
+        <p:spPr>
+          <a:xfrm>
+            <a:off x="1115616" y="1779662"/>
+            <a:ext cx="4248472" cy="2031325"/>
+          </a:xfrm>
+          <a:prstGeom prst="rect">
+            <a:avLst/>
+          </a:prstGeom>
+          <a:noFill/>
+        </p:spPr>
+        <p:txBody>
+          <a:bodyPr wrap="square" rtlCol="0">
+            <a:spAutoFit/>
+          </a:bodyPr>
+          <a:lstStyle/>
+          <a:p>
+            <a:r>
+              <a:rPr lang="es-ES" b="1" dirty="0">
+                <a:solidFill>
+                  <a:schemeClr val="tx2"/>
+                </a:solidFill>
+              </a:rPr>
+              <a:t>UNIDAD 1</a:t>
+            </a:r>
+          </a:p>
+          <a:p>
+            <a:r>
+              <a:rPr lang="es-ES" dirty="0">
+                <a:solidFill>
+                  <a:schemeClr val="tx2"/>
+                </a:solidFill>
+              </a:rPr>
+              <a:t>Construcción de la GUI</a:t>
+            </a:r>
+          </a:p>
+          <a:p>
+            <a:endParaRPr lang="es-ES" dirty="0">
+              <a:solidFill>
+                <a:schemeClr val="tx2"/>
+              </a:solidFill>
+            </a:endParaRPr>
+          </a:p>
+          <a:p>
+            <a:r>
+              <a:rPr lang="es-ES" b="1" dirty="0">
+                <a:solidFill>
+                  <a:schemeClr val="tx2"/>
+                </a:solidFill>
+              </a:rPr>
+              <a:t>UNIDAD 2</a:t>
+            </a:r>
+            <a:endParaRPr lang="es-ES" dirty="0">
+              <a:solidFill>
+                <a:schemeClr val="tx2"/>
+              </a:solidFill>
+            </a:endParaRPr>
+          </a:p>
+          <a:p>
+            <a:r>
+              <a:rPr lang="es-ES" dirty="0">
+                <a:solidFill>
+                  <a:schemeClr val="tx2"/>
+                </a:solidFill>
+              </a:rPr>
+              <a:t>Persistencia y ordenamiento</a:t>
+            </a:r>
+          </a:p>
+          <a:p>
+            <a:endParaRPr lang="es-ES" dirty="0">
+              <a:solidFill>
+                <a:schemeClr val="tx2"/>
+              </a:solidFill>
+            </a:endParaRPr>
+          </a:p>
+          <a:p>
+            <a:r>
+              <a:rPr lang="es-ES" b="1" dirty="0">
+                <a:solidFill>
+                  <a:schemeClr val="tx2"/>
+                </a:solidFill>
+              </a:rPr>
+              <a:t>UNIDAD 3</a:t>
+            </a:r>
+            <a:endParaRPr lang="es-ES" dirty="0">
+              <a:solidFill>
+                <a:schemeClr val="tx2"/>
+              </a:solidFill>
+            </a:endParaRPr>
+          </a:p>
+          <a:p>
+            <a:r>
+              <a:rPr lang="es-ES" dirty="0">
+                <a:solidFill>
+                  <a:schemeClr val="tx2"/>
+                </a:solidFill>
+              </a:rPr>
+              <a:t>Pruebas automáticas y excepciones</a:t>
+            </a:r>
+          </a:p>
+          <a:p>
+            <a:endParaRPr lang="es-ES" dirty="0">
+              <a:solidFill>
+                <a:schemeClr val="tx2"/>
+              </a:solidFill>
+            </a:endParaRPr>
+          </a:p>
+        </p:txBody>
+      </p:sp>
+      <p:pic>
+        <p:nvPicPr>
+          <p:cNvPr id="12" name="Picture 6" descr="Resultado de imagen de icesi logo blanco&quot;"/>
+          <p:cNvPicPr>
+            <a:picLocks noChangeAspect="1" noChangeArrowheads="1"/>
+          </p:cNvPicPr>
+          <p:nvPr/>
+        </p:nvPicPr>
+        <p:blipFill>
+          <a:blip r:embed="rId2">
             <a:extLst>
-              <a:ext uri="{FF2B5EF4-FFF2-40B4-BE49-F238E27FC236}">
-                <a16:creationId xmlns:a16="http://schemas.microsoft.com/office/drawing/2014/main" id="{3A17402B-4A45-6246-83BB-7FC88CBDD7DC}"/>
+              <a:ext uri="{28A0092B-C50C-407E-A947-70E740481C1C}">
+                <a14:useLocalDpi xmlns:a14="http://schemas.microsoft.com/office/drawing/2010/main" val="0"/>
               </a:ext>
             </a:extLst>
-          </p:cNvPr>
+          </a:blip>
+          <a:srcRect/>
+          <a:stretch>
+            <a:fillRect/>
+          </a:stretch>
+        </p:blipFill>
+        <p:spPr bwMode="auto">
+          <a:xfrm>
+            <a:off x="107504" y="70937"/>
+            <a:ext cx="1353519" cy="426195"/>
+          </a:xfrm>
+          <a:prstGeom prst="rect">
+            <a:avLst/>
+          </a:prstGeom>
+          <a:noFill/>
+          <a:extLst>
+            <a:ext uri="{909E8E84-426E-40DD-AFC4-6F175D3DCCD1}">
+              <a14:hiddenFill xmlns:a14="http://schemas.microsoft.com/office/drawing/2010/main">
+                <a:solidFill>
+                  <a:srgbClr val="FFFFFF"/>
+                </a:solidFill>
+              </a14:hiddenFill>
+            </a:ext>
+          </a:extLst>
+        </p:spPr>
+      </p:pic>
+      <p:sp>
+        <p:nvSpPr>
+          <p:cNvPr id="3" name="Elipse 2"/>
           <p:cNvSpPr/>
           <p:nvPr/>
         </p:nvSpPr>
         <p:spPr>
           <a:xfrm>
-            <a:off x="598806" y="1648996"/>
-            <a:ext cx="1454141" cy="346690"/>
-          </a:xfrm>
-          <a:prstGeom prst="roundRect">
+            <a:off x="539552" y="1861543"/>
+            <a:ext cx="360040" cy="360040"/>
+          </a:xfrm>
+          <a:prstGeom prst="ellipse">
             <a:avLst/>
           </a:prstGeom>
           <a:ln>
@@ -8812,33 +8777,14 @@
           <a:p>
             <a:pPr algn="ctr"/>
             <a:r>
-              <a:rPr lang="en-US" sz="1000" dirty="0" err="1">
+              <a:rPr lang="es-ES" dirty="0">
                 <a:solidFill>
                   <a:schemeClr val="bg1"/>
                 </a:solidFill>
               </a:rPr>
-              <a:t>Interfaz</a:t>
-            </a:r>
-            <a:r>
-              <a:rPr lang="en-US" sz="1000" dirty="0">
-                <a:solidFill>
-                  <a:schemeClr val="bg1"/>
-                </a:solidFill>
-              </a:rPr>
-              <a:t> de</a:t>
-            </a:r>
-          </a:p>
-          <a:p>
-            <a:pPr algn="ctr"/>
-            <a:r>
-              <a:rPr lang="en-US" sz="1000" dirty="0" err="1">
-                <a:solidFill>
-                  <a:schemeClr val="bg1"/>
-                </a:solidFill>
-              </a:rPr>
-              <a:t>usuario</a:t>
-            </a:r>
-            <a:endParaRPr lang="en-US" sz="1000" dirty="0">
+              <a:t>1</a:t>
+            </a:r>
+            <a:endParaRPr lang="es-CO" dirty="0">
               <a:solidFill>
                 <a:schemeClr val="bg1"/>
               </a:solidFill>
@@ -8848,27 +8794,18 @@
       </p:sp>
       <p:sp>
         <p:nvSpPr>
-          <p:cNvPr id="9" name="Rounded Rectangle 8">
-            <a:extLst>
-              <a:ext uri="{FF2B5EF4-FFF2-40B4-BE49-F238E27FC236}">
-                <a16:creationId xmlns:a16="http://schemas.microsoft.com/office/drawing/2014/main" id="{F79AD009-042A-4541-9A98-EAB2EB8C5FE0}"/>
-              </a:ext>
-            </a:extLst>
-          </p:cNvPr>
+          <p:cNvPr id="14" name="Elipse 13"/>
           <p:cNvSpPr/>
           <p:nvPr/>
         </p:nvSpPr>
         <p:spPr>
           <a:xfrm>
-            <a:off x="611560" y="1389093"/>
-            <a:ext cx="423664" cy="135632"/>
-          </a:xfrm>
-          <a:prstGeom prst="roundRect">
-            <a:avLst/>
-          </a:prstGeom>
-          <a:solidFill>
-            <a:schemeClr val="accent2"/>
-          </a:solidFill>
+            <a:off x="539552" y="2508331"/>
+            <a:ext cx="360040" cy="360040"/>
+          </a:xfrm>
+          <a:prstGeom prst="ellipse">
+            <a:avLst/>
+          </a:prstGeom>
           <a:ln>
             <a:noFill/>
           </a:ln>
@@ -8895,39 +8832,35 @@
           <a:p>
             <a:pPr algn="ctr"/>
             <a:r>
-              <a:rPr lang="en-US" sz="1000" dirty="0">
+              <a:rPr lang="es-ES" dirty="0">
                 <a:solidFill>
                   <a:schemeClr val="bg1"/>
                 </a:solidFill>
               </a:rPr>
-              <a:t>1</a:t>
-            </a:r>
-          </a:p>
-        </p:txBody>
-      </p:sp>
-      <p:sp>
-        <p:nvSpPr>
-          <p:cNvPr id="10" name="Rounded Rectangle 9">
-            <a:extLst>
-              <a:ext uri="{FF2B5EF4-FFF2-40B4-BE49-F238E27FC236}">
-                <a16:creationId xmlns:a16="http://schemas.microsoft.com/office/drawing/2014/main" id="{858534C4-049A-B340-83ED-2727A396A499}"/>
-              </a:ext>
-            </a:extLst>
-          </p:cNvPr>
+              <a:t>2</a:t>
+            </a:r>
+            <a:endParaRPr lang="es-CO" dirty="0">
+              <a:solidFill>
+                <a:schemeClr val="bg1"/>
+              </a:solidFill>
+            </a:endParaRPr>
+          </a:p>
+        </p:txBody>
+      </p:sp>
+      <p:sp>
+        <p:nvSpPr>
+          <p:cNvPr id="15" name="Elipse 14"/>
           <p:cNvSpPr/>
           <p:nvPr/>
         </p:nvSpPr>
         <p:spPr>
           <a:xfrm>
-            <a:off x="1115616" y="1392236"/>
-            <a:ext cx="423664" cy="135632"/>
-          </a:xfrm>
-          <a:prstGeom prst="roundRect">
-            <a:avLst/>
-          </a:prstGeom>
-          <a:solidFill>
-            <a:schemeClr val="accent2"/>
-          </a:solidFill>
+            <a:off x="539552" y="3155119"/>
+            <a:ext cx="360040" cy="360040"/>
+          </a:xfrm>
+          <a:prstGeom prst="ellipse">
+            <a:avLst/>
+          </a:prstGeom>
           <a:ln>
             <a:noFill/>
           </a:ln>
@@ -8954,22 +8887,145 @@
           <a:p>
             <a:pPr algn="ctr"/>
             <a:r>
-              <a:rPr lang="en-US" sz="1000" dirty="0">
+              <a:rPr lang="es-ES" dirty="0">
                 <a:solidFill>
                   <a:schemeClr val="bg1"/>
                 </a:solidFill>
               </a:rPr>
-              <a:t>2</a:t>
-            </a:r>
-          </a:p>
-        </p:txBody>
-      </p:sp>
-      <p:sp>
-        <p:nvSpPr>
-          <p:cNvPr id="11" name="Rounded Rectangle 10">
+              <a:t>3</a:t>
+            </a:r>
+            <a:endParaRPr lang="es-CO" dirty="0">
+              <a:solidFill>
+                <a:schemeClr val="bg1"/>
+              </a:solidFill>
+            </a:endParaRPr>
+          </a:p>
+        </p:txBody>
+      </p:sp>
+      <p:sp>
+        <p:nvSpPr>
+          <p:cNvPr id="9" name="CuadroTexto 8">
             <a:extLst>
               <a:ext uri="{FF2B5EF4-FFF2-40B4-BE49-F238E27FC236}">
-                <a16:creationId xmlns:a16="http://schemas.microsoft.com/office/drawing/2014/main" id="{95F3EBC1-F1F5-774D-9CA3-7EB2AFDC3BD9}"/>
+                <a16:creationId xmlns:a16="http://schemas.microsoft.com/office/drawing/2014/main" id="{30277358-24C8-BF44-895C-A7903CEDE574}"/>
+              </a:ext>
+            </a:extLst>
+          </p:cNvPr>
+          <p:cNvSpPr txBox="1"/>
+          <p:nvPr/>
+        </p:nvSpPr>
+        <p:spPr>
+          <a:xfrm>
+            <a:off x="5170324" y="1779662"/>
+            <a:ext cx="4248472" cy="1815882"/>
+          </a:xfrm>
+          <a:prstGeom prst="rect">
+            <a:avLst/>
+          </a:prstGeom>
+          <a:noFill/>
+        </p:spPr>
+        <p:txBody>
+          <a:bodyPr wrap="square" rtlCol="0">
+            <a:spAutoFit/>
+          </a:bodyPr>
+          <a:lstStyle/>
+          <a:p>
+            <a:r>
+              <a:rPr lang="es-ES" b="1" dirty="0">
+                <a:solidFill>
+                  <a:schemeClr val="tx2"/>
+                </a:solidFill>
+              </a:rPr>
+              <a:t>UNIDAD 4</a:t>
+            </a:r>
+            <a:endParaRPr lang="es-ES" dirty="0">
+              <a:solidFill>
+                <a:schemeClr val="tx2"/>
+              </a:solidFill>
+            </a:endParaRPr>
+          </a:p>
+          <a:p>
+            <a:r>
+              <a:rPr lang="es-ES" dirty="0">
+                <a:solidFill>
+                  <a:schemeClr val="tx2"/>
+                </a:solidFill>
+              </a:rPr>
+              <a:t>Estructura lineales enlazadas</a:t>
+            </a:r>
+          </a:p>
+          <a:p>
+            <a:endParaRPr lang="es-ES" dirty="0">
+              <a:solidFill>
+                <a:schemeClr val="tx2"/>
+              </a:solidFill>
+            </a:endParaRPr>
+          </a:p>
+          <a:p>
+            <a:r>
+              <a:rPr lang="es-ES" b="1" dirty="0">
+                <a:solidFill>
+                  <a:schemeClr val="tx2"/>
+                </a:solidFill>
+              </a:rPr>
+              <a:t>UNIDAD 5</a:t>
+            </a:r>
+            <a:endParaRPr lang="es-ES" dirty="0">
+              <a:solidFill>
+                <a:schemeClr val="tx2"/>
+              </a:solidFill>
+            </a:endParaRPr>
+          </a:p>
+          <a:p>
+            <a:r>
+              <a:rPr lang="es-ES" dirty="0">
+                <a:solidFill>
+                  <a:schemeClr val="tx2"/>
+                </a:solidFill>
+              </a:rPr>
+              <a:t>Recursividad</a:t>
+            </a:r>
+          </a:p>
+          <a:p>
+            <a:endParaRPr lang="es-ES" dirty="0">
+              <a:solidFill>
+                <a:schemeClr val="tx2"/>
+              </a:solidFill>
+            </a:endParaRPr>
+          </a:p>
+          <a:p>
+            <a:r>
+              <a:rPr lang="es-ES" b="1" dirty="0">
+                <a:solidFill>
+                  <a:schemeClr val="tx2"/>
+                </a:solidFill>
+              </a:rPr>
+              <a:t>UNIDAD 6</a:t>
+            </a:r>
+            <a:endParaRPr lang="es-ES" dirty="0">
+              <a:solidFill>
+                <a:schemeClr val="tx2"/>
+              </a:solidFill>
+            </a:endParaRPr>
+          </a:p>
+          <a:p>
+            <a:r>
+              <a:rPr lang="es-ES" dirty="0">
+                <a:solidFill>
+                  <a:schemeClr val="tx2"/>
+                </a:solidFill>
+              </a:rPr>
+              <a:t>Concurrencia y dibujo básico 2D</a:t>
+            </a:r>
+          </a:p>
+        </p:txBody>
+      </p:sp>
+      <p:sp>
+        <p:nvSpPr>
+          <p:cNvPr id="10" name="Elipse 9">
+            <a:extLst>
+              <a:ext uri="{FF2B5EF4-FFF2-40B4-BE49-F238E27FC236}">
+                <a16:creationId xmlns:a16="http://schemas.microsoft.com/office/drawing/2014/main" id="{7803282D-7DA6-E94C-9421-E7B09E65C2E5}"/>
               </a:ext>
             </a:extLst>
           </p:cNvPr>
@@ -8978,15 +9034,12 @@
         </p:nvSpPr>
         <p:spPr>
           <a:xfrm>
-            <a:off x="1629283" y="1393328"/>
-            <a:ext cx="423664" cy="135632"/>
-          </a:xfrm>
-          <a:prstGeom prst="roundRect">
-            <a:avLst/>
-          </a:prstGeom>
-          <a:solidFill>
-            <a:schemeClr val="accent2"/>
-          </a:solidFill>
+            <a:off x="4594260" y="1861543"/>
+            <a:ext cx="360040" cy="360040"/>
+          </a:xfrm>
+          <a:prstGeom prst="ellipse">
+            <a:avLst/>
+          </a:prstGeom>
           <a:ln>
             <a:noFill/>
           </a:ln>
@@ -9013,22 +9066,27 @@
           <a:p>
             <a:pPr algn="ctr"/>
             <a:r>
-              <a:rPr lang="en-US" sz="1000" dirty="0">
+              <a:rPr lang="es-ES" dirty="0">
                 <a:solidFill>
                   <a:schemeClr val="bg1"/>
                 </a:solidFill>
               </a:rPr>
-              <a:t>3</a:t>
-            </a:r>
-          </a:p>
-        </p:txBody>
-      </p:sp>
-      <p:sp>
-        <p:nvSpPr>
-          <p:cNvPr id="12" name="Rounded Rectangle 11">
+              <a:t>4</a:t>
+            </a:r>
+            <a:endParaRPr lang="es-CO" dirty="0">
+              <a:solidFill>
+                <a:schemeClr val="bg1"/>
+              </a:solidFill>
+            </a:endParaRPr>
+          </a:p>
+        </p:txBody>
+      </p:sp>
+      <p:sp>
+        <p:nvSpPr>
+          <p:cNvPr id="11" name="Elipse 10">
             <a:extLst>
               <a:ext uri="{FF2B5EF4-FFF2-40B4-BE49-F238E27FC236}">
-                <a16:creationId xmlns:a16="http://schemas.microsoft.com/office/drawing/2014/main" id="{95B95E5C-89A7-D74B-9C80-12C11245DAF7}"/>
+                <a16:creationId xmlns:a16="http://schemas.microsoft.com/office/drawing/2014/main" id="{D9C7A6D1-8FF2-F94D-B1A6-B5509B7FD64D}"/>
               </a:ext>
             </a:extLst>
           </p:cNvPr>
@@ -9037,15 +9095,12 @@
         </p:nvSpPr>
         <p:spPr>
           <a:xfrm>
-            <a:off x="2133339" y="1396471"/>
-            <a:ext cx="423664" cy="135632"/>
-          </a:xfrm>
-          <a:prstGeom prst="roundRect">
-            <a:avLst/>
-          </a:prstGeom>
-          <a:solidFill>
-            <a:schemeClr val="accent2"/>
-          </a:solidFill>
+            <a:off x="4594260" y="2508331"/>
+            <a:ext cx="360040" cy="360040"/>
+          </a:xfrm>
+          <a:prstGeom prst="ellipse">
+            <a:avLst/>
+          </a:prstGeom>
           <a:ln>
             <a:noFill/>
           </a:ln>
@@ -9072,22 +9127,27 @@
           <a:p>
             <a:pPr algn="ctr"/>
             <a:r>
-              <a:rPr lang="en-US" sz="1000" dirty="0">
+              <a:rPr lang="es-ES" dirty="0">
                 <a:solidFill>
                   <a:schemeClr val="bg1"/>
                 </a:solidFill>
               </a:rPr>
-              <a:t>4</a:t>
-            </a:r>
-          </a:p>
-        </p:txBody>
-      </p:sp>
-      <p:sp>
-        <p:nvSpPr>
-          <p:cNvPr id="13" name="Rounded Rectangle 12">
+              <a:t>5</a:t>
+            </a:r>
+            <a:endParaRPr lang="es-CO" dirty="0">
+              <a:solidFill>
+                <a:schemeClr val="bg1"/>
+              </a:solidFill>
+            </a:endParaRPr>
+          </a:p>
+        </p:txBody>
+      </p:sp>
+      <p:sp>
+        <p:nvSpPr>
+          <p:cNvPr id="13" name="Elipse 12">
             <a:extLst>
               <a:ext uri="{FF2B5EF4-FFF2-40B4-BE49-F238E27FC236}">
-                <a16:creationId xmlns:a16="http://schemas.microsoft.com/office/drawing/2014/main" id="{0C1AC4B3-BE9B-334B-8AFA-3E577F8F2FB1}"/>
+                <a16:creationId xmlns:a16="http://schemas.microsoft.com/office/drawing/2014/main" id="{4C9D3725-BAD6-0642-B306-409639429469}"/>
               </a:ext>
             </a:extLst>
           </p:cNvPr>
@@ -9096,15 +9156,12 @@
         </p:nvSpPr>
         <p:spPr>
           <a:xfrm>
-            <a:off x="2672764" y="1399614"/>
-            <a:ext cx="423664" cy="135632"/>
-          </a:xfrm>
-          <a:prstGeom prst="roundRect">
-            <a:avLst/>
-          </a:prstGeom>
-          <a:solidFill>
-            <a:schemeClr val="accent2"/>
-          </a:solidFill>
+            <a:off x="4594260" y="3155119"/>
+            <a:ext cx="360040" cy="360040"/>
+          </a:xfrm>
+          <a:prstGeom prst="ellipse">
+            <a:avLst/>
+          </a:prstGeom>
           <a:ln>
             <a:noFill/>
           </a:ln>
@@ -9131,1047 +9188,12 @@
           <a:p>
             <a:pPr algn="ctr"/>
             <a:r>
-              <a:rPr lang="en-US" sz="1000" dirty="0">
+              <a:rPr lang="es-ES" dirty="0">
                 <a:solidFill>
                   <a:schemeClr val="bg1"/>
                 </a:solidFill>
               </a:rPr>
-              <a:t>5</a:t>
-            </a:r>
-          </a:p>
-        </p:txBody>
-      </p:sp>
-      <p:sp>
-        <p:nvSpPr>
-          <p:cNvPr id="14" name="Rounded Rectangle 13">
-            <a:extLst>
-              <a:ext uri="{FF2B5EF4-FFF2-40B4-BE49-F238E27FC236}">
-                <a16:creationId xmlns:a16="http://schemas.microsoft.com/office/drawing/2014/main" id="{238D0F5A-1570-CF44-AB2B-E26DB31D2243}"/>
-              </a:ext>
-            </a:extLst>
-          </p:cNvPr>
-          <p:cNvSpPr/>
-          <p:nvPr/>
-        </p:nvSpPr>
-        <p:spPr>
-          <a:xfrm>
-            <a:off x="3186431" y="1395379"/>
-            <a:ext cx="423664" cy="135632"/>
-          </a:xfrm>
-          <a:prstGeom prst="roundRect">
-            <a:avLst/>
-          </a:prstGeom>
-          <a:solidFill>
-            <a:schemeClr val="accent2"/>
-          </a:solidFill>
-          <a:ln>
-            <a:noFill/>
-          </a:ln>
-        </p:spPr>
-        <p:style>
-          <a:lnRef idx="2">
-            <a:schemeClr val="accent1">
-              <a:shade val="50000"/>
-            </a:schemeClr>
-          </a:lnRef>
-          <a:fillRef idx="1">
-            <a:schemeClr val="accent1"/>
-          </a:fillRef>
-          <a:effectRef idx="0">
-            <a:schemeClr val="accent1"/>
-          </a:effectRef>
-          <a:fontRef idx="minor">
-            <a:schemeClr val="lt1"/>
-          </a:fontRef>
-        </p:style>
-        <p:txBody>
-          <a:bodyPr rtlCol="0" anchor="ctr"/>
-          <a:lstStyle/>
-          <a:p>
-            <a:pPr algn="ctr"/>
-            <a:r>
-              <a:rPr lang="en-US" sz="1000" dirty="0">
-                <a:solidFill>
-                  <a:schemeClr val="bg1"/>
-                </a:solidFill>
-              </a:rPr>
               <a:t>6</a:t>
-            </a:r>
-          </a:p>
-        </p:txBody>
-      </p:sp>
-      <p:sp>
-        <p:nvSpPr>
-          <p:cNvPr id="15" name="Rounded Rectangle 14">
-            <a:extLst>
-              <a:ext uri="{FF2B5EF4-FFF2-40B4-BE49-F238E27FC236}">
-                <a16:creationId xmlns:a16="http://schemas.microsoft.com/office/drawing/2014/main" id="{7DC44D7E-732D-1D42-B573-EC2C09E843D7}"/>
-              </a:ext>
-            </a:extLst>
-          </p:cNvPr>
-          <p:cNvSpPr/>
-          <p:nvPr/>
-        </p:nvSpPr>
-        <p:spPr>
-          <a:xfrm>
-            <a:off x="3696510" y="1401647"/>
-            <a:ext cx="423664" cy="135632"/>
-          </a:xfrm>
-          <a:prstGeom prst="roundRect">
-            <a:avLst/>
-          </a:prstGeom>
-          <a:solidFill>
-            <a:schemeClr val="accent2"/>
-          </a:solidFill>
-          <a:ln>
-            <a:noFill/>
-          </a:ln>
-        </p:spPr>
-        <p:style>
-          <a:lnRef idx="2">
-            <a:schemeClr val="accent1">
-              <a:shade val="50000"/>
-            </a:schemeClr>
-          </a:lnRef>
-          <a:fillRef idx="1">
-            <a:schemeClr val="accent1"/>
-          </a:fillRef>
-          <a:effectRef idx="0">
-            <a:schemeClr val="accent1"/>
-          </a:effectRef>
-          <a:fontRef idx="minor">
-            <a:schemeClr val="lt1"/>
-          </a:fontRef>
-        </p:style>
-        <p:txBody>
-          <a:bodyPr rtlCol="0" anchor="ctr"/>
-          <a:lstStyle/>
-          <a:p>
-            <a:pPr algn="ctr"/>
-            <a:r>
-              <a:rPr lang="en-US" sz="1000" dirty="0">
-                <a:solidFill>
-                  <a:schemeClr val="bg1"/>
-                </a:solidFill>
-              </a:rPr>
-              <a:t>7</a:t>
-            </a:r>
-          </a:p>
-        </p:txBody>
-      </p:sp>
-      <p:sp>
-        <p:nvSpPr>
-          <p:cNvPr id="16" name="Rounded Rectangle 15">
-            <a:extLst>
-              <a:ext uri="{FF2B5EF4-FFF2-40B4-BE49-F238E27FC236}">
-                <a16:creationId xmlns:a16="http://schemas.microsoft.com/office/drawing/2014/main" id="{1C6F099D-07FD-094B-BFE4-EE6E53488D40}"/>
-              </a:ext>
-            </a:extLst>
-          </p:cNvPr>
-          <p:cNvSpPr/>
-          <p:nvPr/>
-        </p:nvSpPr>
-        <p:spPr>
-          <a:xfrm>
-            <a:off x="4200566" y="1404790"/>
-            <a:ext cx="423664" cy="135632"/>
-          </a:xfrm>
-          <a:prstGeom prst="roundRect">
-            <a:avLst/>
-          </a:prstGeom>
-          <a:solidFill>
-            <a:schemeClr val="accent2"/>
-          </a:solidFill>
-          <a:ln>
-            <a:noFill/>
-          </a:ln>
-        </p:spPr>
-        <p:style>
-          <a:lnRef idx="2">
-            <a:schemeClr val="accent1">
-              <a:shade val="50000"/>
-            </a:schemeClr>
-          </a:lnRef>
-          <a:fillRef idx="1">
-            <a:schemeClr val="accent1"/>
-          </a:fillRef>
-          <a:effectRef idx="0">
-            <a:schemeClr val="accent1"/>
-          </a:effectRef>
-          <a:fontRef idx="minor">
-            <a:schemeClr val="lt1"/>
-          </a:fontRef>
-        </p:style>
-        <p:txBody>
-          <a:bodyPr rtlCol="0" anchor="ctr"/>
-          <a:lstStyle/>
-          <a:p>
-            <a:pPr algn="ctr"/>
-            <a:r>
-              <a:rPr lang="en-US" sz="1000" dirty="0">
-                <a:solidFill>
-                  <a:schemeClr val="bg1"/>
-                </a:solidFill>
-              </a:rPr>
-              <a:t>8</a:t>
-            </a:r>
-          </a:p>
-        </p:txBody>
-      </p:sp>
-      <p:sp>
-        <p:nvSpPr>
-          <p:cNvPr id="17" name="Rounded Rectangle 16">
-            <a:extLst>
-              <a:ext uri="{FF2B5EF4-FFF2-40B4-BE49-F238E27FC236}">
-                <a16:creationId xmlns:a16="http://schemas.microsoft.com/office/drawing/2014/main" id="{90691B9B-25AC-E841-B0D1-86CF976FE950}"/>
-              </a:ext>
-            </a:extLst>
-          </p:cNvPr>
-          <p:cNvSpPr/>
-          <p:nvPr/>
-        </p:nvSpPr>
-        <p:spPr>
-          <a:xfrm>
-            <a:off x="4704622" y="1405625"/>
-            <a:ext cx="423664" cy="135632"/>
-          </a:xfrm>
-          <a:prstGeom prst="roundRect">
-            <a:avLst/>
-          </a:prstGeom>
-          <a:solidFill>
-            <a:schemeClr val="accent2"/>
-          </a:solidFill>
-          <a:ln>
-            <a:noFill/>
-          </a:ln>
-        </p:spPr>
-        <p:style>
-          <a:lnRef idx="2">
-            <a:schemeClr val="accent1">
-              <a:shade val="50000"/>
-            </a:schemeClr>
-          </a:lnRef>
-          <a:fillRef idx="1">
-            <a:schemeClr val="accent1"/>
-          </a:fillRef>
-          <a:effectRef idx="0">
-            <a:schemeClr val="accent1"/>
-          </a:effectRef>
-          <a:fontRef idx="minor">
-            <a:schemeClr val="lt1"/>
-          </a:fontRef>
-        </p:style>
-        <p:txBody>
-          <a:bodyPr rtlCol="0" anchor="ctr"/>
-          <a:lstStyle/>
-          <a:p>
-            <a:pPr algn="ctr"/>
-            <a:r>
-              <a:rPr lang="en-US" sz="1000" dirty="0">
-                <a:solidFill>
-                  <a:schemeClr val="bg1"/>
-                </a:solidFill>
-              </a:rPr>
-              <a:t>9</a:t>
-            </a:r>
-          </a:p>
-        </p:txBody>
-      </p:sp>
-      <p:sp>
-        <p:nvSpPr>
-          <p:cNvPr id="18" name="Rounded Rectangle 17">
-            <a:extLst>
-              <a:ext uri="{FF2B5EF4-FFF2-40B4-BE49-F238E27FC236}">
-                <a16:creationId xmlns:a16="http://schemas.microsoft.com/office/drawing/2014/main" id="{29F873BE-3872-864E-AA19-62C786FD99AC}"/>
-              </a:ext>
-            </a:extLst>
-          </p:cNvPr>
-          <p:cNvSpPr/>
-          <p:nvPr/>
-        </p:nvSpPr>
-        <p:spPr>
-          <a:xfrm>
-            <a:off x="5208678" y="1408768"/>
-            <a:ext cx="423664" cy="135632"/>
-          </a:xfrm>
-          <a:prstGeom prst="roundRect">
-            <a:avLst/>
-          </a:prstGeom>
-          <a:solidFill>
-            <a:schemeClr val="accent2"/>
-          </a:solidFill>
-          <a:ln>
-            <a:noFill/>
-          </a:ln>
-        </p:spPr>
-        <p:style>
-          <a:lnRef idx="2">
-            <a:schemeClr val="accent1">
-              <a:shade val="50000"/>
-            </a:schemeClr>
-          </a:lnRef>
-          <a:fillRef idx="1">
-            <a:schemeClr val="accent1"/>
-          </a:fillRef>
-          <a:effectRef idx="0">
-            <a:schemeClr val="accent1"/>
-          </a:effectRef>
-          <a:fontRef idx="minor">
-            <a:schemeClr val="lt1"/>
-          </a:fontRef>
-        </p:style>
-        <p:txBody>
-          <a:bodyPr rtlCol="0" anchor="ctr"/>
-          <a:lstStyle/>
-          <a:p>
-            <a:pPr algn="ctr"/>
-            <a:r>
-              <a:rPr lang="en-US" sz="1000" dirty="0">
-                <a:solidFill>
-                  <a:schemeClr val="bg1"/>
-                </a:solidFill>
-              </a:rPr>
-              <a:t>10</a:t>
-            </a:r>
-          </a:p>
-        </p:txBody>
-      </p:sp>
-      <p:sp>
-        <p:nvSpPr>
-          <p:cNvPr id="19" name="Rounded Rectangle 18">
-            <a:extLst>
-              <a:ext uri="{FF2B5EF4-FFF2-40B4-BE49-F238E27FC236}">
-                <a16:creationId xmlns:a16="http://schemas.microsoft.com/office/drawing/2014/main" id="{16AFE635-53EB-BE47-BE26-0A853804B00B}"/>
-              </a:ext>
-            </a:extLst>
-          </p:cNvPr>
-          <p:cNvSpPr/>
-          <p:nvPr/>
-        </p:nvSpPr>
-        <p:spPr>
-          <a:xfrm>
-            <a:off x="5722345" y="1409860"/>
-            <a:ext cx="423664" cy="135632"/>
-          </a:xfrm>
-          <a:prstGeom prst="roundRect">
-            <a:avLst/>
-          </a:prstGeom>
-          <a:solidFill>
-            <a:schemeClr val="accent2"/>
-          </a:solidFill>
-          <a:ln>
-            <a:noFill/>
-          </a:ln>
-        </p:spPr>
-        <p:style>
-          <a:lnRef idx="2">
-            <a:schemeClr val="accent1">
-              <a:shade val="50000"/>
-            </a:schemeClr>
-          </a:lnRef>
-          <a:fillRef idx="1">
-            <a:schemeClr val="accent1"/>
-          </a:fillRef>
-          <a:effectRef idx="0">
-            <a:schemeClr val="accent1"/>
-          </a:effectRef>
-          <a:fontRef idx="minor">
-            <a:schemeClr val="lt1"/>
-          </a:fontRef>
-        </p:style>
-        <p:txBody>
-          <a:bodyPr rtlCol="0" anchor="ctr"/>
-          <a:lstStyle/>
-          <a:p>
-            <a:pPr algn="ctr"/>
-            <a:r>
-              <a:rPr lang="en-US" sz="1000" dirty="0">
-                <a:solidFill>
-                  <a:schemeClr val="bg1"/>
-                </a:solidFill>
-              </a:rPr>
-              <a:t>11</a:t>
-            </a:r>
-          </a:p>
-        </p:txBody>
-      </p:sp>
-      <p:sp>
-        <p:nvSpPr>
-          <p:cNvPr id="20" name="Rounded Rectangle 19">
-            <a:extLst>
-              <a:ext uri="{FF2B5EF4-FFF2-40B4-BE49-F238E27FC236}">
-                <a16:creationId xmlns:a16="http://schemas.microsoft.com/office/drawing/2014/main" id="{64B19FE0-2820-5346-A79A-071DD456AB51}"/>
-              </a:ext>
-            </a:extLst>
-          </p:cNvPr>
-          <p:cNvSpPr/>
-          <p:nvPr/>
-        </p:nvSpPr>
-        <p:spPr>
-          <a:xfrm>
-            <a:off x="6226401" y="1413003"/>
-            <a:ext cx="423664" cy="135632"/>
-          </a:xfrm>
-          <a:prstGeom prst="roundRect">
-            <a:avLst/>
-          </a:prstGeom>
-          <a:solidFill>
-            <a:schemeClr val="accent2"/>
-          </a:solidFill>
-          <a:ln>
-            <a:noFill/>
-          </a:ln>
-        </p:spPr>
-        <p:style>
-          <a:lnRef idx="2">
-            <a:schemeClr val="accent1">
-              <a:shade val="50000"/>
-            </a:schemeClr>
-          </a:lnRef>
-          <a:fillRef idx="1">
-            <a:schemeClr val="accent1"/>
-          </a:fillRef>
-          <a:effectRef idx="0">
-            <a:schemeClr val="accent1"/>
-          </a:effectRef>
-          <a:fontRef idx="minor">
-            <a:schemeClr val="lt1"/>
-          </a:fontRef>
-        </p:style>
-        <p:txBody>
-          <a:bodyPr rtlCol="0" anchor="ctr"/>
-          <a:lstStyle/>
-          <a:p>
-            <a:pPr algn="ctr"/>
-            <a:r>
-              <a:rPr lang="en-US" sz="1000" dirty="0">
-                <a:solidFill>
-                  <a:schemeClr val="bg1"/>
-                </a:solidFill>
-              </a:rPr>
-              <a:t>12</a:t>
-            </a:r>
-          </a:p>
-        </p:txBody>
-      </p:sp>
-      <p:sp>
-        <p:nvSpPr>
-          <p:cNvPr id="21" name="Rounded Rectangle 20">
-            <a:extLst>
-              <a:ext uri="{FF2B5EF4-FFF2-40B4-BE49-F238E27FC236}">
-                <a16:creationId xmlns:a16="http://schemas.microsoft.com/office/drawing/2014/main" id="{4D7CA54E-4FF8-E844-87CE-3E3D709BAA7F}"/>
-              </a:ext>
-            </a:extLst>
-          </p:cNvPr>
-          <p:cNvSpPr/>
-          <p:nvPr/>
-        </p:nvSpPr>
-        <p:spPr>
-          <a:xfrm>
-            <a:off x="6775437" y="1408768"/>
-            <a:ext cx="423664" cy="135632"/>
-          </a:xfrm>
-          <a:prstGeom prst="roundRect">
-            <a:avLst/>
-          </a:prstGeom>
-          <a:solidFill>
-            <a:schemeClr val="accent2"/>
-          </a:solidFill>
-          <a:ln>
-            <a:noFill/>
-          </a:ln>
-        </p:spPr>
-        <p:style>
-          <a:lnRef idx="2">
-            <a:schemeClr val="accent1">
-              <a:shade val="50000"/>
-            </a:schemeClr>
-          </a:lnRef>
-          <a:fillRef idx="1">
-            <a:schemeClr val="accent1"/>
-          </a:fillRef>
-          <a:effectRef idx="0">
-            <a:schemeClr val="accent1"/>
-          </a:effectRef>
-          <a:fontRef idx="minor">
-            <a:schemeClr val="lt1"/>
-          </a:fontRef>
-        </p:style>
-        <p:txBody>
-          <a:bodyPr rtlCol="0" anchor="ctr"/>
-          <a:lstStyle/>
-          <a:p>
-            <a:pPr algn="ctr"/>
-            <a:r>
-              <a:rPr lang="en-US" sz="1000" dirty="0">
-                <a:solidFill>
-                  <a:schemeClr val="bg1"/>
-                </a:solidFill>
-              </a:rPr>
-              <a:t>13</a:t>
-            </a:r>
-          </a:p>
-        </p:txBody>
-      </p:sp>
-      <p:sp>
-        <p:nvSpPr>
-          <p:cNvPr id="22" name="Rounded Rectangle 21">
-            <a:extLst>
-              <a:ext uri="{FF2B5EF4-FFF2-40B4-BE49-F238E27FC236}">
-                <a16:creationId xmlns:a16="http://schemas.microsoft.com/office/drawing/2014/main" id="{605243AE-D18B-0A45-B063-11A43AFEE53B}"/>
-              </a:ext>
-            </a:extLst>
-          </p:cNvPr>
-          <p:cNvSpPr/>
-          <p:nvPr/>
-        </p:nvSpPr>
-        <p:spPr>
-          <a:xfrm>
-            <a:off x="7279493" y="1411911"/>
-            <a:ext cx="423664" cy="135632"/>
-          </a:xfrm>
-          <a:prstGeom prst="roundRect">
-            <a:avLst/>
-          </a:prstGeom>
-          <a:solidFill>
-            <a:schemeClr val="accent2"/>
-          </a:solidFill>
-          <a:ln>
-            <a:noFill/>
-          </a:ln>
-        </p:spPr>
-        <p:style>
-          <a:lnRef idx="2">
-            <a:schemeClr val="accent1">
-              <a:shade val="50000"/>
-            </a:schemeClr>
-          </a:lnRef>
-          <a:fillRef idx="1">
-            <a:schemeClr val="accent1"/>
-          </a:fillRef>
-          <a:effectRef idx="0">
-            <a:schemeClr val="accent1"/>
-          </a:effectRef>
-          <a:fontRef idx="minor">
-            <a:schemeClr val="lt1"/>
-          </a:fontRef>
-        </p:style>
-        <p:txBody>
-          <a:bodyPr rtlCol="0" anchor="ctr"/>
-          <a:lstStyle/>
-          <a:p>
-            <a:pPr algn="ctr"/>
-            <a:r>
-              <a:rPr lang="en-US" sz="1000" dirty="0">
-                <a:solidFill>
-                  <a:schemeClr val="bg1"/>
-                </a:solidFill>
-              </a:rPr>
-              <a:t>14</a:t>
-            </a:r>
-          </a:p>
-        </p:txBody>
-      </p:sp>
-      <p:sp>
-        <p:nvSpPr>
-          <p:cNvPr id="23" name="Rounded Rectangle 22">
-            <a:extLst>
-              <a:ext uri="{FF2B5EF4-FFF2-40B4-BE49-F238E27FC236}">
-                <a16:creationId xmlns:a16="http://schemas.microsoft.com/office/drawing/2014/main" id="{3F8DE1BA-FF66-3848-9A1E-B1890C7B43D7}"/>
-              </a:ext>
-            </a:extLst>
-          </p:cNvPr>
-          <p:cNvSpPr/>
-          <p:nvPr/>
-        </p:nvSpPr>
-        <p:spPr>
-          <a:xfrm>
-            <a:off x="7793160" y="1413003"/>
-            <a:ext cx="423664" cy="135632"/>
-          </a:xfrm>
-          <a:prstGeom prst="roundRect">
-            <a:avLst/>
-          </a:prstGeom>
-          <a:solidFill>
-            <a:schemeClr val="accent2"/>
-          </a:solidFill>
-          <a:ln>
-            <a:noFill/>
-          </a:ln>
-        </p:spPr>
-        <p:style>
-          <a:lnRef idx="2">
-            <a:schemeClr val="accent1">
-              <a:shade val="50000"/>
-            </a:schemeClr>
-          </a:lnRef>
-          <a:fillRef idx="1">
-            <a:schemeClr val="accent1"/>
-          </a:fillRef>
-          <a:effectRef idx="0">
-            <a:schemeClr val="accent1"/>
-          </a:effectRef>
-          <a:fontRef idx="minor">
-            <a:schemeClr val="lt1"/>
-          </a:fontRef>
-        </p:style>
-        <p:txBody>
-          <a:bodyPr rtlCol="0" anchor="ctr"/>
-          <a:lstStyle/>
-          <a:p>
-            <a:pPr algn="ctr"/>
-            <a:r>
-              <a:rPr lang="en-US" sz="1000" dirty="0">
-                <a:solidFill>
-                  <a:schemeClr val="bg1"/>
-                </a:solidFill>
-              </a:rPr>
-              <a:t>15</a:t>
-            </a:r>
-          </a:p>
-        </p:txBody>
-      </p:sp>
-      <p:sp>
-        <p:nvSpPr>
-          <p:cNvPr id="24" name="Rounded Rectangle 23">
-            <a:extLst>
-              <a:ext uri="{FF2B5EF4-FFF2-40B4-BE49-F238E27FC236}">
-                <a16:creationId xmlns:a16="http://schemas.microsoft.com/office/drawing/2014/main" id="{E07B029D-A9D5-664E-9A58-FDADC1335B15}"/>
-              </a:ext>
-            </a:extLst>
-          </p:cNvPr>
-          <p:cNvSpPr/>
-          <p:nvPr/>
-        </p:nvSpPr>
-        <p:spPr>
-          <a:xfrm>
-            <a:off x="8300804" y="1410970"/>
-            <a:ext cx="423664" cy="135632"/>
-          </a:xfrm>
-          <a:prstGeom prst="roundRect">
-            <a:avLst/>
-          </a:prstGeom>
-          <a:solidFill>
-            <a:schemeClr val="accent2"/>
-          </a:solidFill>
-          <a:ln>
-            <a:noFill/>
-          </a:ln>
-        </p:spPr>
-        <p:style>
-          <a:lnRef idx="2">
-            <a:schemeClr val="accent1">
-              <a:shade val="50000"/>
-            </a:schemeClr>
-          </a:lnRef>
-          <a:fillRef idx="1">
-            <a:schemeClr val="accent1"/>
-          </a:fillRef>
-          <a:effectRef idx="0">
-            <a:schemeClr val="accent1"/>
-          </a:effectRef>
-          <a:fontRef idx="minor">
-            <a:schemeClr val="lt1"/>
-          </a:fontRef>
-        </p:style>
-        <p:txBody>
-          <a:bodyPr rtlCol="0" anchor="ctr"/>
-          <a:lstStyle/>
-          <a:p>
-            <a:pPr algn="ctr"/>
-            <a:r>
-              <a:rPr lang="en-US" sz="1000" dirty="0">
-                <a:solidFill>
-                  <a:schemeClr val="bg1"/>
-                </a:solidFill>
-              </a:rPr>
-              <a:t>16</a:t>
-            </a:r>
-          </a:p>
-        </p:txBody>
-      </p:sp>
-      <p:sp>
-        <p:nvSpPr>
-          <p:cNvPr id="30" name="Rounded Rectangle 6">
-            <a:extLst>
-              <a:ext uri="{FF2B5EF4-FFF2-40B4-BE49-F238E27FC236}">
-                <a16:creationId xmlns:a16="http://schemas.microsoft.com/office/drawing/2014/main" id="{A78FB1ED-94C2-3B4E-8319-C0C2CBC13691}"/>
-              </a:ext>
-            </a:extLst>
-          </p:cNvPr>
-          <p:cNvSpPr/>
-          <p:nvPr/>
-        </p:nvSpPr>
-        <p:spPr>
-          <a:xfrm>
-            <a:off x="2133339" y="2123107"/>
-            <a:ext cx="1998758" cy="346690"/>
-          </a:xfrm>
-          <a:prstGeom prst="roundRect">
-            <a:avLst/>
-          </a:prstGeom>
-          <a:ln>
-            <a:noFill/>
-          </a:ln>
-        </p:spPr>
-        <p:style>
-          <a:lnRef idx="2">
-            <a:schemeClr val="accent1">
-              <a:shade val="50000"/>
-            </a:schemeClr>
-          </a:lnRef>
-          <a:fillRef idx="1">
-            <a:schemeClr val="accent1"/>
-          </a:fillRef>
-          <a:effectRef idx="0">
-            <a:schemeClr val="accent1"/>
-          </a:effectRef>
-          <a:fontRef idx="minor">
-            <a:schemeClr val="lt1"/>
-          </a:fontRef>
-        </p:style>
-        <p:txBody>
-          <a:bodyPr rtlCol="0" anchor="ctr"/>
-          <a:lstStyle/>
-          <a:p>
-            <a:pPr algn="ctr"/>
-            <a:r>
-              <a:rPr lang="en-US" sz="1000" dirty="0" err="1">
-                <a:solidFill>
-                  <a:schemeClr val="bg1"/>
-                </a:solidFill>
-              </a:rPr>
-              <a:t>Persistencia</a:t>
-            </a:r>
-            <a:r>
-              <a:rPr lang="en-US" sz="1000" dirty="0">
-                <a:solidFill>
-                  <a:schemeClr val="bg1"/>
-                </a:solidFill>
-              </a:rPr>
-              <a:t> y </a:t>
-            </a:r>
-          </a:p>
-          <a:p>
-            <a:pPr algn="ctr"/>
-            <a:r>
-              <a:rPr lang="en-US" sz="1000" dirty="0" err="1">
-                <a:solidFill>
-                  <a:schemeClr val="bg1"/>
-                </a:solidFill>
-              </a:rPr>
-              <a:t>ordenamiento</a:t>
-            </a:r>
-            <a:endParaRPr lang="en-US" sz="1000" dirty="0">
-              <a:solidFill>
-                <a:schemeClr val="bg1"/>
-              </a:solidFill>
-            </a:endParaRPr>
-          </a:p>
-        </p:txBody>
-      </p:sp>
-      <p:sp>
-        <p:nvSpPr>
-          <p:cNvPr id="35" name="Rounded Rectangle 6">
-            <a:extLst>
-              <a:ext uri="{FF2B5EF4-FFF2-40B4-BE49-F238E27FC236}">
-                <a16:creationId xmlns:a16="http://schemas.microsoft.com/office/drawing/2014/main" id="{806D9373-536A-FE48-AADD-C38A5399E990}"/>
-              </a:ext>
-            </a:extLst>
-          </p:cNvPr>
-          <p:cNvSpPr/>
-          <p:nvPr/>
-        </p:nvSpPr>
-        <p:spPr>
-          <a:xfrm>
-            <a:off x="5208678" y="3075806"/>
-            <a:ext cx="937332" cy="346690"/>
-          </a:xfrm>
-          <a:prstGeom prst="roundRect">
-            <a:avLst/>
-          </a:prstGeom>
-          <a:ln>
-            <a:noFill/>
-          </a:ln>
-        </p:spPr>
-        <p:style>
-          <a:lnRef idx="2">
-            <a:schemeClr val="accent1">
-              <a:shade val="50000"/>
-            </a:schemeClr>
-          </a:lnRef>
-          <a:fillRef idx="1">
-            <a:schemeClr val="accent1"/>
-          </a:fillRef>
-          <a:effectRef idx="0">
-            <a:schemeClr val="accent1"/>
-          </a:effectRef>
-          <a:fontRef idx="minor">
-            <a:schemeClr val="lt1"/>
-          </a:fontRef>
-        </p:style>
-        <p:txBody>
-          <a:bodyPr rtlCol="0" anchor="ctr"/>
-          <a:lstStyle/>
-          <a:p>
-            <a:pPr algn="ctr"/>
-            <a:r>
-              <a:rPr lang="en-US" sz="1000" dirty="0" err="1">
-                <a:solidFill>
-                  <a:schemeClr val="bg1"/>
-                </a:solidFill>
-              </a:rPr>
-              <a:t>Estructuras</a:t>
-            </a:r>
-            <a:r>
-              <a:rPr lang="en-US" sz="1000" dirty="0">
-                <a:solidFill>
-                  <a:schemeClr val="bg1"/>
-                </a:solidFill>
-              </a:rPr>
-              <a:t> </a:t>
-            </a:r>
-            <a:r>
-              <a:rPr lang="en-US" sz="1000" dirty="0" err="1">
-                <a:solidFill>
-                  <a:schemeClr val="bg1"/>
-                </a:solidFill>
-              </a:rPr>
-              <a:t>lineales</a:t>
-            </a:r>
-            <a:endParaRPr lang="en-US" sz="1000" dirty="0">
-              <a:solidFill>
-                <a:schemeClr val="bg1"/>
-              </a:solidFill>
-            </a:endParaRPr>
-          </a:p>
-        </p:txBody>
-      </p:sp>
-      <p:sp>
-        <p:nvSpPr>
-          <p:cNvPr id="41" name="Rounded Rectangle 6">
-            <a:extLst>
-              <a:ext uri="{FF2B5EF4-FFF2-40B4-BE49-F238E27FC236}">
-                <a16:creationId xmlns:a16="http://schemas.microsoft.com/office/drawing/2014/main" id="{A898665B-CA02-EF4A-96FB-71B96F001134}"/>
-              </a:ext>
-            </a:extLst>
-          </p:cNvPr>
-          <p:cNvSpPr/>
-          <p:nvPr/>
-        </p:nvSpPr>
-        <p:spPr>
-          <a:xfrm>
-            <a:off x="6226402" y="3554249"/>
-            <a:ext cx="1990422" cy="346690"/>
-          </a:xfrm>
-          <a:prstGeom prst="roundRect">
-            <a:avLst/>
-          </a:prstGeom>
-          <a:ln>
-            <a:noFill/>
-          </a:ln>
-        </p:spPr>
-        <p:style>
-          <a:lnRef idx="2">
-            <a:schemeClr val="accent1">
-              <a:shade val="50000"/>
-            </a:schemeClr>
-          </a:lnRef>
-          <a:fillRef idx="1">
-            <a:schemeClr val="accent1"/>
-          </a:fillRef>
-          <a:effectRef idx="0">
-            <a:schemeClr val="accent1"/>
-          </a:effectRef>
-          <a:fontRef idx="minor">
-            <a:schemeClr val="lt1"/>
-          </a:fontRef>
-        </p:style>
-        <p:txBody>
-          <a:bodyPr rtlCol="0" anchor="ctr"/>
-          <a:lstStyle/>
-          <a:p>
-            <a:pPr algn="ctr"/>
-            <a:r>
-              <a:rPr lang="en-US" sz="1000" dirty="0" err="1">
-                <a:solidFill>
-                  <a:schemeClr val="bg1"/>
-                </a:solidFill>
-              </a:rPr>
-              <a:t>Algoritmos</a:t>
-            </a:r>
-            <a:r>
-              <a:rPr lang="en-US" sz="1000" dirty="0">
-                <a:solidFill>
-                  <a:schemeClr val="bg1"/>
-                </a:solidFill>
-              </a:rPr>
-              <a:t> y </a:t>
-            </a:r>
-            <a:r>
-              <a:rPr lang="en-US" sz="1000" dirty="0" err="1">
-                <a:solidFill>
-                  <a:schemeClr val="bg1"/>
-                </a:solidFill>
-              </a:rPr>
-              <a:t>estructuras</a:t>
-            </a:r>
-            <a:r>
-              <a:rPr lang="en-US" sz="1000" dirty="0">
-                <a:solidFill>
-                  <a:schemeClr val="bg1"/>
-                </a:solidFill>
-              </a:rPr>
-              <a:t> </a:t>
-            </a:r>
-            <a:r>
-              <a:rPr lang="en-US" sz="1000" dirty="0" err="1">
-                <a:solidFill>
-                  <a:schemeClr val="bg1"/>
-                </a:solidFill>
-              </a:rPr>
-              <a:t>recursivas</a:t>
-            </a:r>
-            <a:endParaRPr lang="en-US" sz="1000" dirty="0">
-              <a:solidFill>
-                <a:schemeClr val="bg1"/>
-              </a:solidFill>
-            </a:endParaRPr>
-          </a:p>
-        </p:txBody>
-      </p:sp>
-      <p:sp>
-        <p:nvSpPr>
-          <p:cNvPr id="42" name="Rounded Rectangle 6">
-            <a:extLst>
-              <a:ext uri="{FF2B5EF4-FFF2-40B4-BE49-F238E27FC236}">
-                <a16:creationId xmlns:a16="http://schemas.microsoft.com/office/drawing/2014/main" id="{F811E728-6C41-D245-922F-562C58EC072A}"/>
-              </a:ext>
-            </a:extLst>
-          </p:cNvPr>
-          <p:cNvSpPr/>
-          <p:nvPr/>
-        </p:nvSpPr>
-        <p:spPr>
-          <a:xfrm>
-            <a:off x="7793159" y="4083918"/>
-            <a:ext cx="927719" cy="346690"/>
-          </a:xfrm>
-          <a:prstGeom prst="roundRect">
-            <a:avLst/>
-          </a:prstGeom>
-          <a:ln>
-            <a:noFill/>
-          </a:ln>
-        </p:spPr>
-        <p:style>
-          <a:lnRef idx="2">
-            <a:schemeClr val="accent1">
-              <a:shade val="50000"/>
-            </a:schemeClr>
-          </a:lnRef>
-          <a:fillRef idx="1">
-            <a:schemeClr val="accent1"/>
-          </a:fillRef>
-          <a:effectRef idx="0">
-            <a:schemeClr val="accent1"/>
-          </a:effectRef>
-          <a:fontRef idx="minor">
-            <a:schemeClr val="lt1"/>
-          </a:fontRef>
-        </p:style>
-        <p:txBody>
-          <a:bodyPr rtlCol="0" anchor="ctr"/>
-          <a:lstStyle/>
-          <a:p>
-            <a:pPr algn="ctr"/>
-            <a:r>
-              <a:rPr lang="en-US" sz="1000" dirty="0" err="1">
-                <a:solidFill>
-                  <a:schemeClr val="bg1"/>
-                </a:solidFill>
-              </a:rPr>
-              <a:t>Concurrencia</a:t>
-            </a:r>
-            <a:r>
-              <a:rPr lang="en-US" sz="1000" dirty="0">
-                <a:solidFill>
-                  <a:schemeClr val="bg1"/>
-                </a:solidFill>
-              </a:rPr>
-              <a:t> y </a:t>
-            </a:r>
-            <a:r>
-              <a:rPr lang="en-US" sz="1000" dirty="0" err="1">
-                <a:solidFill>
-                  <a:schemeClr val="bg1"/>
-                </a:solidFill>
-              </a:rPr>
-              <a:t>dibujo</a:t>
-            </a:r>
-            <a:r>
-              <a:rPr lang="en-US" sz="1000" dirty="0">
-                <a:solidFill>
-                  <a:schemeClr val="bg1"/>
-                </a:solidFill>
-              </a:rPr>
-              <a:t> 2D</a:t>
-            </a:r>
-          </a:p>
-        </p:txBody>
-      </p:sp>
-      <p:sp>
-        <p:nvSpPr>
-          <p:cNvPr id="43" name="Elipse 42">
-            <a:extLst>
-              <a:ext uri="{FF2B5EF4-FFF2-40B4-BE49-F238E27FC236}">
-                <a16:creationId xmlns:a16="http://schemas.microsoft.com/office/drawing/2014/main" id="{7B6679CF-571F-EF45-87DF-666BD43CFEAA}"/>
-              </a:ext>
-            </a:extLst>
-          </p:cNvPr>
-          <p:cNvSpPr/>
-          <p:nvPr/>
-        </p:nvSpPr>
-        <p:spPr>
-          <a:xfrm>
-            <a:off x="462920" y="1763067"/>
-            <a:ext cx="360040" cy="360040"/>
-          </a:xfrm>
-          <a:prstGeom prst="ellipse">
-            <a:avLst/>
-          </a:prstGeom>
-          <a:ln>
-            <a:noFill/>
-          </a:ln>
-        </p:spPr>
-        <p:style>
-          <a:lnRef idx="2">
-            <a:schemeClr val="accent1">
-              <a:shade val="50000"/>
-            </a:schemeClr>
-          </a:lnRef>
-          <a:fillRef idx="1">
-            <a:schemeClr val="accent1"/>
-          </a:fillRef>
-          <a:effectRef idx="0">
-            <a:schemeClr val="accent1"/>
-          </a:effectRef>
-          <a:fontRef idx="minor">
-            <a:schemeClr val="lt1"/>
-          </a:fontRef>
-        </p:style>
-        <p:txBody>
-          <a:bodyPr rtlCol="0" anchor="ctr"/>
-          <a:lstStyle/>
-          <a:p>
-            <a:pPr algn="ctr"/>
-            <a:r>
-              <a:rPr lang="es-ES" dirty="0">
-                <a:solidFill>
-                  <a:schemeClr val="bg1"/>
-                </a:solidFill>
-              </a:rPr>
-              <a:t>1</a:t>
             </a:r>
             <a:endParaRPr lang="es-CO" dirty="0">
               <a:solidFill>
@@ -10181,428 +9203,10 @@
           </a:p>
         </p:txBody>
       </p:sp>
-      <p:sp>
-        <p:nvSpPr>
-          <p:cNvPr id="44" name="Elipse 43">
-            <a:extLst>
-              <a:ext uri="{FF2B5EF4-FFF2-40B4-BE49-F238E27FC236}">
-                <a16:creationId xmlns:a16="http://schemas.microsoft.com/office/drawing/2014/main" id="{D5C46C6F-4F3C-0345-8301-85C464A5D132}"/>
-              </a:ext>
-            </a:extLst>
-          </p:cNvPr>
-          <p:cNvSpPr/>
-          <p:nvPr/>
-        </p:nvSpPr>
-        <p:spPr>
-          <a:xfrm>
-            <a:off x="1953319" y="2289777"/>
-            <a:ext cx="360040" cy="360040"/>
-          </a:xfrm>
-          <a:prstGeom prst="ellipse">
-            <a:avLst/>
-          </a:prstGeom>
-          <a:ln>
-            <a:noFill/>
-          </a:ln>
-        </p:spPr>
-        <p:style>
-          <a:lnRef idx="2">
-            <a:schemeClr val="accent1">
-              <a:shade val="50000"/>
-            </a:schemeClr>
-          </a:lnRef>
-          <a:fillRef idx="1">
-            <a:schemeClr val="accent1"/>
-          </a:fillRef>
-          <a:effectRef idx="0">
-            <a:schemeClr val="accent1"/>
-          </a:effectRef>
-          <a:fontRef idx="minor">
-            <a:schemeClr val="lt1"/>
-          </a:fontRef>
-        </p:style>
-        <p:txBody>
-          <a:bodyPr rtlCol="0" anchor="ctr"/>
-          <a:lstStyle/>
-          <a:p>
-            <a:pPr algn="ctr"/>
-            <a:r>
-              <a:rPr lang="es-ES" dirty="0">
-                <a:solidFill>
-                  <a:schemeClr val="bg1"/>
-                </a:solidFill>
-              </a:rPr>
-              <a:t>2</a:t>
-            </a:r>
-            <a:endParaRPr lang="es-CO" dirty="0">
-              <a:solidFill>
-                <a:schemeClr val="bg1"/>
-              </a:solidFill>
-            </a:endParaRPr>
-          </a:p>
-        </p:txBody>
-      </p:sp>
-      <p:sp>
-        <p:nvSpPr>
-          <p:cNvPr id="45" name="Elipse 44">
-            <a:extLst>
-              <a:ext uri="{FF2B5EF4-FFF2-40B4-BE49-F238E27FC236}">
-                <a16:creationId xmlns:a16="http://schemas.microsoft.com/office/drawing/2014/main" id="{B905898A-8EE2-134F-8846-71DDD2DF3287}"/>
-              </a:ext>
-            </a:extLst>
-          </p:cNvPr>
-          <p:cNvSpPr/>
-          <p:nvPr/>
-        </p:nvSpPr>
-        <p:spPr>
-          <a:xfrm>
-            <a:off x="4020546" y="2733788"/>
-            <a:ext cx="360040" cy="360040"/>
-          </a:xfrm>
-          <a:prstGeom prst="ellipse">
-            <a:avLst/>
-          </a:prstGeom>
-          <a:ln>
-            <a:noFill/>
-          </a:ln>
-        </p:spPr>
-        <p:style>
-          <a:lnRef idx="2">
-            <a:schemeClr val="accent1">
-              <a:shade val="50000"/>
-            </a:schemeClr>
-          </a:lnRef>
-          <a:fillRef idx="1">
-            <a:schemeClr val="accent1"/>
-          </a:fillRef>
-          <a:effectRef idx="0">
-            <a:schemeClr val="accent1"/>
-          </a:effectRef>
-          <a:fontRef idx="minor">
-            <a:schemeClr val="lt1"/>
-          </a:fontRef>
-        </p:style>
-        <p:txBody>
-          <a:bodyPr rtlCol="0" anchor="ctr"/>
-          <a:lstStyle/>
-          <a:p>
-            <a:pPr algn="ctr"/>
-            <a:endParaRPr lang="es-CO" dirty="0">
-              <a:solidFill>
-                <a:schemeClr val="bg1"/>
-              </a:solidFill>
-            </a:endParaRPr>
-          </a:p>
-        </p:txBody>
-      </p:sp>
-      <p:sp>
-        <p:nvSpPr>
-          <p:cNvPr id="46" name="Rounded Rectangle 6">
-            <a:extLst>
-              <a:ext uri="{FF2B5EF4-FFF2-40B4-BE49-F238E27FC236}">
-                <a16:creationId xmlns:a16="http://schemas.microsoft.com/office/drawing/2014/main" id="{3E595EDD-B396-A94F-B3D9-DFB89F0C3B84}"/>
-              </a:ext>
-            </a:extLst>
-          </p:cNvPr>
-          <p:cNvSpPr/>
-          <p:nvPr/>
-        </p:nvSpPr>
-        <p:spPr>
-          <a:xfrm>
-            <a:off x="4200566" y="2571750"/>
-            <a:ext cx="927720" cy="346690"/>
-          </a:xfrm>
-          <a:prstGeom prst="roundRect">
-            <a:avLst/>
-          </a:prstGeom>
-          <a:ln>
-            <a:noFill/>
-          </a:ln>
-        </p:spPr>
-        <p:style>
-          <a:lnRef idx="2">
-            <a:schemeClr val="accent1">
-              <a:shade val="50000"/>
-            </a:schemeClr>
-          </a:lnRef>
-          <a:fillRef idx="1">
-            <a:schemeClr val="accent1"/>
-          </a:fillRef>
-          <a:effectRef idx="0">
-            <a:schemeClr val="accent1"/>
-          </a:effectRef>
-          <a:fontRef idx="minor">
-            <a:schemeClr val="lt1"/>
-          </a:fontRef>
-        </p:style>
-        <p:txBody>
-          <a:bodyPr rtlCol="0" anchor="ctr"/>
-          <a:lstStyle/>
-          <a:p>
-            <a:pPr algn="ctr"/>
-            <a:r>
-              <a:rPr lang="en-US" sz="1000" dirty="0" err="1">
-                <a:solidFill>
-                  <a:schemeClr val="bg1"/>
-                </a:solidFill>
-              </a:rPr>
-              <a:t>Pruebas</a:t>
-            </a:r>
-            <a:r>
-              <a:rPr lang="en-US" sz="1000" dirty="0">
-                <a:solidFill>
-                  <a:schemeClr val="bg1"/>
-                </a:solidFill>
-              </a:rPr>
-              <a:t> y </a:t>
-            </a:r>
-            <a:r>
-              <a:rPr lang="en-US" sz="1000" dirty="0" err="1">
-                <a:solidFill>
-                  <a:schemeClr val="bg1"/>
-                </a:solidFill>
-              </a:rPr>
-              <a:t>excepciones</a:t>
-            </a:r>
-            <a:endParaRPr lang="en-US" sz="1000" dirty="0">
-              <a:solidFill>
-                <a:schemeClr val="bg1"/>
-              </a:solidFill>
-            </a:endParaRPr>
-          </a:p>
-        </p:txBody>
-      </p:sp>
-      <p:sp>
-        <p:nvSpPr>
-          <p:cNvPr id="47" name="Elipse 46">
-            <a:extLst>
-              <a:ext uri="{FF2B5EF4-FFF2-40B4-BE49-F238E27FC236}">
-                <a16:creationId xmlns:a16="http://schemas.microsoft.com/office/drawing/2014/main" id="{3C1C007B-EF48-EB46-8607-5E663FF9F1D2}"/>
-              </a:ext>
-            </a:extLst>
-          </p:cNvPr>
-          <p:cNvSpPr/>
-          <p:nvPr/>
-        </p:nvSpPr>
-        <p:spPr>
-          <a:xfrm>
-            <a:off x="5028658" y="3239061"/>
-            <a:ext cx="360040" cy="360040"/>
-          </a:xfrm>
-          <a:prstGeom prst="ellipse">
-            <a:avLst/>
-          </a:prstGeom>
-          <a:ln>
-            <a:noFill/>
-          </a:ln>
-        </p:spPr>
-        <p:style>
-          <a:lnRef idx="2">
-            <a:schemeClr val="accent1">
-              <a:shade val="50000"/>
-            </a:schemeClr>
-          </a:lnRef>
-          <a:fillRef idx="1">
-            <a:schemeClr val="accent1"/>
-          </a:fillRef>
-          <a:effectRef idx="0">
-            <a:schemeClr val="accent1"/>
-          </a:effectRef>
-          <a:fontRef idx="minor">
-            <a:schemeClr val="lt1"/>
-          </a:fontRef>
-        </p:style>
-        <p:txBody>
-          <a:bodyPr rtlCol="0" anchor="ctr"/>
-          <a:lstStyle/>
-          <a:p>
-            <a:pPr algn="ctr"/>
-            <a:r>
-              <a:rPr lang="es-ES" dirty="0">
-                <a:solidFill>
-                  <a:schemeClr val="bg1"/>
-                </a:solidFill>
-              </a:rPr>
-              <a:t>4</a:t>
-            </a:r>
-            <a:endParaRPr lang="es-CO" dirty="0">
-              <a:solidFill>
-                <a:schemeClr val="bg1"/>
-              </a:solidFill>
-            </a:endParaRPr>
-          </a:p>
-        </p:txBody>
-      </p:sp>
-      <p:sp>
-        <p:nvSpPr>
-          <p:cNvPr id="48" name="Elipse 47">
-            <a:extLst>
-              <a:ext uri="{FF2B5EF4-FFF2-40B4-BE49-F238E27FC236}">
-                <a16:creationId xmlns:a16="http://schemas.microsoft.com/office/drawing/2014/main" id="{C557013A-626D-8340-8785-B6785E5F46EE}"/>
-              </a:ext>
-            </a:extLst>
-          </p:cNvPr>
-          <p:cNvSpPr/>
-          <p:nvPr/>
-        </p:nvSpPr>
-        <p:spPr>
-          <a:xfrm>
-            <a:off x="6046381" y="3727594"/>
-            <a:ext cx="360040" cy="360040"/>
-          </a:xfrm>
-          <a:prstGeom prst="ellipse">
-            <a:avLst/>
-          </a:prstGeom>
-          <a:ln>
-            <a:noFill/>
-          </a:ln>
-        </p:spPr>
-        <p:style>
-          <a:lnRef idx="2">
-            <a:schemeClr val="accent1">
-              <a:shade val="50000"/>
-            </a:schemeClr>
-          </a:lnRef>
-          <a:fillRef idx="1">
-            <a:schemeClr val="accent1"/>
-          </a:fillRef>
-          <a:effectRef idx="0">
-            <a:schemeClr val="accent1"/>
-          </a:effectRef>
-          <a:fontRef idx="minor">
-            <a:schemeClr val="lt1"/>
-          </a:fontRef>
-        </p:style>
-        <p:txBody>
-          <a:bodyPr rtlCol="0" anchor="ctr"/>
-          <a:lstStyle/>
-          <a:p>
-            <a:pPr algn="ctr"/>
-            <a:r>
-              <a:rPr lang="es-ES" dirty="0">
-                <a:solidFill>
-                  <a:schemeClr val="bg1"/>
-                </a:solidFill>
-              </a:rPr>
-              <a:t>5</a:t>
-            </a:r>
-            <a:endParaRPr lang="es-CO" dirty="0">
-              <a:solidFill>
-                <a:schemeClr val="bg1"/>
-              </a:solidFill>
-            </a:endParaRPr>
-          </a:p>
-        </p:txBody>
-      </p:sp>
-      <p:sp>
-        <p:nvSpPr>
-          <p:cNvPr id="49" name="Elipse 48">
-            <a:extLst>
-              <a:ext uri="{FF2B5EF4-FFF2-40B4-BE49-F238E27FC236}">
-                <a16:creationId xmlns:a16="http://schemas.microsoft.com/office/drawing/2014/main" id="{A39B8FAA-EFE7-4D4A-B9EE-4C5CDA00460B}"/>
-              </a:ext>
-            </a:extLst>
-          </p:cNvPr>
-          <p:cNvSpPr/>
-          <p:nvPr/>
-        </p:nvSpPr>
-        <p:spPr>
-          <a:xfrm>
-            <a:off x="7613139" y="4250588"/>
-            <a:ext cx="360040" cy="360040"/>
-          </a:xfrm>
-          <a:prstGeom prst="ellipse">
-            <a:avLst/>
-          </a:prstGeom>
-          <a:ln>
-            <a:noFill/>
-          </a:ln>
-        </p:spPr>
-        <p:style>
-          <a:lnRef idx="2">
-            <a:schemeClr val="accent1">
-              <a:shade val="50000"/>
-            </a:schemeClr>
-          </a:lnRef>
-          <a:fillRef idx="1">
-            <a:schemeClr val="accent1"/>
-          </a:fillRef>
-          <a:effectRef idx="0">
-            <a:schemeClr val="accent1"/>
-          </a:effectRef>
-          <a:fontRef idx="minor">
-            <a:schemeClr val="lt1"/>
-          </a:fontRef>
-        </p:style>
-        <p:txBody>
-          <a:bodyPr rtlCol="0" anchor="ctr"/>
-          <a:lstStyle/>
-          <a:p>
-            <a:pPr algn="ctr"/>
-            <a:r>
-              <a:rPr lang="es-ES" dirty="0">
-                <a:solidFill>
-                  <a:schemeClr val="bg1"/>
-                </a:solidFill>
-              </a:rPr>
-              <a:t>6</a:t>
-            </a:r>
-            <a:endParaRPr lang="es-CO" dirty="0">
-              <a:solidFill>
-                <a:schemeClr val="bg1"/>
-              </a:solidFill>
-            </a:endParaRPr>
-          </a:p>
-        </p:txBody>
-      </p:sp>
-      <p:sp>
-        <p:nvSpPr>
-          <p:cNvPr id="3" name="Rectángulo 2">
-            <a:extLst>
-              <a:ext uri="{FF2B5EF4-FFF2-40B4-BE49-F238E27FC236}">
-                <a16:creationId xmlns:a16="http://schemas.microsoft.com/office/drawing/2014/main" id="{20377914-2701-3048-B9D9-88EF61AA3B68}"/>
-              </a:ext>
-            </a:extLst>
-          </p:cNvPr>
-          <p:cNvSpPr/>
-          <p:nvPr/>
-        </p:nvSpPr>
-        <p:spPr>
-          <a:xfrm>
-            <a:off x="4058540" y="2755626"/>
-            <a:ext cx="284052" cy="307777"/>
-          </a:xfrm>
-          <a:prstGeom prst="rect">
-            <a:avLst/>
-          </a:prstGeom>
-        </p:spPr>
-        <p:txBody>
-          <a:bodyPr wrap="none">
-            <a:spAutoFit/>
-          </a:bodyPr>
-          <a:lstStyle/>
-          <a:p>
-            <a:pPr algn="ctr"/>
-            <a:r>
-              <a:rPr lang="es-ES" dirty="0">
-                <a:solidFill>
-                  <a:schemeClr val="bg1"/>
-                </a:solidFill>
-              </a:rPr>
-              <a:t>3</a:t>
-            </a:r>
-            <a:endParaRPr lang="es-CO" dirty="0">
-              <a:solidFill>
-                <a:schemeClr val="bg1"/>
-              </a:solidFill>
-            </a:endParaRPr>
-          </a:p>
-        </p:txBody>
-      </p:sp>
     </p:spTree>
     <p:extLst>
       <p:ext uri="{BB962C8B-B14F-4D97-AF65-F5344CB8AC3E}">
-        <p14:creationId xmlns:p14="http://schemas.microsoft.com/office/powerpoint/2010/main" val="3097196944"/>
+        <p14:creationId xmlns:p14="http://schemas.microsoft.com/office/powerpoint/2010/main" val="951757786"/>
       </p:ext>
     </p:extLst>
   </p:cSld>
@@ -10631,7 +9235,13 @@
       </p:grpSpPr>
       <p:sp>
         <p:nvSpPr>
-          <p:cNvPr id="2" name="Título 1"/>
+          <p:cNvPr id="2" name="Title 1">
+            <a:extLst>
+              <a:ext uri="{FF2B5EF4-FFF2-40B4-BE49-F238E27FC236}">
+                <a16:creationId xmlns:a16="http://schemas.microsoft.com/office/drawing/2014/main" id="{52E7F6AB-7731-5240-9B32-6E7792E42C33}"/>
+              </a:ext>
+            </a:extLst>
+          </p:cNvPr>
           <p:cNvSpPr>
             <a:spLocks noGrp="1"/>
           </p:cNvSpPr>
@@ -10645,123 +9255,39 @@
           <a:lstStyle/>
           <a:p>
             <a:r>
-              <a:rPr lang="es-ES" dirty="0"/>
-              <a:t>Composición del curso</a:t>
-            </a:r>
-            <a:endParaRPr lang="es-CO" dirty="0"/>
-          </a:p>
-        </p:txBody>
-      </p:sp>
-      <p:sp>
-        <p:nvSpPr>
-          <p:cNvPr id="8" name="CuadroTexto 7"/>
-          <p:cNvSpPr txBox="1"/>
-          <p:nvPr/>
-        </p:nvSpPr>
-        <p:spPr>
-          <a:xfrm>
-            <a:off x="1115616" y="1779662"/>
-            <a:ext cx="4248472" cy="954107"/>
-          </a:xfrm>
-          <a:prstGeom prst="rect">
-            <a:avLst/>
-          </a:prstGeom>
-          <a:noFill/>
-        </p:spPr>
-        <p:txBody>
-          <a:bodyPr wrap="square" rtlCol="0">
-            <a:spAutoFit/>
-          </a:bodyPr>
-          <a:lstStyle/>
-          <a:p>
-            <a:r>
-              <a:rPr lang="es-ES" b="1" dirty="0">
-                <a:solidFill>
-                  <a:schemeClr val="tx2"/>
-                </a:solidFill>
-              </a:rPr>
-              <a:t>UNIDAD 1</a:t>
-            </a:r>
-          </a:p>
-          <a:p>
-            <a:r>
-              <a:rPr lang="es-ES" dirty="0">
-                <a:solidFill>
-                  <a:schemeClr val="tx2"/>
-                </a:solidFill>
-              </a:rPr>
-              <a:t>Construcción de la GUI</a:t>
-            </a:r>
-          </a:p>
-          <a:p>
-            <a:endParaRPr lang="es-ES" dirty="0">
-              <a:solidFill>
-                <a:schemeClr val="tx2"/>
-              </a:solidFill>
-            </a:endParaRPr>
-          </a:p>
-          <a:p>
-            <a:endParaRPr lang="es-ES" dirty="0">
-              <a:solidFill>
-                <a:schemeClr val="tx2"/>
-              </a:solidFill>
-            </a:endParaRPr>
-          </a:p>
-        </p:txBody>
-      </p:sp>
-      <p:pic>
-        <p:nvPicPr>
-          <p:cNvPr id="12" name="Picture 6" descr="Resultado de imagen de icesi logo blanco&quot;"/>
-          <p:cNvPicPr>
-            <a:picLocks noChangeAspect="1" noChangeArrowheads="1"/>
-          </p:cNvPicPr>
-          <p:nvPr/>
-        </p:nvPicPr>
-        <p:blipFill>
-          <a:blip r:embed="rId2">
+              <a:rPr lang="en-US" dirty="0" err="1"/>
+              <a:t>Composición</a:t>
+            </a:r>
+            <a:r>
+              <a:rPr lang="en-US" dirty="0"/>
+              <a:t> del </a:t>
+            </a:r>
+            <a:r>
+              <a:rPr lang="en-US" dirty="0" err="1"/>
+              <a:t>curso</a:t>
+            </a:r>
+            <a:endParaRPr lang="en-US" dirty="0"/>
+          </a:p>
+        </p:txBody>
+      </p:sp>
+      <p:sp>
+        <p:nvSpPr>
+          <p:cNvPr id="7" name="Rounded Rectangle 6">
             <a:extLst>
-              <a:ext uri="{28A0092B-C50C-407E-A947-70E740481C1C}">
-                <a14:useLocalDpi xmlns:a14="http://schemas.microsoft.com/office/drawing/2010/main" val="0"/>
+              <a:ext uri="{FF2B5EF4-FFF2-40B4-BE49-F238E27FC236}">
+                <a16:creationId xmlns:a16="http://schemas.microsoft.com/office/drawing/2014/main" id="{3A17402B-4A45-6246-83BB-7FC88CBDD7DC}"/>
               </a:ext>
             </a:extLst>
-          </a:blip>
-          <a:srcRect/>
-          <a:stretch>
-            <a:fillRect/>
-          </a:stretch>
-        </p:blipFill>
-        <p:spPr bwMode="auto">
-          <a:xfrm>
-            <a:off x="107504" y="70937"/>
-            <a:ext cx="1353519" cy="426195"/>
-          </a:xfrm>
-          <a:prstGeom prst="rect">
-            <a:avLst/>
-          </a:prstGeom>
-          <a:noFill/>
-          <a:extLst>
-            <a:ext uri="{909E8E84-426E-40DD-AFC4-6F175D3DCCD1}">
-              <a14:hiddenFill xmlns:a14="http://schemas.microsoft.com/office/drawing/2010/main">
-                <a:solidFill>
-                  <a:srgbClr val="FFFFFF"/>
-                </a:solidFill>
-              </a14:hiddenFill>
-            </a:ext>
-          </a:extLst>
-        </p:spPr>
-      </p:pic>
-      <p:sp>
-        <p:nvSpPr>
-          <p:cNvPr id="3" name="Elipse 2"/>
+          </p:cNvPr>
           <p:cNvSpPr/>
           <p:nvPr/>
         </p:nvSpPr>
         <p:spPr>
           <a:xfrm>
-            <a:off x="539552" y="1861543"/>
-            <a:ext cx="360040" cy="360040"/>
-          </a:xfrm>
-          <a:prstGeom prst="ellipse">
+            <a:off x="598806" y="1648996"/>
+            <a:ext cx="1454141" cy="346690"/>
+          </a:xfrm>
+          <a:prstGeom prst="roundRect">
             <a:avLst/>
           </a:prstGeom>
           <a:ln>
@@ -10790,6 +9316,1360 @@
           <a:p>
             <a:pPr algn="ctr"/>
             <a:r>
+              <a:rPr lang="en-US" sz="1000" dirty="0" err="1">
+                <a:solidFill>
+                  <a:schemeClr val="bg1"/>
+                </a:solidFill>
+              </a:rPr>
+              <a:t>Interfaz</a:t>
+            </a:r>
+            <a:r>
+              <a:rPr lang="en-US" sz="1000" dirty="0">
+                <a:solidFill>
+                  <a:schemeClr val="bg1"/>
+                </a:solidFill>
+              </a:rPr>
+              <a:t> de</a:t>
+            </a:r>
+          </a:p>
+          <a:p>
+            <a:pPr algn="ctr"/>
+            <a:r>
+              <a:rPr lang="en-US" sz="1000" dirty="0" err="1">
+                <a:solidFill>
+                  <a:schemeClr val="bg1"/>
+                </a:solidFill>
+              </a:rPr>
+              <a:t>usuario</a:t>
+            </a:r>
+            <a:endParaRPr lang="en-US" sz="1000" dirty="0">
+              <a:solidFill>
+                <a:schemeClr val="bg1"/>
+              </a:solidFill>
+            </a:endParaRPr>
+          </a:p>
+        </p:txBody>
+      </p:sp>
+      <p:sp>
+        <p:nvSpPr>
+          <p:cNvPr id="9" name="Rounded Rectangle 8">
+            <a:extLst>
+              <a:ext uri="{FF2B5EF4-FFF2-40B4-BE49-F238E27FC236}">
+                <a16:creationId xmlns:a16="http://schemas.microsoft.com/office/drawing/2014/main" id="{F79AD009-042A-4541-9A98-EAB2EB8C5FE0}"/>
+              </a:ext>
+            </a:extLst>
+          </p:cNvPr>
+          <p:cNvSpPr/>
+          <p:nvPr/>
+        </p:nvSpPr>
+        <p:spPr>
+          <a:xfrm>
+            <a:off x="611560" y="1389093"/>
+            <a:ext cx="423664" cy="135632"/>
+          </a:xfrm>
+          <a:prstGeom prst="roundRect">
+            <a:avLst/>
+          </a:prstGeom>
+          <a:solidFill>
+            <a:schemeClr val="accent2"/>
+          </a:solidFill>
+          <a:ln>
+            <a:noFill/>
+          </a:ln>
+        </p:spPr>
+        <p:style>
+          <a:lnRef idx="2">
+            <a:schemeClr val="accent1">
+              <a:shade val="50000"/>
+            </a:schemeClr>
+          </a:lnRef>
+          <a:fillRef idx="1">
+            <a:schemeClr val="accent1"/>
+          </a:fillRef>
+          <a:effectRef idx="0">
+            <a:schemeClr val="accent1"/>
+          </a:effectRef>
+          <a:fontRef idx="minor">
+            <a:schemeClr val="lt1"/>
+          </a:fontRef>
+        </p:style>
+        <p:txBody>
+          <a:bodyPr rtlCol="0" anchor="ctr"/>
+          <a:lstStyle/>
+          <a:p>
+            <a:pPr algn="ctr"/>
+            <a:r>
+              <a:rPr lang="en-US" sz="1000" dirty="0">
+                <a:solidFill>
+                  <a:schemeClr val="bg1"/>
+                </a:solidFill>
+              </a:rPr>
+              <a:t>1</a:t>
+            </a:r>
+          </a:p>
+        </p:txBody>
+      </p:sp>
+      <p:sp>
+        <p:nvSpPr>
+          <p:cNvPr id="10" name="Rounded Rectangle 9">
+            <a:extLst>
+              <a:ext uri="{FF2B5EF4-FFF2-40B4-BE49-F238E27FC236}">
+                <a16:creationId xmlns:a16="http://schemas.microsoft.com/office/drawing/2014/main" id="{858534C4-049A-B340-83ED-2727A396A499}"/>
+              </a:ext>
+            </a:extLst>
+          </p:cNvPr>
+          <p:cNvSpPr/>
+          <p:nvPr/>
+        </p:nvSpPr>
+        <p:spPr>
+          <a:xfrm>
+            <a:off x="1115616" y="1392236"/>
+            <a:ext cx="423664" cy="135632"/>
+          </a:xfrm>
+          <a:prstGeom prst="roundRect">
+            <a:avLst/>
+          </a:prstGeom>
+          <a:solidFill>
+            <a:schemeClr val="accent2"/>
+          </a:solidFill>
+          <a:ln>
+            <a:noFill/>
+          </a:ln>
+        </p:spPr>
+        <p:style>
+          <a:lnRef idx="2">
+            <a:schemeClr val="accent1">
+              <a:shade val="50000"/>
+            </a:schemeClr>
+          </a:lnRef>
+          <a:fillRef idx="1">
+            <a:schemeClr val="accent1"/>
+          </a:fillRef>
+          <a:effectRef idx="0">
+            <a:schemeClr val="accent1"/>
+          </a:effectRef>
+          <a:fontRef idx="minor">
+            <a:schemeClr val="lt1"/>
+          </a:fontRef>
+        </p:style>
+        <p:txBody>
+          <a:bodyPr rtlCol="0" anchor="ctr"/>
+          <a:lstStyle/>
+          <a:p>
+            <a:pPr algn="ctr"/>
+            <a:r>
+              <a:rPr lang="en-US" sz="1000" dirty="0">
+                <a:solidFill>
+                  <a:schemeClr val="bg1"/>
+                </a:solidFill>
+              </a:rPr>
+              <a:t>2</a:t>
+            </a:r>
+          </a:p>
+        </p:txBody>
+      </p:sp>
+      <p:sp>
+        <p:nvSpPr>
+          <p:cNvPr id="11" name="Rounded Rectangle 10">
+            <a:extLst>
+              <a:ext uri="{FF2B5EF4-FFF2-40B4-BE49-F238E27FC236}">
+                <a16:creationId xmlns:a16="http://schemas.microsoft.com/office/drawing/2014/main" id="{95F3EBC1-F1F5-774D-9CA3-7EB2AFDC3BD9}"/>
+              </a:ext>
+            </a:extLst>
+          </p:cNvPr>
+          <p:cNvSpPr/>
+          <p:nvPr/>
+        </p:nvSpPr>
+        <p:spPr>
+          <a:xfrm>
+            <a:off x="1629283" y="1393328"/>
+            <a:ext cx="423664" cy="135632"/>
+          </a:xfrm>
+          <a:prstGeom prst="roundRect">
+            <a:avLst/>
+          </a:prstGeom>
+          <a:solidFill>
+            <a:schemeClr val="accent2"/>
+          </a:solidFill>
+          <a:ln>
+            <a:noFill/>
+          </a:ln>
+        </p:spPr>
+        <p:style>
+          <a:lnRef idx="2">
+            <a:schemeClr val="accent1">
+              <a:shade val="50000"/>
+            </a:schemeClr>
+          </a:lnRef>
+          <a:fillRef idx="1">
+            <a:schemeClr val="accent1"/>
+          </a:fillRef>
+          <a:effectRef idx="0">
+            <a:schemeClr val="accent1"/>
+          </a:effectRef>
+          <a:fontRef idx="minor">
+            <a:schemeClr val="lt1"/>
+          </a:fontRef>
+        </p:style>
+        <p:txBody>
+          <a:bodyPr rtlCol="0" anchor="ctr"/>
+          <a:lstStyle/>
+          <a:p>
+            <a:pPr algn="ctr"/>
+            <a:r>
+              <a:rPr lang="en-US" sz="1000" dirty="0">
+                <a:solidFill>
+                  <a:schemeClr val="bg1"/>
+                </a:solidFill>
+              </a:rPr>
+              <a:t>3</a:t>
+            </a:r>
+          </a:p>
+        </p:txBody>
+      </p:sp>
+      <p:sp>
+        <p:nvSpPr>
+          <p:cNvPr id="12" name="Rounded Rectangle 11">
+            <a:extLst>
+              <a:ext uri="{FF2B5EF4-FFF2-40B4-BE49-F238E27FC236}">
+                <a16:creationId xmlns:a16="http://schemas.microsoft.com/office/drawing/2014/main" id="{95B95E5C-89A7-D74B-9C80-12C11245DAF7}"/>
+              </a:ext>
+            </a:extLst>
+          </p:cNvPr>
+          <p:cNvSpPr/>
+          <p:nvPr/>
+        </p:nvSpPr>
+        <p:spPr>
+          <a:xfrm>
+            <a:off x="2133339" y="1396471"/>
+            <a:ext cx="423664" cy="135632"/>
+          </a:xfrm>
+          <a:prstGeom prst="roundRect">
+            <a:avLst/>
+          </a:prstGeom>
+          <a:solidFill>
+            <a:schemeClr val="accent2"/>
+          </a:solidFill>
+          <a:ln>
+            <a:noFill/>
+          </a:ln>
+        </p:spPr>
+        <p:style>
+          <a:lnRef idx="2">
+            <a:schemeClr val="accent1">
+              <a:shade val="50000"/>
+            </a:schemeClr>
+          </a:lnRef>
+          <a:fillRef idx="1">
+            <a:schemeClr val="accent1"/>
+          </a:fillRef>
+          <a:effectRef idx="0">
+            <a:schemeClr val="accent1"/>
+          </a:effectRef>
+          <a:fontRef idx="minor">
+            <a:schemeClr val="lt1"/>
+          </a:fontRef>
+        </p:style>
+        <p:txBody>
+          <a:bodyPr rtlCol="0" anchor="ctr"/>
+          <a:lstStyle/>
+          <a:p>
+            <a:pPr algn="ctr"/>
+            <a:r>
+              <a:rPr lang="en-US" sz="1000" dirty="0">
+                <a:solidFill>
+                  <a:schemeClr val="bg1"/>
+                </a:solidFill>
+              </a:rPr>
+              <a:t>4</a:t>
+            </a:r>
+          </a:p>
+        </p:txBody>
+      </p:sp>
+      <p:sp>
+        <p:nvSpPr>
+          <p:cNvPr id="13" name="Rounded Rectangle 12">
+            <a:extLst>
+              <a:ext uri="{FF2B5EF4-FFF2-40B4-BE49-F238E27FC236}">
+                <a16:creationId xmlns:a16="http://schemas.microsoft.com/office/drawing/2014/main" id="{0C1AC4B3-BE9B-334B-8AFA-3E577F8F2FB1}"/>
+              </a:ext>
+            </a:extLst>
+          </p:cNvPr>
+          <p:cNvSpPr/>
+          <p:nvPr/>
+        </p:nvSpPr>
+        <p:spPr>
+          <a:xfrm>
+            <a:off x="2672764" y="1399614"/>
+            <a:ext cx="423664" cy="135632"/>
+          </a:xfrm>
+          <a:prstGeom prst="roundRect">
+            <a:avLst/>
+          </a:prstGeom>
+          <a:solidFill>
+            <a:schemeClr val="accent2"/>
+          </a:solidFill>
+          <a:ln>
+            <a:noFill/>
+          </a:ln>
+        </p:spPr>
+        <p:style>
+          <a:lnRef idx="2">
+            <a:schemeClr val="accent1">
+              <a:shade val="50000"/>
+            </a:schemeClr>
+          </a:lnRef>
+          <a:fillRef idx="1">
+            <a:schemeClr val="accent1"/>
+          </a:fillRef>
+          <a:effectRef idx="0">
+            <a:schemeClr val="accent1"/>
+          </a:effectRef>
+          <a:fontRef idx="minor">
+            <a:schemeClr val="lt1"/>
+          </a:fontRef>
+        </p:style>
+        <p:txBody>
+          <a:bodyPr rtlCol="0" anchor="ctr"/>
+          <a:lstStyle/>
+          <a:p>
+            <a:pPr algn="ctr"/>
+            <a:r>
+              <a:rPr lang="en-US" sz="1000" dirty="0">
+                <a:solidFill>
+                  <a:schemeClr val="bg1"/>
+                </a:solidFill>
+              </a:rPr>
+              <a:t>5</a:t>
+            </a:r>
+          </a:p>
+        </p:txBody>
+      </p:sp>
+      <p:sp>
+        <p:nvSpPr>
+          <p:cNvPr id="14" name="Rounded Rectangle 13">
+            <a:extLst>
+              <a:ext uri="{FF2B5EF4-FFF2-40B4-BE49-F238E27FC236}">
+                <a16:creationId xmlns:a16="http://schemas.microsoft.com/office/drawing/2014/main" id="{238D0F5A-1570-CF44-AB2B-E26DB31D2243}"/>
+              </a:ext>
+            </a:extLst>
+          </p:cNvPr>
+          <p:cNvSpPr/>
+          <p:nvPr/>
+        </p:nvSpPr>
+        <p:spPr>
+          <a:xfrm>
+            <a:off x="3186431" y="1395379"/>
+            <a:ext cx="423664" cy="135632"/>
+          </a:xfrm>
+          <a:prstGeom prst="roundRect">
+            <a:avLst/>
+          </a:prstGeom>
+          <a:solidFill>
+            <a:schemeClr val="accent2"/>
+          </a:solidFill>
+          <a:ln>
+            <a:noFill/>
+          </a:ln>
+        </p:spPr>
+        <p:style>
+          <a:lnRef idx="2">
+            <a:schemeClr val="accent1">
+              <a:shade val="50000"/>
+            </a:schemeClr>
+          </a:lnRef>
+          <a:fillRef idx="1">
+            <a:schemeClr val="accent1"/>
+          </a:fillRef>
+          <a:effectRef idx="0">
+            <a:schemeClr val="accent1"/>
+          </a:effectRef>
+          <a:fontRef idx="minor">
+            <a:schemeClr val="lt1"/>
+          </a:fontRef>
+        </p:style>
+        <p:txBody>
+          <a:bodyPr rtlCol="0" anchor="ctr"/>
+          <a:lstStyle/>
+          <a:p>
+            <a:pPr algn="ctr"/>
+            <a:r>
+              <a:rPr lang="en-US" sz="1000" dirty="0">
+                <a:solidFill>
+                  <a:schemeClr val="bg1"/>
+                </a:solidFill>
+              </a:rPr>
+              <a:t>6</a:t>
+            </a:r>
+          </a:p>
+        </p:txBody>
+      </p:sp>
+      <p:sp>
+        <p:nvSpPr>
+          <p:cNvPr id="15" name="Rounded Rectangle 14">
+            <a:extLst>
+              <a:ext uri="{FF2B5EF4-FFF2-40B4-BE49-F238E27FC236}">
+                <a16:creationId xmlns:a16="http://schemas.microsoft.com/office/drawing/2014/main" id="{7DC44D7E-732D-1D42-B573-EC2C09E843D7}"/>
+              </a:ext>
+            </a:extLst>
+          </p:cNvPr>
+          <p:cNvSpPr/>
+          <p:nvPr/>
+        </p:nvSpPr>
+        <p:spPr>
+          <a:xfrm>
+            <a:off x="3696510" y="1401647"/>
+            <a:ext cx="423664" cy="135632"/>
+          </a:xfrm>
+          <a:prstGeom prst="roundRect">
+            <a:avLst/>
+          </a:prstGeom>
+          <a:solidFill>
+            <a:schemeClr val="accent2"/>
+          </a:solidFill>
+          <a:ln>
+            <a:noFill/>
+          </a:ln>
+        </p:spPr>
+        <p:style>
+          <a:lnRef idx="2">
+            <a:schemeClr val="accent1">
+              <a:shade val="50000"/>
+            </a:schemeClr>
+          </a:lnRef>
+          <a:fillRef idx="1">
+            <a:schemeClr val="accent1"/>
+          </a:fillRef>
+          <a:effectRef idx="0">
+            <a:schemeClr val="accent1"/>
+          </a:effectRef>
+          <a:fontRef idx="minor">
+            <a:schemeClr val="lt1"/>
+          </a:fontRef>
+        </p:style>
+        <p:txBody>
+          <a:bodyPr rtlCol="0" anchor="ctr"/>
+          <a:lstStyle/>
+          <a:p>
+            <a:pPr algn="ctr"/>
+            <a:r>
+              <a:rPr lang="en-US" sz="1000" dirty="0">
+                <a:solidFill>
+                  <a:schemeClr val="bg1"/>
+                </a:solidFill>
+              </a:rPr>
+              <a:t>7</a:t>
+            </a:r>
+          </a:p>
+        </p:txBody>
+      </p:sp>
+      <p:sp>
+        <p:nvSpPr>
+          <p:cNvPr id="16" name="Rounded Rectangle 15">
+            <a:extLst>
+              <a:ext uri="{FF2B5EF4-FFF2-40B4-BE49-F238E27FC236}">
+                <a16:creationId xmlns:a16="http://schemas.microsoft.com/office/drawing/2014/main" id="{1C6F099D-07FD-094B-BFE4-EE6E53488D40}"/>
+              </a:ext>
+            </a:extLst>
+          </p:cNvPr>
+          <p:cNvSpPr/>
+          <p:nvPr/>
+        </p:nvSpPr>
+        <p:spPr>
+          <a:xfrm>
+            <a:off x="4200566" y="1404790"/>
+            <a:ext cx="423664" cy="135632"/>
+          </a:xfrm>
+          <a:prstGeom prst="roundRect">
+            <a:avLst/>
+          </a:prstGeom>
+          <a:solidFill>
+            <a:schemeClr val="accent2"/>
+          </a:solidFill>
+          <a:ln>
+            <a:noFill/>
+          </a:ln>
+        </p:spPr>
+        <p:style>
+          <a:lnRef idx="2">
+            <a:schemeClr val="accent1">
+              <a:shade val="50000"/>
+            </a:schemeClr>
+          </a:lnRef>
+          <a:fillRef idx="1">
+            <a:schemeClr val="accent1"/>
+          </a:fillRef>
+          <a:effectRef idx="0">
+            <a:schemeClr val="accent1"/>
+          </a:effectRef>
+          <a:fontRef idx="minor">
+            <a:schemeClr val="lt1"/>
+          </a:fontRef>
+        </p:style>
+        <p:txBody>
+          <a:bodyPr rtlCol="0" anchor="ctr"/>
+          <a:lstStyle/>
+          <a:p>
+            <a:pPr algn="ctr"/>
+            <a:r>
+              <a:rPr lang="en-US" sz="1000" dirty="0">
+                <a:solidFill>
+                  <a:schemeClr val="bg1"/>
+                </a:solidFill>
+              </a:rPr>
+              <a:t>8</a:t>
+            </a:r>
+          </a:p>
+        </p:txBody>
+      </p:sp>
+      <p:sp>
+        <p:nvSpPr>
+          <p:cNvPr id="17" name="Rounded Rectangle 16">
+            <a:extLst>
+              <a:ext uri="{FF2B5EF4-FFF2-40B4-BE49-F238E27FC236}">
+                <a16:creationId xmlns:a16="http://schemas.microsoft.com/office/drawing/2014/main" id="{90691B9B-25AC-E841-B0D1-86CF976FE950}"/>
+              </a:ext>
+            </a:extLst>
+          </p:cNvPr>
+          <p:cNvSpPr/>
+          <p:nvPr/>
+        </p:nvSpPr>
+        <p:spPr>
+          <a:xfrm>
+            <a:off x="4704622" y="1405625"/>
+            <a:ext cx="423664" cy="135632"/>
+          </a:xfrm>
+          <a:prstGeom prst="roundRect">
+            <a:avLst/>
+          </a:prstGeom>
+          <a:solidFill>
+            <a:schemeClr val="accent2"/>
+          </a:solidFill>
+          <a:ln>
+            <a:noFill/>
+          </a:ln>
+        </p:spPr>
+        <p:style>
+          <a:lnRef idx="2">
+            <a:schemeClr val="accent1">
+              <a:shade val="50000"/>
+            </a:schemeClr>
+          </a:lnRef>
+          <a:fillRef idx="1">
+            <a:schemeClr val="accent1"/>
+          </a:fillRef>
+          <a:effectRef idx="0">
+            <a:schemeClr val="accent1"/>
+          </a:effectRef>
+          <a:fontRef idx="minor">
+            <a:schemeClr val="lt1"/>
+          </a:fontRef>
+        </p:style>
+        <p:txBody>
+          <a:bodyPr rtlCol="0" anchor="ctr"/>
+          <a:lstStyle/>
+          <a:p>
+            <a:pPr algn="ctr"/>
+            <a:r>
+              <a:rPr lang="en-US" sz="1000" dirty="0">
+                <a:solidFill>
+                  <a:schemeClr val="bg1"/>
+                </a:solidFill>
+              </a:rPr>
+              <a:t>9</a:t>
+            </a:r>
+          </a:p>
+        </p:txBody>
+      </p:sp>
+      <p:sp>
+        <p:nvSpPr>
+          <p:cNvPr id="18" name="Rounded Rectangle 17">
+            <a:extLst>
+              <a:ext uri="{FF2B5EF4-FFF2-40B4-BE49-F238E27FC236}">
+                <a16:creationId xmlns:a16="http://schemas.microsoft.com/office/drawing/2014/main" id="{29F873BE-3872-864E-AA19-62C786FD99AC}"/>
+              </a:ext>
+            </a:extLst>
+          </p:cNvPr>
+          <p:cNvSpPr/>
+          <p:nvPr/>
+        </p:nvSpPr>
+        <p:spPr>
+          <a:xfrm>
+            <a:off x="5208678" y="1408768"/>
+            <a:ext cx="423664" cy="135632"/>
+          </a:xfrm>
+          <a:prstGeom prst="roundRect">
+            <a:avLst/>
+          </a:prstGeom>
+          <a:solidFill>
+            <a:schemeClr val="accent2"/>
+          </a:solidFill>
+          <a:ln>
+            <a:noFill/>
+          </a:ln>
+        </p:spPr>
+        <p:style>
+          <a:lnRef idx="2">
+            <a:schemeClr val="accent1">
+              <a:shade val="50000"/>
+            </a:schemeClr>
+          </a:lnRef>
+          <a:fillRef idx="1">
+            <a:schemeClr val="accent1"/>
+          </a:fillRef>
+          <a:effectRef idx="0">
+            <a:schemeClr val="accent1"/>
+          </a:effectRef>
+          <a:fontRef idx="minor">
+            <a:schemeClr val="lt1"/>
+          </a:fontRef>
+        </p:style>
+        <p:txBody>
+          <a:bodyPr rtlCol="0" anchor="ctr"/>
+          <a:lstStyle/>
+          <a:p>
+            <a:pPr algn="ctr"/>
+            <a:r>
+              <a:rPr lang="en-US" sz="1000" dirty="0">
+                <a:solidFill>
+                  <a:schemeClr val="bg1"/>
+                </a:solidFill>
+              </a:rPr>
+              <a:t>10</a:t>
+            </a:r>
+          </a:p>
+        </p:txBody>
+      </p:sp>
+      <p:sp>
+        <p:nvSpPr>
+          <p:cNvPr id="19" name="Rounded Rectangle 18">
+            <a:extLst>
+              <a:ext uri="{FF2B5EF4-FFF2-40B4-BE49-F238E27FC236}">
+                <a16:creationId xmlns:a16="http://schemas.microsoft.com/office/drawing/2014/main" id="{16AFE635-53EB-BE47-BE26-0A853804B00B}"/>
+              </a:ext>
+            </a:extLst>
+          </p:cNvPr>
+          <p:cNvSpPr/>
+          <p:nvPr/>
+        </p:nvSpPr>
+        <p:spPr>
+          <a:xfrm>
+            <a:off x="5722345" y="1409860"/>
+            <a:ext cx="423664" cy="135632"/>
+          </a:xfrm>
+          <a:prstGeom prst="roundRect">
+            <a:avLst/>
+          </a:prstGeom>
+          <a:solidFill>
+            <a:schemeClr val="accent2"/>
+          </a:solidFill>
+          <a:ln>
+            <a:noFill/>
+          </a:ln>
+        </p:spPr>
+        <p:style>
+          <a:lnRef idx="2">
+            <a:schemeClr val="accent1">
+              <a:shade val="50000"/>
+            </a:schemeClr>
+          </a:lnRef>
+          <a:fillRef idx="1">
+            <a:schemeClr val="accent1"/>
+          </a:fillRef>
+          <a:effectRef idx="0">
+            <a:schemeClr val="accent1"/>
+          </a:effectRef>
+          <a:fontRef idx="minor">
+            <a:schemeClr val="lt1"/>
+          </a:fontRef>
+        </p:style>
+        <p:txBody>
+          <a:bodyPr rtlCol="0" anchor="ctr"/>
+          <a:lstStyle/>
+          <a:p>
+            <a:pPr algn="ctr"/>
+            <a:r>
+              <a:rPr lang="en-US" sz="1000" dirty="0">
+                <a:solidFill>
+                  <a:schemeClr val="bg1"/>
+                </a:solidFill>
+              </a:rPr>
+              <a:t>11</a:t>
+            </a:r>
+          </a:p>
+        </p:txBody>
+      </p:sp>
+      <p:sp>
+        <p:nvSpPr>
+          <p:cNvPr id="20" name="Rounded Rectangle 19">
+            <a:extLst>
+              <a:ext uri="{FF2B5EF4-FFF2-40B4-BE49-F238E27FC236}">
+                <a16:creationId xmlns:a16="http://schemas.microsoft.com/office/drawing/2014/main" id="{64B19FE0-2820-5346-A79A-071DD456AB51}"/>
+              </a:ext>
+            </a:extLst>
+          </p:cNvPr>
+          <p:cNvSpPr/>
+          <p:nvPr/>
+        </p:nvSpPr>
+        <p:spPr>
+          <a:xfrm>
+            <a:off x="6226401" y="1413003"/>
+            <a:ext cx="423664" cy="135632"/>
+          </a:xfrm>
+          <a:prstGeom prst="roundRect">
+            <a:avLst/>
+          </a:prstGeom>
+          <a:solidFill>
+            <a:schemeClr val="accent2"/>
+          </a:solidFill>
+          <a:ln>
+            <a:noFill/>
+          </a:ln>
+        </p:spPr>
+        <p:style>
+          <a:lnRef idx="2">
+            <a:schemeClr val="accent1">
+              <a:shade val="50000"/>
+            </a:schemeClr>
+          </a:lnRef>
+          <a:fillRef idx="1">
+            <a:schemeClr val="accent1"/>
+          </a:fillRef>
+          <a:effectRef idx="0">
+            <a:schemeClr val="accent1"/>
+          </a:effectRef>
+          <a:fontRef idx="minor">
+            <a:schemeClr val="lt1"/>
+          </a:fontRef>
+        </p:style>
+        <p:txBody>
+          <a:bodyPr rtlCol="0" anchor="ctr"/>
+          <a:lstStyle/>
+          <a:p>
+            <a:pPr algn="ctr"/>
+            <a:r>
+              <a:rPr lang="en-US" sz="1000" dirty="0">
+                <a:solidFill>
+                  <a:schemeClr val="bg1"/>
+                </a:solidFill>
+              </a:rPr>
+              <a:t>12</a:t>
+            </a:r>
+          </a:p>
+        </p:txBody>
+      </p:sp>
+      <p:sp>
+        <p:nvSpPr>
+          <p:cNvPr id="21" name="Rounded Rectangle 20">
+            <a:extLst>
+              <a:ext uri="{FF2B5EF4-FFF2-40B4-BE49-F238E27FC236}">
+                <a16:creationId xmlns:a16="http://schemas.microsoft.com/office/drawing/2014/main" id="{4D7CA54E-4FF8-E844-87CE-3E3D709BAA7F}"/>
+              </a:ext>
+            </a:extLst>
+          </p:cNvPr>
+          <p:cNvSpPr/>
+          <p:nvPr/>
+        </p:nvSpPr>
+        <p:spPr>
+          <a:xfrm>
+            <a:off x="6775437" y="1408768"/>
+            <a:ext cx="423664" cy="135632"/>
+          </a:xfrm>
+          <a:prstGeom prst="roundRect">
+            <a:avLst/>
+          </a:prstGeom>
+          <a:solidFill>
+            <a:schemeClr val="accent2"/>
+          </a:solidFill>
+          <a:ln>
+            <a:noFill/>
+          </a:ln>
+        </p:spPr>
+        <p:style>
+          <a:lnRef idx="2">
+            <a:schemeClr val="accent1">
+              <a:shade val="50000"/>
+            </a:schemeClr>
+          </a:lnRef>
+          <a:fillRef idx="1">
+            <a:schemeClr val="accent1"/>
+          </a:fillRef>
+          <a:effectRef idx="0">
+            <a:schemeClr val="accent1"/>
+          </a:effectRef>
+          <a:fontRef idx="minor">
+            <a:schemeClr val="lt1"/>
+          </a:fontRef>
+        </p:style>
+        <p:txBody>
+          <a:bodyPr rtlCol="0" anchor="ctr"/>
+          <a:lstStyle/>
+          <a:p>
+            <a:pPr algn="ctr"/>
+            <a:r>
+              <a:rPr lang="en-US" sz="1000" dirty="0">
+                <a:solidFill>
+                  <a:schemeClr val="bg1"/>
+                </a:solidFill>
+              </a:rPr>
+              <a:t>13</a:t>
+            </a:r>
+          </a:p>
+        </p:txBody>
+      </p:sp>
+      <p:sp>
+        <p:nvSpPr>
+          <p:cNvPr id="22" name="Rounded Rectangle 21">
+            <a:extLst>
+              <a:ext uri="{FF2B5EF4-FFF2-40B4-BE49-F238E27FC236}">
+                <a16:creationId xmlns:a16="http://schemas.microsoft.com/office/drawing/2014/main" id="{605243AE-D18B-0A45-B063-11A43AFEE53B}"/>
+              </a:ext>
+            </a:extLst>
+          </p:cNvPr>
+          <p:cNvSpPr/>
+          <p:nvPr/>
+        </p:nvSpPr>
+        <p:spPr>
+          <a:xfrm>
+            <a:off x="7279493" y="1411911"/>
+            <a:ext cx="423664" cy="135632"/>
+          </a:xfrm>
+          <a:prstGeom prst="roundRect">
+            <a:avLst/>
+          </a:prstGeom>
+          <a:solidFill>
+            <a:schemeClr val="accent2"/>
+          </a:solidFill>
+          <a:ln>
+            <a:noFill/>
+          </a:ln>
+        </p:spPr>
+        <p:style>
+          <a:lnRef idx="2">
+            <a:schemeClr val="accent1">
+              <a:shade val="50000"/>
+            </a:schemeClr>
+          </a:lnRef>
+          <a:fillRef idx="1">
+            <a:schemeClr val="accent1"/>
+          </a:fillRef>
+          <a:effectRef idx="0">
+            <a:schemeClr val="accent1"/>
+          </a:effectRef>
+          <a:fontRef idx="minor">
+            <a:schemeClr val="lt1"/>
+          </a:fontRef>
+        </p:style>
+        <p:txBody>
+          <a:bodyPr rtlCol="0" anchor="ctr"/>
+          <a:lstStyle/>
+          <a:p>
+            <a:pPr algn="ctr"/>
+            <a:r>
+              <a:rPr lang="en-US" sz="1000" dirty="0">
+                <a:solidFill>
+                  <a:schemeClr val="bg1"/>
+                </a:solidFill>
+              </a:rPr>
+              <a:t>14</a:t>
+            </a:r>
+          </a:p>
+        </p:txBody>
+      </p:sp>
+      <p:sp>
+        <p:nvSpPr>
+          <p:cNvPr id="23" name="Rounded Rectangle 22">
+            <a:extLst>
+              <a:ext uri="{FF2B5EF4-FFF2-40B4-BE49-F238E27FC236}">
+                <a16:creationId xmlns:a16="http://schemas.microsoft.com/office/drawing/2014/main" id="{3F8DE1BA-FF66-3848-9A1E-B1890C7B43D7}"/>
+              </a:ext>
+            </a:extLst>
+          </p:cNvPr>
+          <p:cNvSpPr/>
+          <p:nvPr/>
+        </p:nvSpPr>
+        <p:spPr>
+          <a:xfrm>
+            <a:off x="7793160" y="1413003"/>
+            <a:ext cx="423664" cy="135632"/>
+          </a:xfrm>
+          <a:prstGeom prst="roundRect">
+            <a:avLst/>
+          </a:prstGeom>
+          <a:solidFill>
+            <a:schemeClr val="accent2"/>
+          </a:solidFill>
+          <a:ln>
+            <a:noFill/>
+          </a:ln>
+        </p:spPr>
+        <p:style>
+          <a:lnRef idx="2">
+            <a:schemeClr val="accent1">
+              <a:shade val="50000"/>
+            </a:schemeClr>
+          </a:lnRef>
+          <a:fillRef idx="1">
+            <a:schemeClr val="accent1"/>
+          </a:fillRef>
+          <a:effectRef idx="0">
+            <a:schemeClr val="accent1"/>
+          </a:effectRef>
+          <a:fontRef idx="minor">
+            <a:schemeClr val="lt1"/>
+          </a:fontRef>
+        </p:style>
+        <p:txBody>
+          <a:bodyPr rtlCol="0" anchor="ctr"/>
+          <a:lstStyle/>
+          <a:p>
+            <a:pPr algn="ctr"/>
+            <a:r>
+              <a:rPr lang="en-US" sz="1000" dirty="0">
+                <a:solidFill>
+                  <a:schemeClr val="bg1"/>
+                </a:solidFill>
+              </a:rPr>
+              <a:t>15</a:t>
+            </a:r>
+          </a:p>
+        </p:txBody>
+      </p:sp>
+      <p:sp>
+        <p:nvSpPr>
+          <p:cNvPr id="24" name="Rounded Rectangle 23">
+            <a:extLst>
+              <a:ext uri="{FF2B5EF4-FFF2-40B4-BE49-F238E27FC236}">
+                <a16:creationId xmlns:a16="http://schemas.microsoft.com/office/drawing/2014/main" id="{E07B029D-A9D5-664E-9A58-FDADC1335B15}"/>
+              </a:ext>
+            </a:extLst>
+          </p:cNvPr>
+          <p:cNvSpPr/>
+          <p:nvPr/>
+        </p:nvSpPr>
+        <p:spPr>
+          <a:xfrm>
+            <a:off x="8300804" y="1410970"/>
+            <a:ext cx="423664" cy="135632"/>
+          </a:xfrm>
+          <a:prstGeom prst="roundRect">
+            <a:avLst/>
+          </a:prstGeom>
+          <a:solidFill>
+            <a:schemeClr val="accent2"/>
+          </a:solidFill>
+          <a:ln>
+            <a:noFill/>
+          </a:ln>
+        </p:spPr>
+        <p:style>
+          <a:lnRef idx="2">
+            <a:schemeClr val="accent1">
+              <a:shade val="50000"/>
+            </a:schemeClr>
+          </a:lnRef>
+          <a:fillRef idx="1">
+            <a:schemeClr val="accent1"/>
+          </a:fillRef>
+          <a:effectRef idx="0">
+            <a:schemeClr val="accent1"/>
+          </a:effectRef>
+          <a:fontRef idx="minor">
+            <a:schemeClr val="lt1"/>
+          </a:fontRef>
+        </p:style>
+        <p:txBody>
+          <a:bodyPr rtlCol="0" anchor="ctr"/>
+          <a:lstStyle/>
+          <a:p>
+            <a:pPr algn="ctr"/>
+            <a:r>
+              <a:rPr lang="en-US" sz="1000" dirty="0">
+                <a:solidFill>
+                  <a:schemeClr val="bg1"/>
+                </a:solidFill>
+              </a:rPr>
+              <a:t>16</a:t>
+            </a:r>
+          </a:p>
+        </p:txBody>
+      </p:sp>
+      <p:sp>
+        <p:nvSpPr>
+          <p:cNvPr id="30" name="Rounded Rectangle 6">
+            <a:extLst>
+              <a:ext uri="{FF2B5EF4-FFF2-40B4-BE49-F238E27FC236}">
+                <a16:creationId xmlns:a16="http://schemas.microsoft.com/office/drawing/2014/main" id="{A78FB1ED-94C2-3B4E-8319-C0C2CBC13691}"/>
+              </a:ext>
+            </a:extLst>
+          </p:cNvPr>
+          <p:cNvSpPr/>
+          <p:nvPr/>
+        </p:nvSpPr>
+        <p:spPr>
+          <a:xfrm>
+            <a:off x="2133339" y="2123107"/>
+            <a:ext cx="1998758" cy="346690"/>
+          </a:xfrm>
+          <a:prstGeom prst="roundRect">
+            <a:avLst/>
+          </a:prstGeom>
+          <a:ln>
+            <a:noFill/>
+          </a:ln>
+        </p:spPr>
+        <p:style>
+          <a:lnRef idx="2">
+            <a:schemeClr val="accent1">
+              <a:shade val="50000"/>
+            </a:schemeClr>
+          </a:lnRef>
+          <a:fillRef idx="1">
+            <a:schemeClr val="accent1"/>
+          </a:fillRef>
+          <a:effectRef idx="0">
+            <a:schemeClr val="accent1"/>
+          </a:effectRef>
+          <a:fontRef idx="minor">
+            <a:schemeClr val="lt1"/>
+          </a:fontRef>
+        </p:style>
+        <p:txBody>
+          <a:bodyPr rtlCol="0" anchor="ctr"/>
+          <a:lstStyle/>
+          <a:p>
+            <a:pPr algn="ctr"/>
+            <a:r>
+              <a:rPr lang="en-US" sz="1000" dirty="0" err="1">
+                <a:solidFill>
+                  <a:schemeClr val="bg1"/>
+                </a:solidFill>
+              </a:rPr>
+              <a:t>Persistencia</a:t>
+            </a:r>
+            <a:r>
+              <a:rPr lang="en-US" sz="1000" dirty="0">
+                <a:solidFill>
+                  <a:schemeClr val="bg1"/>
+                </a:solidFill>
+              </a:rPr>
+              <a:t> y </a:t>
+            </a:r>
+          </a:p>
+          <a:p>
+            <a:pPr algn="ctr"/>
+            <a:r>
+              <a:rPr lang="en-US" sz="1000" dirty="0" err="1">
+                <a:solidFill>
+                  <a:schemeClr val="bg1"/>
+                </a:solidFill>
+              </a:rPr>
+              <a:t>ordenamiento</a:t>
+            </a:r>
+            <a:endParaRPr lang="en-US" sz="1000" dirty="0">
+              <a:solidFill>
+                <a:schemeClr val="bg1"/>
+              </a:solidFill>
+            </a:endParaRPr>
+          </a:p>
+        </p:txBody>
+      </p:sp>
+      <p:sp>
+        <p:nvSpPr>
+          <p:cNvPr id="35" name="Rounded Rectangle 6">
+            <a:extLst>
+              <a:ext uri="{FF2B5EF4-FFF2-40B4-BE49-F238E27FC236}">
+                <a16:creationId xmlns:a16="http://schemas.microsoft.com/office/drawing/2014/main" id="{806D9373-536A-FE48-AADD-C38A5399E990}"/>
+              </a:ext>
+            </a:extLst>
+          </p:cNvPr>
+          <p:cNvSpPr/>
+          <p:nvPr/>
+        </p:nvSpPr>
+        <p:spPr>
+          <a:xfrm>
+            <a:off x="5208678" y="3075806"/>
+            <a:ext cx="937332" cy="346690"/>
+          </a:xfrm>
+          <a:prstGeom prst="roundRect">
+            <a:avLst/>
+          </a:prstGeom>
+          <a:ln>
+            <a:noFill/>
+          </a:ln>
+        </p:spPr>
+        <p:style>
+          <a:lnRef idx="2">
+            <a:schemeClr val="accent1">
+              <a:shade val="50000"/>
+            </a:schemeClr>
+          </a:lnRef>
+          <a:fillRef idx="1">
+            <a:schemeClr val="accent1"/>
+          </a:fillRef>
+          <a:effectRef idx="0">
+            <a:schemeClr val="accent1"/>
+          </a:effectRef>
+          <a:fontRef idx="minor">
+            <a:schemeClr val="lt1"/>
+          </a:fontRef>
+        </p:style>
+        <p:txBody>
+          <a:bodyPr rtlCol="0" anchor="ctr"/>
+          <a:lstStyle/>
+          <a:p>
+            <a:pPr algn="ctr"/>
+            <a:r>
+              <a:rPr lang="en-US" sz="1000" dirty="0" err="1">
+                <a:solidFill>
+                  <a:schemeClr val="bg1"/>
+                </a:solidFill>
+              </a:rPr>
+              <a:t>Estructuras</a:t>
+            </a:r>
+            <a:r>
+              <a:rPr lang="en-US" sz="1000" dirty="0">
+                <a:solidFill>
+                  <a:schemeClr val="bg1"/>
+                </a:solidFill>
+              </a:rPr>
+              <a:t> </a:t>
+            </a:r>
+            <a:r>
+              <a:rPr lang="en-US" sz="1000" dirty="0" err="1">
+                <a:solidFill>
+                  <a:schemeClr val="bg1"/>
+                </a:solidFill>
+              </a:rPr>
+              <a:t>lineales</a:t>
+            </a:r>
+            <a:endParaRPr lang="en-US" sz="1000" dirty="0">
+              <a:solidFill>
+                <a:schemeClr val="bg1"/>
+              </a:solidFill>
+            </a:endParaRPr>
+          </a:p>
+        </p:txBody>
+      </p:sp>
+      <p:sp>
+        <p:nvSpPr>
+          <p:cNvPr id="41" name="Rounded Rectangle 6">
+            <a:extLst>
+              <a:ext uri="{FF2B5EF4-FFF2-40B4-BE49-F238E27FC236}">
+                <a16:creationId xmlns:a16="http://schemas.microsoft.com/office/drawing/2014/main" id="{A898665B-CA02-EF4A-96FB-71B96F001134}"/>
+              </a:ext>
+            </a:extLst>
+          </p:cNvPr>
+          <p:cNvSpPr/>
+          <p:nvPr/>
+        </p:nvSpPr>
+        <p:spPr>
+          <a:xfrm>
+            <a:off x="6226402" y="3554249"/>
+            <a:ext cx="1990422" cy="346690"/>
+          </a:xfrm>
+          <a:prstGeom prst="roundRect">
+            <a:avLst/>
+          </a:prstGeom>
+          <a:ln>
+            <a:noFill/>
+          </a:ln>
+        </p:spPr>
+        <p:style>
+          <a:lnRef idx="2">
+            <a:schemeClr val="accent1">
+              <a:shade val="50000"/>
+            </a:schemeClr>
+          </a:lnRef>
+          <a:fillRef idx="1">
+            <a:schemeClr val="accent1"/>
+          </a:fillRef>
+          <a:effectRef idx="0">
+            <a:schemeClr val="accent1"/>
+          </a:effectRef>
+          <a:fontRef idx="minor">
+            <a:schemeClr val="lt1"/>
+          </a:fontRef>
+        </p:style>
+        <p:txBody>
+          <a:bodyPr rtlCol="0" anchor="ctr"/>
+          <a:lstStyle/>
+          <a:p>
+            <a:pPr algn="ctr"/>
+            <a:r>
+              <a:rPr lang="en-US" sz="1000" dirty="0" err="1">
+                <a:solidFill>
+                  <a:schemeClr val="bg1"/>
+                </a:solidFill>
+              </a:rPr>
+              <a:t>Algoritmos</a:t>
+            </a:r>
+            <a:r>
+              <a:rPr lang="en-US" sz="1000" dirty="0">
+                <a:solidFill>
+                  <a:schemeClr val="bg1"/>
+                </a:solidFill>
+              </a:rPr>
+              <a:t> y </a:t>
+            </a:r>
+            <a:r>
+              <a:rPr lang="en-US" sz="1000" dirty="0" err="1">
+                <a:solidFill>
+                  <a:schemeClr val="bg1"/>
+                </a:solidFill>
+              </a:rPr>
+              <a:t>estructuras</a:t>
+            </a:r>
+            <a:r>
+              <a:rPr lang="en-US" sz="1000" dirty="0">
+                <a:solidFill>
+                  <a:schemeClr val="bg1"/>
+                </a:solidFill>
+              </a:rPr>
+              <a:t> </a:t>
+            </a:r>
+            <a:r>
+              <a:rPr lang="en-US" sz="1000" dirty="0" err="1">
+                <a:solidFill>
+                  <a:schemeClr val="bg1"/>
+                </a:solidFill>
+              </a:rPr>
+              <a:t>recursivas</a:t>
+            </a:r>
+            <a:endParaRPr lang="en-US" sz="1000" dirty="0">
+              <a:solidFill>
+                <a:schemeClr val="bg1"/>
+              </a:solidFill>
+            </a:endParaRPr>
+          </a:p>
+        </p:txBody>
+      </p:sp>
+      <p:sp>
+        <p:nvSpPr>
+          <p:cNvPr id="42" name="Rounded Rectangle 6">
+            <a:extLst>
+              <a:ext uri="{FF2B5EF4-FFF2-40B4-BE49-F238E27FC236}">
+                <a16:creationId xmlns:a16="http://schemas.microsoft.com/office/drawing/2014/main" id="{F811E728-6C41-D245-922F-562C58EC072A}"/>
+              </a:ext>
+            </a:extLst>
+          </p:cNvPr>
+          <p:cNvSpPr/>
+          <p:nvPr/>
+        </p:nvSpPr>
+        <p:spPr>
+          <a:xfrm>
+            <a:off x="7793159" y="4083918"/>
+            <a:ext cx="927719" cy="346690"/>
+          </a:xfrm>
+          <a:prstGeom prst="roundRect">
+            <a:avLst/>
+          </a:prstGeom>
+          <a:ln>
+            <a:noFill/>
+          </a:ln>
+        </p:spPr>
+        <p:style>
+          <a:lnRef idx="2">
+            <a:schemeClr val="accent1">
+              <a:shade val="50000"/>
+            </a:schemeClr>
+          </a:lnRef>
+          <a:fillRef idx="1">
+            <a:schemeClr val="accent1"/>
+          </a:fillRef>
+          <a:effectRef idx="0">
+            <a:schemeClr val="accent1"/>
+          </a:effectRef>
+          <a:fontRef idx="minor">
+            <a:schemeClr val="lt1"/>
+          </a:fontRef>
+        </p:style>
+        <p:txBody>
+          <a:bodyPr rtlCol="0" anchor="ctr"/>
+          <a:lstStyle/>
+          <a:p>
+            <a:pPr algn="ctr"/>
+            <a:r>
+              <a:rPr lang="en-US" sz="1000" dirty="0" err="1">
+                <a:solidFill>
+                  <a:schemeClr val="bg1"/>
+                </a:solidFill>
+              </a:rPr>
+              <a:t>Concurrencia</a:t>
+            </a:r>
+            <a:r>
+              <a:rPr lang="en-US" sz="1000" dirty="0">
+                <a:solidFill>
+                  <a:schemeClr val="bg1"/>
+                </a:solidFill>
+              </a:rPr>
+              <a:t> y </a:t>
+            </a:r>
+            <a:r>
+              <a:rPr lang="en-US" sz="1000" dirty="0" err="1">
+                <a:solidFill>
+                  <a:schemeClr val="bg1"/>
+                </a:solidFill>
+              </a:rPr>
+              <a:t>dibujo</a:t>
+            </a:r>
+            <a:r>
+              <a:rPr lang="en-US" sz="1000" dirty="0">
+                <a:solidFill>
+                  <a:schemeClr val="bg1"/>
+                </a:solidFill>
+              </a:rPr>
+              <a:t> 2D</a:t>
+            </a:r>
+          </a:p>
+        </p:txBody>
+      </p:sp>
+      <p:sp>
+        <p:nvSpPr>
+          <p:cNvPr id="43" name="Elipse 42">
+            <a:extLst>
+              <a:ext uri="{FF2B5EF4-FFF2-40B4-BE49-F238E27FC236}">
+                <a16:creationId xmlns:a16="http://schemas.microsoft.com/office/drawing/2014/main" id="{7B6679CF-571F-EF45-87DF-666BD43CFEAA}"/>
+              </a:ext>
+            </a:extLst>
+          </p:cNvPr>
+          <p:cNvSpPr/>
+          <p:nvPr/>
+        </p:nvSpPr>
+        <p:spPr>
+          <a:xfrm>
+            <a:off x="462920" y="1763067"/>
+            <a:ext cx="360040" cy="360040"/>
+          </a:xfrm>
+          <a:prstGeom prst="ellipse">
+            <a:avLst/>
+          </a:prstGeom>
+          <a:ln>
+            <a:noFill/>
+          </a:ln>
+        </p:spPr>
+        <p:style>
+          <a:lnRef idx="2">
+            <a:schemeClr val="accent1">
+              <a:shade val="50000"/>
+            </a:schemeClr>
+          </a:lnRef>
+          <a:fillRef idx="1">
+            <a:schemeClr val="accent1"/>
+          </a:fillRef>
+          <a:effectRef idx="0">
+            <a:schemeClr val="accent1"/>
+          </a:effectRef>
+          <a:fontRef idx="minor">
+            <a:schemeClr val="lt1"/>
+          </a:fontRef>
+        </p:style>
+        <p:txBody>
+          <a:bodyPr rtlCol="0" anchor="ctr"/>
+          <a:lstStyle/>
+          <a:p>
+            <a:pPr algn="ctr"/>
+            <a:r>
               <a:rPr lang="es-ES" dirty="0">
                 <a:solidFill>
                   <a:schemeClr val="bg1"/>
@@ -10805,64 +10685,12 @@
           </a:p>
         </p:txBody>
       </p:sp>
-      <p:pic>
-        <p:nvPicPr>
-          <p:cNvPr id="1026" name="Picture 2" descr="Interfaz gráfica de usuario o GUI: Qué es y Para qué sirve | Workana">
+      <p:sp>
+        <p:nvSpPr>
+          <p:cNvPr id="44" name="Elipse 43">
             <a:extLst>
               <a:ext uri="{FF2B5EF4-FFF2-40B4-BE49-F238E27FC236}">
-                <a16:creationId xmlns:a16="http://schemas.microsoft.com/office/drawing/2014/main" id="{B60F6265-D2F3-D642-9CC7-2944C731E045}"/>
-              </a:ext>
-            </a:extLst>
-          </p:cNvPr>
-          <p:cNvPicPr>
-            <a:picLocks noChangeAspect="1" noChangeArrowheads="1"/>
-          </p:cNvPicPr>
-          <p:nvPr/>
-        </p:nvPicPr>
-        <p:blipFill>
-          <a:blip r:embed="rId3">
-            <a:extLst>
-              <a:ext uri="{28A0092B-C50C-407E-A947-70E740481C1C}">
-                <a14:useLocalDpi xmlns:a14="http://schemas.microsoft.com/office/drawing/2010/main" val="0"/>
-              </a:ext>
-            </a:extLst>
-          </a:blip>
-          <a:srcRect/>
-          <a:stretch>
-            <a:fillRect/>
-          </a:stretch>
-        </p:blipFill>
-        <p:spPr bwMode="auto">
-          <a:xfrm>
-            <a:off x="3563888" y="1479792"/>
-            <a:ext cx="5328592" cy="2507954"/>
-          </a:xfrm>
-          <a:prstGeom prst="rect">
-            <a:avLst/>
-          </a:prstGeom>
-          <a:noFill/>
-          <a:ln>
-            <a:solidFill>
-              <a:schemeClr val="tx1"/>
-            </a:solidFill>
-          </a:ln>
-          <a:extLst>
-            <a:ext uri="{909E8E84-426E-40DD-AFC4-6F175D3DCCD1}">
-              <a14:hiddenFill xmlns:a14="http://schemas.microsoft.com/office/drawing/2010/main">
-                <a:solidFill>
-                  <a:srgbClr val="FFFFFF"/>
-                </a:solidFill>
-              </a14:hiddenFill>
-            </a:ext>
-          </a:extLst>
-        </p:spPr>
-      </p:pic>
-      <p:sp>
-        <p:nvSpPr>
-          <p:cNvPr id="4" name="Rectángulo 3">
-            <a:extLst>
-              <a:ext uri="{FF2B5EF4-FFF2-40B4-BE49-F238E27FC236}">
-                <a16:creationId xmlns:a16="http://schemas.microsoft.com/office/drawing/2014/main" id="{3C501BEC-C3C6-7143-BBE9-D9F6937B6CA5}"/>
+                <a16:creationId xmlns:a16="http://schemas.microsoft.com/office/drawing/2014/main" id="{D5C46C6F-4F3C-0345-8301-85C464A5D132}"/>
               </a:ext>
             </a:extLst>
           </p:cNvPr>
@@ -10871,8 +10699,382 @@
         </p:nvSpPr>
         <p:spPr>
           <a:xfrm>
-            <a:off x="1187624" y="4164517"/>
-            <a:ext cx="6311343" cy="523220"/>
+            <a:off x="1953319" y="2289777"/>
+            <a:ext cx="360040" cy="360040"/>
+          </a:xfrm>
+          <a:prstGeom prst="ellipse">
+            <a:avLst/>
+          </a:prstGeom>
+          <a:ln>
+            <a:noFill/>
+          </a:ln>
+        </p:spPr>
+        <p:style>
+          <a:lnRef idx="2">
+            <a:schemeClr val="accent1">
+              <a:shade val="50000"/>
+            </a:schemeClr>
+          </a:lnRef>
+          <a:fillRef idx="1">
+            <a:schemeClr val="accent1"/>
+          </a:fillRef>
+          <a:effectRef idx="0">
+            <a:schemeClr val="accent1"/>
+          </a:effectRef>
+          <a:fontRef idx="minor">
+            <a:schemeClr val="lt1"/>
+          </a:fontRef>
+        </p:style>
+        <p:txBody>
+          <a:bodyPr rtlCol="0" anchor="ctr"/>
+          <a:lstStyle/>
+          <a:p>
+            <a:pPr algn="ctr"/>
+            <a:r>
+              <a:rPr lang="es-ES" dirty="0">
+                <a:solidFill>
+                  <a:schemeClr val="bg1"/>
+                </a:solidFill>
+              </a:rPr>
+              <a:t>2</a:t>
+            </a:r>
+            <a:endParaRPr lang="es-CO" dirty="0">
+              <a:solidFill>
+                <a:schemeClr val="bg1"/>
+              </a:solidFill>
+            </a:endParaRPr>
+          </a:p>
+        </p:txBody>
+      </p:sp>
+      <p:sp>
+        <p:nvSpPr>
+          <p:cNvPr id="45" name="Elipse 44">
+            <a:extLst>
+              <a:ext uri="{FF2B5EF4-FFF2-40B4-BE49-F238E27FC236}">
+                <a16:creationId xmlns:a16="http://schemas.microsoft.com/office/drawing/2014/main" id="{B905898A-8EE2-134F-8846-71DDD2DF3287}"/>
+              </a:ext>
+            </a:extLst>
+          </p:cNvPr>
+          <p:cNvSpPr/>
+          <p:nvPr/>
+        </p:nvSpPr>
+        <p:spPr>
+          <a:xfrm>
+            <a:off x="4020546" y="2733788"/>
+            <a:ext cx="360040" cy="360040"/>
+          </a:xfrm>
+          <a:prstGeom prst="ellipse">
+            <a:avLst/>
+          </a:prstGeom>
+          <a:ln>
+            <a:noFill/>
+          </a:ln>
+        </p:spPr>
+        <p:style>
+          <a:lnRef idx="2">
+            <a:schemeClr val="accent1">
+              <a:shade val="50000"/>
+            </a:schemeClr>
+          </a:lnRef>
+          <a:fillRef idx="1">
+            <a:schemeClr val="accent1"/>
+          </a:fillRef>
+          <a:effectRef idx="0">
+            <a:schemeClr val="accent1"/>
+          </a:effectRef>
+          <a:fontRef idx="minor">
+            <a:schemeClr val="lt1"/>
+          </a:fontRef>
+        </p:style>
+        <p:txBody>
+          <a:bodyPr rtlCol="0" anchor="ctr"/>
+          <a:lstStyle/>
+          <a:p>
+            <a:pPr algn="ctr"/>
+            <a:endParaRPr lang="es-CO" dirty="0">
+              <a:solidFill>
+                <a:schemeClr val="bg1"/>
+              </a:solidFill>
+            </a:endParaRPr>
+          </a:p>
+        </p:txBody>
+      </p:sp>
+      <p:sp>
+        <p:nvSpPr>
+          <p:cNvPr id="46" name="Rounded Rectangle 6">
+            <a:extLst>
+              <a:ext uri="{FF2B5EF4-FFF2-40B4-BE49-F238E27FC236}">
+                <a16:creationId xmlns:a16="http://schemas.microsoft.com/office/drawing/2014/main" id="{3E595EDD-B396-A94F-B3D9-DFB89F0C3B84}"/>
+              </a:ext>
+            </a:extLst>
+          </p:cNvPr>
+          <p:cNvSpPr/>
+          <p:nvPr/>
+        </p:nvSpPr>
+        <p:spPr>
+          <a:xfrm>
+            <a:off x="4200566" y="2571750"/>
+            <a:ext cx="927720" cy="346690"/>
+          </a:xfrm>
+          <a:prstGeom prst="roundRect">
+            <a:avLst/>
+          </a:prstGeom>
+          <a:ln>
+            <a:noFill/>
+          </a:ln>
+        </p:spPr>
+        <p:style>
+          <a:lnRef idx="2">
+            <a:schemeClr val="accent1">
+              <a:shade val="50000"/>
+            </a:schemeClr>
+          </a:lnRef>
+          <a:fillRef idx="1">
+            <a:schemeClr val="accent1"/>
+          </a:fillRef>
+          <a:effectRef idx="0">
+            <a:schemeClr val="accent1"/>
+          </a:effectRef>
+          <a:fontRef idx="minor">
+            <a:schemeClr val="lt1"/>
+          </a:fontRef>
+        </p:style>
+        <p:txBody>
+          <a:bodyPr rtlCol="0" anchor="ctr"/>
+          <a:lstStyle/>
+          <a:p>
+            <a:pPr algn="ctr"/>
+            <a:r>
+              <a:rPr lang="en-US" sz="1000" dirty="0" err="1">
+                <a:solidFill>
+                  <a:schemeClr val="bg1"/>
+                </a:solidFill>
+              </a:rPr>
+              <a:t>Pruebas</a:t>
+            </a:r>
+            <a:r>
+              <a:rPr lang="en-US" sz="1000" dirty="0">
+                <a:solidFill>
+                  <a:schemeClr val="bg1"/>
+                </a:solidFill>
+              </a:rPr>
+              <a:t> y </a:t>
+            </a:r>
+            <a:r>
+              <a:rPr lang="en-US" sz="1000" dirty="0" err="1">
+                <a:solidFill>
+                  <a:schemeClr val="bg1"/>
+                </a:solidFill>
+              </a:rPr>
+              <a:t>excepciones</a:t>
+            </a:r>
+            <a:endParaRPr lang="en-US" sz="1000" dirty="0">
+              <a:solidFill>
+                <a:schemeClr val="bg1"/>
+              </a:solidFill>
+            </a:endParaRPr>
+          </a:p>
+        </p:txBody>
+      </p:sp>
+      <p:sp>
+        <p:nvSpPr>
+          <p:cNvPr id="47" name="Elipse 46">
+            <a:extLst>
+              <a:ext uri="{FF2B5EF4-FFF2-40B4-BE49-F238E27FC236}">
+                <a16:creationId xmlns:a16="http://schemas.microsoft.com/office/drawing/2014/main" id="{3C1C007B-EF48-EB46-8607-5E663FF9F1D2}"/>
+              </a:ext>
+            </a:extLst>
+          </p:cNvPr>
+          <p:cNvSpPr/>
+          <p:nvPr/>
+        </p:nvSpPr>
+        <p:spPr>
+          <a:xfrm>
+            <a:off x="5028658" y="3239061"/>
+            <a:ext cx="360040" cy="360040"/>
+          </a:xfrm>
+          <a:prstGeom prst="ellipse">
+            <a:avLst/>
+          </a:prstGeom>
+          <a:ln>
+            <a:noFill/>
+          </a:ln>
+        </p:spPr>
+        <p:style>
+          <a:lnRef idx="2">
+            <a:schemeClr val="accent1">
+              <a:shade val="50000"/>
+            </a:schemeClr>
+          </a:lnRef>
+          <a:fillRef idx="1">
+            <a:schemeClr val="accent1"/>
+          </a:fillRef>
+          <a:effectRef idx="0">
+            <a:schemeClr val="accent1"/>
+          </a:effectRef>
+          <a:fontRef idx="minor">
+            <a:schemeClr val="lt1"/>
+          </a:fontRef>
+        </p:style>
+        <p:txBody>
+          <a:bodyPr rtlCol="0" anchor="ctr"/>
+          <a:lstStyle/>
+          <a:p>
+            <a:pPr algn="ctr"/>
+            <a:r>
+              <a:rPr lang="es-ES" dirty="0">
+                <a:solidFill>
+                  <a:schemeClr val="bg1"/>
+                </a:solidFill>
+              </a:rPr>
+              <a:t>4</a:t>
+            </a:r>
+            <a:endParaRPr lang="es-CO" dirty="0">
+              <a:solidFill>
+                <a:schemeClr val="bg1"/>
+              </a:solidFill>
+            </a:endParaRPr>
+          </a:p>
+        </p:txBody>
+      </p:sp>
+      <p:sp>
+        <p:nvSpPr>
+          <p:cNvPr id="48" name="Elipse 47">
+            <a:extLst>
+              <a:ext uri="{FF2B5EF4-FFF2-40B4-BE49-F238E27FC236}">
+                <a16:creationId xmlns:a16="http://schemas.microsoft.com/office/drawing/2014/main" id="{C557013A-626D-8340-8785-B6785E5F46EE}"/>
+              </a:ext>
+            </a:extLst>
+          </p:cNvPr>
+          <p:cNvSpPr/>
+          <p:nvPr/>
+        </p:nvSpPr>
+        <p:spPr>
+          <a:xfrm>
+            <a:off x="6046381" y="3727594"/>
+            <a:ext cx="360040" cy="360040"/>
+          </a:xfrm>
+          <a:prstGeom prst="ellipse">
+            <a:avLst/>
+          </a:prstGeom>
+          <a:ln>
+            <a:noFill/>
+          </a:ln>
+        </p:spPr>
+        <p:style>
+          <a:lnRef idx="2">
+            <a:schemeClr val="accent1">
+              <a:shade val="50000"/>
+            </a:schemeClr>
+          </a:lnRef>
+          <a:fillRef idx="1">
+            <a:schemeClr val="accent1"/>
+          </a:fillRef>
+          <a:effectRef idx="0">
+            <a:schemeClr val="accent1"/>
+          </a:effectRef>
+          <a:fontRef idx="minor">
+            <a:schemeClr val="lt1"/>
+          </a:fontRef>
+        </p:style>
+        <p:txBody>
+          <a:bodyPr rtlCol="0" anchor="ctr"/>
+          <a:lstStyle/>
+          <a:p>
+            <a:pPr algn="ctr"/>
+            <a:r>
+              <a:rPr lang="es-ES" dirty="0">
+                <a:solidFill>
+                  <a:schemeClr val="bg1"/>
+                </a:solidFill>
+              </a:rPr>
+              <a:t>5</a:t>
+            </a:r>
+            <a:endParaRPr lang="es-CO" dirty="0">
+              <a:solidFill>
+                <a:schemeClr val="bg1"/>
+              </a:solidFill>
+            </a:endParaRPr>
+          </a:p>
+        </p:txBody>
+      </p:sp>
+      <p:sp>
+        <p:nvSpPr>
+          <p:cNvPr id="49" name="Elipse 48">
+            <a:extLst>
+              <a:ext uri="{FF2B5EF4-FFF2-40B4-BE49-F238E27FC236}">
+                <a16:creationId xmlns:a16="http://schemas.microsoft.com/office/drawing/2014/main" id="{A39B8FAA-EFE7-4D4A-B9EE-4C5CDA00460B}"/>
+              </a:ext>
+            </a:extLst>
+          </p:cNvPr>
+          <p:cNvSpPr/>
+          <p:nvPr/>
+        </p:nvSpPr>
+        <p:spPr>
+          <a:xfrm>
+            <a:off x="7613139" y="4250588"/>
+            <a:ext cx="360040" cy="360040"/>
+          </a:xfrm>
+          <a:prstGeom prst="ellipse">
+            <a:avLst/>
+          </a:prstGeom>
+          <a:ln>
+            <a:noFill/>
+          </a:ln>
+        </p:spPr>
+        <p:style>
+          <a:lnRef idx="2">
+            <a:schemeClr val="accent1">
+              <a:shade val="50000"/>
+            </a:schemeClr>
+          </a:lnRef>
+          <a:fillRef idx="1">
+            <a:schemeClr val="accent1"/>
+          </a:fillRef>
+          <a:effectRef idx="0">
+            <a:schemeClr val="accent1"/>
+          </a:effectRef>
+          <a:fontRef idx="minor">
+            <a:schemeClr val="lt1"/>
+          </a:fontRef>
+        </p:style>
+        <p:txBody>
+          <a:bodyPr rtlCol="0" anchor="ctr"/>
+          <a:lstStyle/>
+          <a:p>
+            <a:pPr algn="ctr"/>
+            <a:r>
+              <a:rPr lang="es-ES" dirty="0">
+                <a:solidFill>
+                  <a:schemeClr val="bg1"/>
+                </a:solidFill>
+              </a:rPr>
+              <a:t>6</a:t>
+            </a:r>
+            <a:endParaRPr lang="es-CO" dirty="0">
+              <a:solidFill>
+                <a:schemeClr val="bg1"/>
+              </a:solidFill>
+            </a:endParaRPr>
+          </a:p>
+        </p:txBody>
+      </p:sp>
+      <p:sp>
+        <p:nvSpPr>
+          <p:cNvPr id="3" name="Rectángulo 2">
+            <a:extLst>
+              <a:ext uri="{FF2B5EF4-FFF2-40B4-BE49-F238E27FC236}">
+                <a16:creationId xmlns:a16="http://schemas.microsoft.com/office/drawing/2014/main" id="{20377914-2701-3048-B9D9-88EF61AA3B68}"/>
+              </a:ext>
+            </a:extLst>
+          </p:cNvPr>
+          <p:cNvSpPr/>
+          <p:nvPr/>
+        </p:nvSpPr>
+        <p:spPr>
+          <a:xfrm>
+            <a:off x="4058540" y="2755626"/>
+            <a:ext cx="284052" cy="307777"/>
           </a:xfrm>
           <a:prstGeom prst="rect">
             <a:avLst/>
@@ -10888,29 +11090,23 @@
             <a:r>
               <a:rPr lang="es-ES" dirty="0">
                 <a:solidFill>
-                  <a:schemeClr val="tx2"/>
-                </a:solidFill>
-              </a:rPr>
-              <a:t>Debemos pensar en los usuarios de las aplicaciones que realizamos. </a:t>
-            </a:r>
-          </a:p>
-          <a:p>
-            <a:pPr algn="ctr"/>
-            <a:r>
-              <a:rPr lang="es-ES" dirty="0">
-                <a:solidFill>
-                  <a:schemeClr val="tx2"/>
-                </a:solidFill>
-              </a:rPr>
-              <a:t>Qué facilidades les damos, qué experiencia ofrecemos, qué valor agregamos</a:t>
-            </a:r>
+                  <a:schemeClr val="bg1"/>
+                </a:solidFill>
+              </a:rPr>
+              <a:t>3</a:t>
+            </a:r>
+            <a:endParaRPr lang="es-CO" dirty="0">
+              <a:solidFill>
+                <a:schemeClr val="bg1"/>
+              </a:solidFill>
+            </a:endParaRPr>
           </a:p>
         </p:txBody>
       </p:sp>
     </p:spTree>
     <p:extLst>
       <p:ext uri="{BB962C8B-B14F-4D97-AF65-F5344CB8AC3E}">
-        <p14:creationId xmlns:p14="http://schemas.microsoft.com/office/powerpoint/2010/main" val="2430028735"/>
+        <p14:creationId xmlns:p14="http://schemas.microsoft.com/office/powerpoint/2010/main" val="3097196944"/>
       </p:ext>
     </p:extLst>
   </p:cSld>
@@ -10988,7 +11184,7 @@
                   <a:schemeClr val="tx2"/>
                 </a:solidFill>
               </a:rPr>
-              <a:t>UNIDAD 2</a:t>
+              <a:t>UNIDAD 1</a:t>
             </a:r>
           </a:p>
           <a:p>
@@ -10998,7 +11194,7 @@
                   <a:schemeClr val="tx2"/>
                 </a:solidFill>
               </a:rPr>
-              <a:t>Persistencia y ordenamiento</a:t>
+              <a:t>Construcción de la GUI</a:t>
             </a:r>
           </a:p>
           <a:p>
@@ -11103,7 +11299,7 @@
                   <a:schemeClr val="bg1"/>
                 </a:solidFill>
               </a:rPr>
-              <a:t>2</a:t>
+              <a:t>1</a:t>
             </a:r>
             <a:endParaRPr lang="es-CO" dirty="0">
               <a:solidFill>
@@ -11113,51 +11309,12 @@
           </a:p>
         </p:txBody>
       </p:sp>
-      <p:sp>
-        <p:nvSpPr>
-          <p:cNvPr id="4" name="Rectángulo 3">
+      <p:pic>
+        <p:nvPicPr>
+          <p:cNvPr id="1026" name="Picture 2" descr="Interfaz gráfica de usuario o GUI: Qué es y Para qué sirve | Workana">
             <a:extLst>
               <a:ext uri="{FF2B5EF4-FFF2-40B4-BE49-F238E27FC236}">
-                <a16:creationId xmlns:a16="http://schemas.microsoft.com/office/drawing/2014/main" id="{3C501BEC-C3C6-7143-BBE9-D9F6937B6CA5}"/>
-              </a:ext>
-            </a:extLst>
-          </p:cNvPr>
-          <p:cNvSpPr/>
-          <p:nvPr/>
-        </p:nvSpPr>
-        <p:spPr>
-          <a:xfrm>
-            <a:off x="1216586" y="4154624"/>
-            <a:ext cx="6167753" cy="523220"/>
-          </a:xfrm>
-          <a:prstGeom prst="rect">
-            <a:avLst/>
-          </a:prstGeom>
-        </p:spPr>
-        <p:txBody>
-          <a:bodyPr wrap="square">
-            <a:spAutoFit/>
-          </a:bodyPr>
-          <a:lstStyle/>
-          <a:p>
-            <a:pPr algn="ctr"/>
-            <a:r>
-              <a:rPr lang="es-ES" dirty="0">
-                <a:solidFill>
-                  <a:schemeClr val="tx2"/>
-                </a:solidFill>
-              </a:rPr>
-              <a:t>A la hora de presentar información se requiere que nuestros programas memoricen, pero también que ordenen los datos</a:t>
-            </a:r>
-          </a:p>
-        </p:txBody>
-      </p:sp>
-      <p:pic>
-        <p:nvPicPr>
-          <p:cNvPr id="2050" name="Picture 2" descr="Digital Brain Icons - Download Free Vector Icons | Noun Project">
-            <a:extLst>
-              <a:ext uri="{FF2B5EF4-FFF2-40B4-BE49-F238E27FC236}">
-                <a16:creationId xmlns:a16="http://schemas.microsoft.com/office/drawing/2014/main" id="{26C6E687-CDBB-5A45-873D-5DF5C34EBE01}"/>
+                <a16:creationId xmlns:a16="http://schemas.microsoft.com/office/drawing/2014/main" id="{B60F6265-D2F3-D642-9CC7-2944C731E045}"/>
               </a:ext>
             </a:extLst>
           </p:cNvPr>
@@ -11168,7 +11325,6 @@
         </p:nvPicPr>
         <p:blipFill>
           <a:blip r:embed="rId3">
-            <a:lum bright="70000" contrast="-70000"/>
             <a:extLst>
               <a:ext uri="{28A0092B-C50C-407E-A947-70E740481C1C}">
                 <a14:useLocalDpi xmlns:a14="http://schemas.microsoft.com/office/drawing/2010/main" val="0"/>
@@ -11182,13 +11338,18 @@
         </p:blipFill>
         <p:spPr bwMode="auto">
           <a:xfrm>
-            <a:off x="7685768" y="1384489"/>
-            <a:ext cx="954107" cy="954107"/>
+            <a:off x="3563888" y="1479792"/>
+            <a:ext cx="5328592" cy="2507954"/>
           </a:xfrm>
           <a:prstGeom prst="rect">
             <a:avLst/>
           </a:prstGeom>
           <a:noFill/>
+          <a:ln>
+            <a:solidFill>
+              <a:schemeClr val="tx1"/>
+            </a:solidFill>
+          </a:ln>
           <a:extLst>
             <a:ext uri="{909E8E84-426E-40DD-AFC4-6F175D3DCCD1}">
               <a14:hiddenFill xmlns:a14="http://schemas.microsoft.com/office/drawing/2010/main">
@@ -11202,10 +11363,10 @@
       </p:pic>
       <p:sp>
         <p:nvSpPr>
-          <p:cNvPr id="5" name="Rectángulo 4">
+          <p:cNvPr id="4" name="Rectángulo 3">
             <a:extLst>
               <a:ext uri="{FF2B5EF4-FFF2-40B4-BE49-F238E27FC236}">
-                <a16:creationId xmlns:a16="http://schemas.microsoft.com/office/drawing/2014/main" id="{B20B4D7F-16D5-6347-B70B-64889D56294B}"/>
+                <a16:creationId xmlns:a16="http://schemas.microsoft.com/office/drawing/2014/main" id="{3C501BEC-C3C6-7143-BBE9-D9F6937B6CA5}"/>
               </a:ext>
             </a:extLst>
           </p:cNvPr>
@@ -11214,8 +11375,8 @@
         </p:nvSpPr>
         <p:spPr>
           <a:xfrm>
-            <a:off x="7636875" y="2338596"/>
-            <a:ext cx="1051891" cy="307777"/>
+            <a:off x="1187624" y="4164517"/>
+            <a:ext cx="6311343" cy="523220"/>
           </a:xfrm>
           <a:prstGeom prst="rect">
             <a:avLst/>
@@ -11227,68 +11388,33 @@
           </a:bodyPr>
           <a:lstStyle/>
           <a:p>
-            <a:r>
-              <a:rPr lang="es-ES" b="1" dirty="0">
+            <a:pPr algn="ctr"/>
+            <a:r>
+              <a:rPr lang="es-ES" dirty="0">
                 <a:solidFill>
                   <a:schemeClr val="tx2"/>
                 </a:solidFill>
               </a:rPr>
-              <a:t>MEMORIA</a:t>
-            </a:r>
-          </a:p>
-        </p:txBody>
-      </p:sp>
-      <p:pic>
-        <p:nvPicPr>
-          <p:cNvPr id="2052" name="Picture 4" descr="Rubik&amp;#39;s Cube PNG Image | Rubiks cube, Cube, Cube puzzle">
-            <a:extLst>
-              <a:ext uri="{FF2B5EF4-FFF2-40B4-BE49-F238E27FC236}">
-                <a16:creationId xmlns:a16="http://schemas.microsoft.com/office/drawing/2014/main" id="{A03B5264-8007-394F-BED7-9663F126DAA9}"/>
-              </a:ext>
-            </a:extLst>
-          </p:cNvPr>
-          <p:cNvPicPr>
-            <a:picLocks noChangeAspect="1" noChangeArrowheads="1"/>
-          </p:cNvPicPr>
-          <p:nvPr/>
-        </p:nvPicPr>
-        <p:blipFill>
-          <a:blip r:embed="rId4">
-            <a:extLst>
-              <a:ext uri="{28A0092B-C50C-407E-A947-70E740481C1C}">
-                <a14:useLocalDpi xmlns:a14="http://schemas.microsoft.com/office/drawing/2010/main" val="0"/>
-              </a:ext>
-            </a:extLst>
-          </a:blip>
-          <a:srcRect/>
-          <a:stretch>
-            <a:fillRect/>
-          </a:stretch>
-        </p:blipFill>
-        <p:spPr bwMode="auto">
-          <a:xfrm>
-            <a:off x="4775889" y="1408951"/>
-            <a:ext cx="2592288" cy="2745673"/>
-          </a:xfrm>
-          <a:prstGeom prst="rect">
-            <a:avLst/>
-          </a:prstGeom>
-          <a:noFill/>
-          <a:extLst>
-            <a:ext uri="{909E8E84-426E-40DD-AFC4-6F175D3DCCD1}">
-              <a14:hiddenFill xmlns:a14="http://schemas.microsoft.com/office/drawing/2010/main">
-                <a:solidFill>
-                  <a:srgbClr val="FFFFFF"/>
-                </a:solidFill>
-              </a14:hiddenFill>
-            </a:ext>
-          </a:extLst>
-        </p:spPr>
-      </p:pic>
+              <a:t>Debemos pensar en los usuarios de las aplicaciones que realizamos. </a:t>
+            </a:r>
+          </a:p>
+          <a:p>
+            <a:pPr algn="ctr"/>
+            <a:r>
+              <a:rPr lang="es-ES" dirty="0">
+                <a:solidFill>
+                  <a:schemeClr val="tx2"/>
+                </a:solidFill>
+              </a:rPr>
+              <a:t>Qué facilidades les damos, qué experiencia ofrecemos, qué valor agregamos</a:t>
+            </a:r>
+          </a:p>
+        </p:txBody>
+      </p:sp>
     </p:spTree>
     <p:extLst>
       <p:ext uri="{BB962C8B-B14F-4D97-AF65-F5344CB8AC3E}">
-        <p14:creationId xmlns:p14="http://schemas.microsoft.com/office/powerpoint/2010/main" val="4169730243"/>
+        <p14:creationId xmlns:p14="http://schemas.microsoft.com/office/powerpoint/2010/main" val="2430028735"/>
       </p:ext>
     </p:extLst>
   </p:cSld>
@@ -11366,7 +11492,7 @@
                   <a:schemeClr val="tx2"/>
                 </a:solidFill>
               </a:rPr>
-              <a:t>UNIDAD 3</a:t>
+              <a:t>UNIDAD 2</a:t>
             </a:r>
           </a:p>
           <a:p>
@@ -11376,7 +11502,7 @@
                   <a:schemeClr val="tx2"/>
                 </a:solidFill>
               </a:rPr>
-              <a:t>Pruebas y excepciones</a:t>
+              <a:t>Persistencia y ordenamiento</a:t>
             </a:r>
           </a:p>
           <a:p>
@@ -11481,7 +11607,7 @@
                   <a:schemeClr val="bg1"/>
                 </a:solidFill>
               </a:rPr>
-              <a:t>3</a:t>
+              <a:t>2</a:t>
             </a:r>
             <a:endParaRPr lang="es-CO" dirty="0">
               <a:solidFill>
@@ -11525,33 +11651,17 @@
                   <a:schemeClr val="tx2"/>
                 </a:solidFill>
               </a:rPr>
-              <a:t>Los programas fallan, se deben </a:t>
-            </a:r>
-            <a:r>
-              <a:rPr lang="es-ES" dirty="0" err="1">
-                <a:solidFill>
-                  <a:schemeClr val="tx2"/>
-                </a:solidFill>
-              </a:rPr>
-              <a:t>preveer</a:t>
-            </a:r>
-            <a:r>
-              <a:rPr lang="es-ES" dirty="0">
-                <a:solidFill>
-                  <a:schemeClr val="tx2"/>
-                </a:solidFill>
-              </a:rPr>
-              <a:t> las situaciones y ponerlo a prueba de forma automática</a:t>
+              <a:t>A la hora de presentar información se requiere que nuestros programas memoricen, pero también que ordenen los datos</a:t>
             </a:r>
           </a:p>
         </p:txBody>
       </p:sp>
       <p:pic>
         <p:nvPicPr>
-          <p:cNvPr id="3074" name="Picture 2" descr="How to Automate Testing from the Beginning - Tech World Times">
+          <p:cNvPr id="2050" name="Picture 2" descr="Digital Brain Icons - Download Free Vector Icons | Noun Project">
             <a:extLst>
               <a:ext uri="{FF2B5EF4-FFF2-40B4-BE49-F238E27FC236}">
-                <a16:creationId xmlns:a16="http://schemas.microsoft.com/office/drawing/2014/main" id="{E4625F43-3A08-B34F-A3D5-B951BB72DA0E}"/>
+                <a16:creationId xmlns:a16="http://schemas.microsoft.com/office/drawing/2014/main" id="{26C6E687-CDBB-5A45-873D-5DF5C34EBE01}"/>
               </a:ext>
             </a:extLst>
           </p:cNvPr>
@@ -11562,6 +11672,7 @@
         </p:nvPicPr>
         <p:blipFill>
           <a:blip r:embed="rId3">
+            <a:lum bright="70000" contrast="-70000"/>
             <a:extLst>
               <a:ext uri="{28A0092B-C50C-407E-A947-70E740481C1C}">
                 <a14:useLocalDpi xmlns:a14="http://schemas.microsoft.com/office/drawing/2010/main" val="0"/>
@@ -11575,18 +11686,98 @@
         </p:blipFill>
         <p:spPr bwMode="auto">
           <a:xfrm>
-            <a:off x="3974147" y="1448126"/>
-            <a:ext cx="4502811" cy="2635792"/>
+            <a:off x="7685768" y="1384489"/>
+            <a:ext cx="954107" cy="954107"/>
           </a:xfrm>
           <a:prstGeom prst="rect">
             <a:avLst/>
           </a:prstGeom>
           <a:noFill/>
-          <a:ln>
-            <a:solidFill>
-              <a:schemeClr val="tx1"/>
-            </a:solidFill>
-          </a:ln>
+          <a:extLst>
+            <a:ext uri="{909E8E84-426E-40DD-AFC4-6F175D3DCCD1}">
+              <a14:hiddenFill xmlns:a14="http://schemas.microsoft.com/office/drawing/2010/main">
+                <a:solidFill>
+                  <a:srgbClr val="FFFFFF"/>
+                </a:solidFill>
+              </a14:hiddenFill>
+            </a:ext>
+          </a:extLst>
+        </p:spPr>
+      </p:pic>
+      <p:sp>
+        <p:nvSpPr>
+          <p:cNvPr id="5" name="Rectángulo 4">
+            <a:extLst>
+              <a:ext uri="{FF2B5EF4-FFF2-40B4-BE49-F238E27FC236}">
+                <a16:creationId xmlns:a16="http://schemas.microsoft.com/office/drawing/2014/main" id="{B20B4D7F-16D5-6347-B70B-64889D56294B}"/>
+              </a:ext>
+            </a:extLst>
+          </p:cNvPr>
+          <p:cNvSpPr/>
+          <p:nvPr/>
+        </p:nvSpPr>
+        <p:spPr>
+          <a:xfrm>
+            <a:off x="7636875" y="2338596"/>
+            <a:ext cx="1051891" cy="307777"/>
+          </a:xfrm>
+          <a:prstGeom prst="rect">
+            <a:avLst/>
+          </a:prstGeom>
+        </p:spPr>
+        <p:txBody>
+          <a:bodyPr wrap="none">
+            <a:spAutoFit/>
+          </a:bodyPr>
+          <a:lstStyle/>
+          <a:p>
+            <a:r>
+              <a:rPr lang="es-ES" b="1" dirty="0">
+                <a:solidFill>
+                  <a:schemeClr val="tx2"/>
+                </a:solidFill>
+              </a:rPr>
+              <a:t>MEMORIA</a:t>
+            </a:r>
+          </a:p>
+        </p:txBody>
+      </p:sp>
+      <p:pic>
+        <p:nvPicPr>
+          <p:cNvPr id="2052" name="Picture 4" descr="Rubik&amp;#39;s Cube PNG Image | Rubiks cube, Cube, Cube puzzle">
+            <a:extLst>
+              <a:ext uri="{FF2B5EF4-FFF2-40B4-BE49-F238E27FC236}">
+                <a16:creationId xmlns:a16="http://schemas.microsoft.com/office/drawing/2014/main" id="{A03B5264-8007-394F-BED7-9663F126DAA9}"/>
+              </a:ext>
+            </a:extLst>
+          </p:cNvPr>
+          <p:cNvPicPr>
+            <a:picLocks noChangeAspect="1" noChangeArrowheads="1"/>
+          </p:cNvPicPr>
+          <p:nvPr/>
+        </p:nvPicPr>
+        <p:blipFill>
+          <a:blip r:embed="rId4">
+            <a:extLst>
+              <a:ext uri="{28A0092B-C50C-407E-A947-70E740481C1C}">
+                <a14:useLocalDpi xmlns:a14="http://schemas.microsoft.com/office/drawing/2010/main" val="0"/>
+              </a:ext>
+            </a:extLst>
+          </a:blip>
+          <a:srcRect/>
+          <a:stretch>
+            <a:fillRect/>
+          </a:stretch>
+        </p:blipFill>
+        <p:spPr bwMode="auto">
+          <a:xfrm>
+            <a:off x="4775889" y="1408951"/>
+            <a:ext cx="2592288" cy="2745673"/>
+          </a:xfrm>
+          <a:prstGeom prst="rect">
+            <a:avLst/>
+          </a:prstGeom>
+          <a:noFill/>
           <a:extLst>
             <a:ext uri="{909E8E84-426E-40DD-AFC4-6F175D3DCCD1}">
               <a14:hiddenFill xmlns:a14="http://schemas.microsoft.com/office/drawing/2010/main">
@@ -11601,7 +11792,7 @@
     </p:spTree>
     <p:extLst>
       <p:ext uri="{BB962C8B-B14F-4D97-AF65-F5344CB8AC3E}">
-        <p14:creationId xmlns:p14="http://schemas.microsoft.com/office/powerpoint/2010/main" val="3748133930"/>
+        <p14:creationId xmlns:p14="http://schemas.microsoft.com/office/powerpoint/2010/main" val="4169730243"/>
       </p:ext>
     </p:extLst>
   </p:cSld>
@@ -11679,7 +11870,7 @@
                   <a:schemeClr val="tx2"/>
                 </a:solidFill>
               </a:rPr>
-              <a:t>UNIDAD  4</a:t>
+              <a:t>UNIDAD 3</a:t>
             </a:r>
           </a:p>
           <a:p>
@@ -11689,7 +11880,7 @@
                   <a:schemeClr val="tx2"/>
                 </a:solidFill>
               </a:rPr>
-              <a:t>Estructuras lineales</a:t>
+              <a:t>Pruebas y excepciones</a:t>
             </a:r>
           </a:p>
           <a:p>
@@ -11794,7 +11985,7 @@
                   <a:schemeClr val="bg1"/>
                 </a:solidFill>
               </a:rPr>
-              <a:t>4</a:t>
+              <a:t>3</a:t>
             </a:r>
             <a:endParaRPr lang="es-CO" dirty="0">
               <a:solidFill>
@@ -11818,8 +12009,8 @@
         </p:nvSpPr>
         <p:spPr>
           <a:xfrm>
-            <a:off x="800100" y="4155926"/>
-            <a:ext cx="7543800" cy="523220"/>
+            <a:off x="1216586" y="4154624"/>
+            <a:ext cx="6167753" cy="523220"/>
           </a:xfrm>
           <a:prstGeom prst="rect">
             <a:avLst/>
@@ -11838,17 +12029,33 @@
                   <a:schemeClr val="tx2"/>
                 </a:solidFill>
               </a:rPr>
-              <a:t>Los objetos son la estructura más simple de datos. Pero no es la única, se puede modelar una estructura lineal que según el caso puede optimizar la operación de un programa</a:t>
+              <a:t>Los programas fallan, se deben </a:t>
+            </a:r>
+            <a:r>
+              <a:rPr lang="es-ES" dirty="0" err="1">
+                <a:solidFill>
+                  <a:schemeClr val="tx2"/>
+                </a:solidFill>
+              </a:rPr>
+              <a:t>preveer</a:t>
+            </a:r>
+            <a:r>
+              <a:rPr lang="es-ES" dirty="0">
+                <a:solidFill>
+                  <a:schemeClr val="tx2"/>
+                </a:solidFill>
+              </a:rPr>
+              <a:t> las situaciones y ponerlo a prueba de forma automática</a:t>
             </a:r>
           </a:p>
         </p:txBody>
       </p:sp>
       <p:pic>
         <p:nvPicPr>
-          <p:cNvPr id="4098" name="Picture 2" descr="Qué son los grafos">
+          <p:cNvPr id="3074" name="Picture 2" descr="How to Automate Testing from the Beginning - Tech World Times">
             <a:extLst>
               <a:ext uri="{FF2B5EF4-FFF2-40B4-BE49-F238E27FC236}">
-                <a16:creationId xmlns:a16="http://schemas.microsoft.com/office/drawing/2014/main" id="{94956931-91E5-434E-B70A-CA5D503A95D1}"/>
+                <a16:creationId xmlns:a16="http://schemas.microsoft.com/office/drawing/2014/main" id="{E4625F43-3A08-B34F-A3D5-B951BB72DA0E}"/>
               </a:ext>
             </a:extLst>
           </p:cNvPr>
@@ -11872,8 +12079,8 @@
         </p:blipFill>
         <p:spPr bwMode="auto">
           <a:xfrm>
-            <a:off x="3776823" y="1447037"/>
-            <a:ext cx="4572001" cy="2344738"/>
+            <a:off x="3974147" y="1448126"/>
+            <a:ext cx="4502811" cy="2635792"/>
           </a:xfrm>
           <a:prstGeom prst="rect">
             <a:avLst/>
@@ -11895,57 +12102,10 @@
           </a:extLst>
         </p:spPr>
       </p:pic>
-      <p:pic>
-        <p:nvPicPr>
-          <p:cNvPr id="4100" name="Picture 4" descr="Grafo - Wikipedia, la enciclopedia libre">
-            <a:extLst>
-              <a:ext uri="{FF2B5EF4-FFF2-40B4-BE49-F238E27FC236}">
-                <a16:creationId xmlns:a16="http://schemas.microsoft.com/office/drawing/2014/main" id="{69CF3B83-6AB5-664A-AC39-9369E75E60D3}"/>
-              </a:ext>
-            </a:extLst>
-          </p:cNvPr>
-          <p:cNvPicPr>
-            <a:picLocks noChangeAspect="1" noChangeArrowheads="1"/>
-          </p:cNvPicPr>
-          <p:nvPr/>
-        </p:nvPicPr>
-        <p:blipFill>
-          <a:blip r:embed="rId4">
-            <a:extLst>
-              <a:ext uri="{28A0092B-C50C-407E-A947-70E740481C1C}">
-                <a14:useLocalDpi xmlns:a14="http://schemas.microsoft.com/office/drawing/2010/main" val="0"/>
-              </a:ext>
-            </a:extLst>
-          </a:blip>
-          <a:srcRect/>
-          <a:stretch>
-            <a:fillRect/>
-          </a:stretch>
-        </p:blipFill>
-        <p:spPr bwMode="auto">
-          <a:xfrm>
-            <a:off x="6512238" y="2733769"/>
-            <a:ext cx="2223212" cy="1467320"/>
-          </a:xfrm>
-          <a:prstGeom prst="rect">
-            <a:avLst/>
-          </a:prstGeom>
-          <a:noFill/>
-          <a:extLst>
-            <a:ext uri="{909E8E84-426E-40DD-AFC4-6F175D3DCCD1}">
-              <a14:hiddenFill xmlns:a14="http://schemas.microsoft.com/office/drawing/2010/main">
-                <a:solidFill>
-                  <a:srgbClr val="FFFFFF"/>
-                </a:solidFill>
-              </a14:hiddenFill>
-            </a:ext>
-          </a:extLst>
-        </p:spPr>
-      </p:pic>
     </p:spTree>
     <p:extLst>
       <p:ext uri="{BB962C8B-B14F-4D97-AF65-F5344CB8AC3E}">
-        <p14:creationId xmlns:p14="http://schemas.microsoft.com/office/powerpoint/2010/main" val="2843253039"/>
+        <p14:creationId xmlns:p14="http://schemas.microsoft.com/office/powerpoint/2010/main" val="3748133930"/>
       </p:ext>
     </p:extLst>
   </p:cSld>
@@ -12023,7 +12183,7 @@
                   <a:schemeClr val="tx2"/>
                 </a:solidFill>
               </a:rPr>
-              <a:t>UNIDAD 5</a:t>
+              <a:t>UNIDAD  4</a:t>
             </a:r>
           </a:p>
           <a:p>
@@ -12033,7 +12193,7 @@
                   <a:schemeClr val="tx2"/>
                 </a:solidFill>
               </a:rPr>
-              <a:t>Recursividad</a:t>
+              <a:t>Estructuras lineales</a:t>
             </a:r>
           </a:p>
           <a:p>
@@ -12138,7 +12298,7 @@
                   <a:schemeClr val="bg1"/>
                 </a:solidFill>
               </a:rPr>
-              <a:t>5</a:t>
+              <a:t>4</a:t>
             </a:r>
             <a:endParaRPr lang="es-CO" dirty="0">
               <a:solidFill>
@@ -12182,17 +12342,17 @@
                   <a:schemeClr val="tx2"/>
                 </a:solidFill>
               </a:rPr>
-              <a:t>Existen operaciones y estructuras con un comportamiento repetitivo. Para este caso se usa la recursividad</a:t>
+              <a:t>Los objetos son la estructura más simple de datos. Pero no es la única, se puede modelar una estructura lineal que según el caso puede optimizar la operación de un programa</a:t>
             </a:r>
           </a:p>
         </p:txBody>
       </p:sp>
       <p:pic>
         <p:nvPicPr>
-          <p:cNvPr id="5122" name="Picture 2" descr="Recursividad. O, como no resolverlo con un loop | by Kalim Al Razif | 10  goto 10 | Medium">
+          <p:cNvPr id="4098" name="Picture 2" descr="Qué son los grafos">
             <a:extLst>
               <a:ext uri="{FF2B5EF4-FFF2-40B4-BE49-F238E27FC236}">
-                <a16:creationId xmlns:a16="http://schemas.microsoft.com/office/drawing/2014/main" id="{7B341421-A276-794B-B549-09D132176344}"/>
+                <a16:creationId xmlns:a16="http://schemas.microsoft.com/office/drawing/2014/main" id="{94956931-91E5-434E-B70A-CA5D503A95D1}"/>
               </a:ext>
             </a:extLst>
           </p:cNvPr>
@@ -12216,8 +12376,60 @@
         </p:blipFill>
         <p:spPr bwMode="auto">
           <a:xfrm>
-            <a:off x="5886853" y="313576"/>
-            <a:ext cx="2671210" cy="3816014"/>
+            <a:off x="3776823" y="1447037"/>
+            <a:ext cx="4572001" cy="2344738"/>
+          </a:xfrm>
+          <a:prstGeom prst="rect">
+            <a:avLst/>
+          </a:prstGeom>
+          <a:noFill/>
+          <a:ln>
+            <a:solidFill>
+              <a:schemeClr val="tx1"/>
+            </a:solidFill>
+          </a:ln>
+          <a:extLst>
+            <a:ext uri="{909E8E84-426E-40DD-AFC4-6F175D3DCCD1}">
+              <a14:hiddenFill xmlns:a14="http://schemas.microsoft.com/office/drawing/2010/main">
+                <a:solidFill>
+                  <a:srgbClr val="FFFFFF"/>
+                </a:solidFill>
+              </a14:hiddenFill>
+            </a:ext>
+          </a:extLst>
+        </p:spPr>
+      </p:pic>
+      <p:pic>
+        <p:nvPicPr>
+          <p:cNvPr id="4100" name="Picture 4" descr="Grafo - Wikipedia, la enciclopedia libre">
+            <a:extLst>
+              <a:ext uri="{FF2B5EF4-FFF2-40B4-BE49-F238E27FC236}">
+                <a16:creationId xmlns:a16="http://schemas.microsoft.com/office/drawing/2014/main" id="{69CF3B83-6AB5-664A-AC39-9369E75E60D3}"/>
+              </a:ext>
+            </a:extLst>
+          </p:cNvPr>
+          <p:cNvPicPr>
+            <a:picLocks noChangeAspect="1" noChangeArrowheads="1"/>
+          </p:cNvPicPr>
+          <p:nvPr/>
+        </p:nvPicPr>
+        <p:blipFill>
+          <a:blip r:embed="rId4">
+            <a:extLst>
+              <a:ext uri="{28A0092B-C50C-407E-A947-70E740481C1C}">
+                <a14:useLocalDpi xmlns:a14="http://schemas.microsoft.com/office/drawing/2010/main" val="0"/>
+              </a:ext>
+            </a:extLst>
+          </a:blip>
+          <a:srcRect/>
+          <a:stretch>
+            <a:fillRect/>
+          </a:stretch>
+        </p:blipFill>
+        <p:spPr bwMode="auto">
+          <a:xfrm>
+            <a:off x="6512238" y="2733769"/>
+            <a:ext cx="2223212" cy="1467320"/>
           </a:xfrm>
           <a:prstGeom prst="rect">
             <a:avLst/>
@@ -12237,7 +12449,7 @@
     </p:spTree>
     <p:extLst>
       <p:ext uri="{BB962C8B-B14F-4D97-AF65-F5344CB8AC3E}">
-        <p14:creationId xmlns:p14="http://schemas.microsoft.com/office/powerpoint/2010/main" val="3355354417"/>
+        <p14:creationId xmlns:p14="http://schemas.microsoft.com/office/powerpoint/2010/main" val="2843253039"/>
       </p:ext>
     </p:extLst>
   </p:cSld>
@@ -12315,7 +12527,7 @@
                   <a:schemeClr val="tx2"/>
                 </a:solidFill>
               </a:rPr>
-              <a:t>UNIDAD 6</a:t>
+              <a:t>UNIDAD 5</a:t>
             </a:r>
           </a:p>
           <a:p>
@@ -12325,7 +12537,7 @@
                   <a:schemeClr val="tx2"/>
                 </a:solidFill>
               </a:rPr>
-              <a:t>Concurrencia</a:t>
+              <a:t>Recursividad</a:t>
             </a:r>
           </a:p>
           <a:p>
@@ -12481,10 +12693,10 @@
       </p:sp>
       <p:pic>
         <p:nvPicPr>
-          <p:cNvPr id="6146" name="Picture 2" descr="What is Multithreading in Python and How to Achieve it? Edureka">
+          <p:cNvPr id="5122" name="Picture 2" descr="Recursividad. O, como no resolverlo con un loop | by Kalim Al Razif | 10  goto 10 | Medium">
             <a:extLst>
               <a:ext uri="{FF2B5EF4-FFF2-40B4-BE49-F238E27FC236}">
-                <a16:creationId xmlns:a16="http://schemas.microsoft.com/office/drawing/2014/main" id="{58C2FA6A-6DAB-8247-B1A3-DA23DA06BDC1}"/>
+                <a16:creationId xmlns:a16="http://schemas.microsoft.com/office/drawing/2014/main" id="{7B341421-A276-794B-B549-09D132176344}"/>
               </a:ext>
             </a:extLst>
           </p:cNvPr>
@@ -12508,8 +12720,8 @@
         </p:blipFill>
         <p:spPr bwMode="auto">
           <a:xfrm>
-            <a:off x="3555092" y="1442142"/>
-            <a:ext cx="5017919" cy="2603996"/>
+            <a:off x="5886853" y="313576"/>
+            <a:ext cx="2671210" cy="3816014"/>
           </a:xfrm>
           <a:prstGeom prst="rect">
             <a:avLst/>
@@ -12529,7 +12741,7 @@
     </p:spTree>
     <p:extLst>
       <p:ext uri="{BB962C8B-B14F-4D97-AF65-F5344CB8AC3E}">
-        <p14:creationId xmlns:p14="http://schemas.microsoft.com/office/powerpoint/2010/main" val="1393395410"/>
+        <p14:creationId xmlns:p14="http://schemas.microsoft.com/office/powerpoint/2010/main" val="3355354417"/>
       </p:ext>
     </p:extLst>
   </p:cSld>
